--- a/C++/程設專題/reports/10138 CVDII.pptx
+++ b/C++/程設專題/reports/10138 CVDII.pptx
@@ -6,43 +6,46 @@
   </p:sldMasterIdLst>
   <p:sldIdLst>
     <p:sldId id="256" r:id="rId2"/>
-    <p:sldId id="257" r:id="rId3"/>
-    <p:sldId id="258" r:id="rId4"/>
-    <p:sldId id="259" r:id="rId5"/>
-    <p:sldId id="260" r:id="rId6"/>
-    <p:sldId id="264" r:id="rId7"/>
-    <p:sldId id="263" r:id="rId8"/>
-    <p:sldId id="265" r:id="rId9"/>
-    <p:sldId id="266" r:id="rId10"/>
-    <p:sldId id="267" r:id="rId11"/>
-    <p:sldId id="268" r:id="rId12"/>
-    <p:sldId id="270" r:id="rId13"/>
-    <p:sldId id="269" r:id="rId14"/>
-    <p:sldId id="271" r:id="rId15"/>
-    <p:sldId id="261" r:id="rId16"/>
-    <p:sldId id="262" r:id="rId17"/>
+    <p:sldId id="272" r:id="rId3"/>
+    <p:sldId id="257" r:id="rId4"/>
+    <p:sldId id="258" r:id="rId5"/>
+    <p:sldId id="273" r:id="rId6"/>
+    <p:sldId id="259" r:id="rId7"/>
+    <p:sldId id="274" r:id="rId8"/>
+    <p:sldId id="260" r:id="rId9"/>
+    <p:sldId id="264" r:id="rId10"/>
+    <p:sldId id="263" r:id="rId11"/>
+    <p:sldId id="265" r:id="rId12"/>
+    <p:sldId id="266" r:id="rId13"/>
+    <p:sldId id="267" r:id="rId14"/>
+    <p:sldId id="268" r:id="rId15"/>
+    <p:sldId id="270" r:id="rId16"/>
+    <p:sldId id="269" r:id="rId17"/>
+    <p:sldId id="271" r:id="rId18"/>
+    <p:sldId id="261" r:id="rId19"/>
+    <p:sldId id="262" r:id="rId20"/>
   </p:sldIdLst>
   <p:sldSz cx="12192000" cy="6858000"/>
   <p:notesSz cx="6858000" cy="9144000"/>
   <p:embeddedFontLst>
     <p:embeddedFont>
+      <p:font typeface="Consolas" panose="020B0609020204030204" pitchFamily="49" charset="0"/>
+      <p:regular r:id="rId21"/>
+      <p:bold r:id="rId22"/>
+      <p:italic r:id="rId23"/>
+      <p:boldItalic r:id="rId24"/>
+    </p:embeddedFont>
+    <p:embeddedFont>
+      <p:font typeface="Wingdings 2" panose="05020102010507070707" pitchFamily="18" charset="2"/>
+      <p:regular r:id="rId25"/>
+    </p:embeddedFont>
+    <p:embeddedFont>
       <p:font typeface="源樣黑體 H" panose="020B0A00000000000000" pitchFamily="34" charset="-120"/>
-      <p:bold r:id="rId18"/>
+      <p:bold r:id="rId26"/>
     </p:embeddedFont>
     <p:embeddedFont>
       <p:font typeface="源樣黑體 M" panose="020B0600000000000000" pitchFamily="34" charset="-120"/>
-      <p:regular r:id="rId19"/>
-    </p:embeddedFont>
-    <p:embeddedFont>
-      <p:font typeface="Consolas" panose="020B0609020204030204" pitchFamily="49" charset="0"/>
-      <p:regular r:id="rId20"/>
-      <p:bold r:id="rId21"/>
-      <p:italic r:id="rId22"/>
-      <p:boldItalic r:id="rId23"/>
-    </p:embeddedFont>
-    <p:embeddedFont>
-      <p:font typeface="Wingdings 2" panose="05020102010507070707" pitchFamily="18" charset="2"/>
-      <p:regular r:id="rId24"/>
+      <p:regular r:id="rId27"/>
     </p:embeddedFont>
   </p:embeddedFontLst>
   <p:defaultTextStyle>
@@ -327,7 +330,7 @@
           <a:p>
             <a:fld id="{9E016143-E03C-4CFD-AFDC-14E5BDEA754C}" type="datetimeFigureOut">
               <a:rPr lang="en-US" dirty="0"/>
-              <a:t>9/25/2023</a:t>
+              <a:t>9/26/2023</a:t>
             </a:fld>
             <a:endParaRPr lang="en-US" dirty="0"/>
           </a:p>
@@ -551,7 +554,7 @@
           <a:p>
             <a:fld id="{C033E54A-A8CA-48C1-9504-691B58049D29}" type="datetimeFigureOut">
               <a:rPr lang="en-US" dirty="0"/>
-              <a:t>9/25/2023</a:t>
+              <a:t>9/26/2023</a:t>
             </a:fld>
             <a:endParaRPr lang="en-US" dirty="0"/>
           </a:p>
@@ -726,7 +729,7 @@
           <a:p>
             <a:fld id="{B5F6C806-BBF7-471C-9527-881CE2266695}" type="datetimeFigureOut">
               <a:rPr lang="en-US" dirty="0"/>
-              <a:t>9/25/2023</a:t>
+              <a:t>9/26/2023</a:t>
             </a:fld>
             <a:endParaRPr lang="en-US" dirty="0"/>
           </a:p>
@@ -891,7 +894,7 @@
           <a:p>
             <a:fld id="{78C94063-DF36-4330-A365-08DA1FA5B7D6}" type="datetimeFigureOut">
               <a:rPr lang="en-US" dirty="0"/>
-              <a:t>9/25/2023</a:t>
+              <a:t>9/26/2023</a:t>
             </a:fld>
             <a:endParaRPr lang="en-US" dirty="0"/>
           </a:p>
@@ -1140,7 +1143,7 @@
           <a:p>
             <a:fld id="{908A7C6C-0F39-4D70-8E8D-FE5B9C95FA73}" type="datetimeFigureOut">
               <a:rPr lang="en-US" dirty="0"/>
-              <a:t>9/25/2023</a:t>
+              <a:t>9/26/2023</a:t>
             </a:fld>
             <a:endParaRPr lang="en-US" dirty="0"/>
           </a:p>
@@ -1461,7 +1464,7 @@
           <a:p>
             <a:fld id="{DFCFA4AC-08CC-42CE-BD01-C191750A04EC}" type="datetimeFigureOut">
               <a:rPr lang="en-US" dirty="0"/>
-              <a:t>9/25/2023</a:t>
+              <a:t>9/26/2023</a:t>
             </a:fld>
             <a:endParaRPr lang="en-US" dirty="0"/>
           </a:p>
@@ -1907,7 +1910,7 @@
           <a:p>
             <a:fld id="{1BA7A723-92A7-435B-B681-F25B092FEFEB}" type="datetimeFigureOut">
               <a:rPr lang="en-US" dirty="0"/>
-              <a:t>9/25/2023</a:t>
+              <a:t>9/26/2023</a:t>
             </a:fld>
             <a:endParaRPr lang="en-US" dirty="0"/>
           </a:p>
@@ -2020,7 +2023,7 @@
           <a:p>
             <a:fld id="{4F170639-886C-4FCF-9EAB-ABB5DA3F3F4A}" type="datetimeFigureOut">
               <a:rPr lang="en-US" dirty="0"/>
-              <a:t>9/25/2023</a:t>
+              <a:t>9/26/2023</a:t>
             </a:fld>
             <a:endParaRPr lang="en-US" dirty="0"/>
           </a:p>
@@ -2110,7 +2113,7 @@
           <a:p>
             <a:fld id="{22230651-31F4-45D2-98AE-A2108F41BC07}" type="datetimeFigureOut">
               <a:rPr lang="en-US" dirty="0"/>
-              <a:t>9/25/2023</a:t>
+              <a:t>9/26/2023</a:t>
             </a:fld>
             <a:endParaRPr lang="en-US" dirty="0"/>
           </a:p>
@@ -2392,7 +2395,7 @@
           <a:p>
             <a:fld id="{6F53789A-C914-4DB1-8815-80B5EC7335C5}" type="datetimeFigureOut">
               <a:rPr lang="en-US" dirty="0"/>
-              <a:t>9/25/2023</a:t>
+              <a:t>9/26/2023</a:t>
             </a:fld>
             <a:endParaRPr lang="en-US" dirty="0"/>
           </a:p>
@@ -2709,7 +2712,7 @@
           <a:p>
             <a:fld id="{5E6440AA-91A0-436F-8FDB-C0F939DCAE21}" type="datetimeFigureOut">
               <a:rPr lang="en-US" dirty="0"/>
-              <a:t>9/25/2023</a:t>
+              <a:t>9/26/2023</a:t>
             </a:fld>
             <a:endParaRPr lang="en-US" dirty="0"/>
           </a:p>
@@ -2958,7 +2961,7 @@
           <a:p>
             <a:fld id="{0E59FD0C-5451-4CA0-86AF-E70AE3279989}" type="datetimeFigureOut">
               <a:rPr lang="en-US" dirty="0"/>
-              <a:t>9/25/2023</a:t>
+              <a:t>9/26/2023</a:t>
             </a:fld>
             <a:endParaRPr lang="en-US" dirty="0"/>
           </a:p>
@@ -3545,6 +3548,1901 @@
           <p:nvPr>
             <p:extLst>
               <p:ext uri="{D42A27DB-BD31-4B8C-83A1-F6EECF244321}">
+                <p14:modId xmlns:p14="http://schemas.microsoft.com/office/powerpoint/2010/main" val="3964325796"/>
+              </p:ext>
+            </p:extLst>
+          </p:nvPr>
+        </p:nvGraphicFramePr>
+        <p:xfrm>
+          <a:off x="1261872" y="1828800"/>
+          <a:ext cx="8589600" cy="1854200"/>
+        </p:xfrm>
+        <a:graphic>
+          <a:graphicData uri="http://schemas.openxmlformats.org/drawingml/2006/table">
+            <a:tbl>
+              <a:tblPr firstRow="1" bandRow="1">
+                <a:tableStyleId>{5C22544A-7EE6-4342-B048-85BDC9FD1C3A}</a:tableStyleId>
+              </a:tblPr>
+              <a:tblGrid>
+                <a:gridCol w="2147400">
+                  <a:extLst>
+                    <a:ext uri="{9D8B030D-6E8A-4147-A177-3AD203B41FA5}">
+                      <a16:colId xmlns:a16="http://schemas.microsoft.com/office/drawing/2014/main" val="890743239"/>
+                    </a:ext>
+                  </a:extLst>
+                </a:gridCol>
+                <a:gridCol w="2147400">
+                  <a:extLst>
+                    <a:ext uri="{9D8B030D-6E8A-4147-A177-3AD203B41FA5}">
+                      <a16:colId xmlns:a16="http://schemas.microsoft.com/office/drawing/2014/main" val="2670466567"/>
+                    </a:ext>
+                  </a:extLst>
+                </a:gridCol>
+                <a:gridCol w="2147400">
+                  <a:extLst>
+                    <a:ext uri="{9D8B030D-6E8A-4147-A177-3AD203B41FA5}">
+                      <a16:colId xmlns:a16="http://schemas.microsoft.com/office/drawing/2014/main" val="1543249520"/>
+                    </a:ext>
+                  </a:extLst>
+                </a:gridCol>
+                <a:gridCol w="2147400">
+                  <a:extLst>
+                    <a:ext uri="{9D8B030D-6E8A-4147-A177-3AD203B41FA5}">
+                      <a16:colId xmlns:a16="http://schemas.microsoft.com/office/drawing/2014/main" val="4105514518"/>
+                    </a:ext>
+                  </a:extLst>
+                </a:gridCol>
+              </a:tblGrid>
+              <a:tr h="370840">
+                <a:tc>
+                  <a:txBody>
+                    <a:bodyPr/>
+                    <a:lstStyle/>
+                    <a:p>
+                      <a:r>
+                        <a:rPr lang="en-US" altLang="zh-TW"/>
+                        <a:t>name</a:t>
+                      </a:r>
+                      <a:endParaRPr lang="zh-TW" altLang="en-US"/>
+                    </a:p>
+                  </a:txBody>
+                  <a:tcPr/>
+                </a:tc>
+                <a:tc>
+                  <a:txBody>
+                    <a:bodyPr/>
+                    <a:lstStyle/>
+                    <a:p>
+                      <a:r>
+                        <a:rPr lang="en-US" altLang="zh-TW">
+                          <a:solidFill>
+                            <a:schemeClr val="tx1"/>
+                          </a:solidFill>
+                          <a:highlight>
+                            <a:srgbClr val="FFFF00"/>
+                          </a:highlight>
+                        </a:rPr>
+                        <a:t>time</a:t>
+                      </a:r>
+                      <a:endParaRPr lang="zh-TW" altLang="en-US">
+                        <a:solidFill>
+                          <a:schemeClr val="tx1"/>
+                        </a:solidFill>
+                        <a:highlight>
+                          <a:srgbClr val="FFFF00"/>
+                        </a:highlight>
+                      </a:endParaRPr>
+                    </a:p>
+                  </a:txBody>
+                  <a:tcPr/>
+                </a:tc>
+                <a:tc>
+                  <a:txBody>
+                    <a:bodyPr/>
+                    <a:lstStyle/>
+                    <a:p>
+                      <a:r>
+                        <a:rPr lang="en-US" altLang="zh-TW"/>
+                        <a:t>behavior</a:t>
+                      </a:r>
+                      <a:endParaRPr lang="zh-TW" altLang="en-US"/>
+                    </a:p>
+                  </a:txBody>
+                  <a:tcPr/>
+                </a:tc>
+                <a:tc>
+                  <a:txBody>
+                    <a:bodyPr/>
+                    <a:lstStyle/>
+                    <a:p>
+                      <a:r>
+                        <a:rPr lang="en-US" altLang="zh-TW"/>
+                        <a:t>position</a:t>
+                      </a:r>
+                      <a:endParaRPr lang="zh-TW" altLang="en-US"/>
+                    </a:p>
+                  </a:txBody>
+                  <a:tcPr/>
+                </a:tc>
+                <a:extLst>
+                  <a:ext uri="{0D108BD9-81ED-4DB2-BD59-A6C34878D82A}">
+                    <a16:rowId xmlns:a16="http://schemas.microsoft.com/office/drawing/2014/main" val="2461060276"/>
+                  </a:ext>
+                </a:extLst>
+              </a:tr>
+              <a:tr h="370840">
+                <a:tc>
+                  <a:txBody>
+                    <a:bodyPr/>
+                    <a:lstStyle/>
+                    <a:p>
+                      <a:r>
+                        <a:rPr lang="de-DE" altLang="zh-TW">
+                          <a:latin typeface="Consolas" panose="020B0609020204030204" pitchFamily="49" charset="0"/>
+                        </a:rPr>
+                        <a:t>765DEF</a:t>
+                      </a:r>
+                      <a:endParaRPr lang="zh-TW" altLang="en-US"/>
+                    </a:p>
+                  </a:txBody>
+                  <a:tcPr/>
+                </a:tc>
+                <a:tc>
+                  <a:txBody>
+                    <a:bodyPr/>
+                    <a:lstStyle/>
+                    <a:p>
+                      <a:r>
+                        <a:rPr lang="de-DE" altLang="zh-TW">
+                          <a:latin typeface="Consolas" panose="020B0609020204030204" pitchFamily="49" charset="0"/>
+                        </a:rPr>
+                        <a:t>01:01:05:59</a:t>
+                      </a:r>
+                    </a:p>
+                  </a:txBody>
+                  <a:tcPr/>
+                </a:tc>
+                <a:tc>
+                  <a:txBody>
+                    <a:bodyPr/>
+                    <a:lstStyle/>
+                    <a:p>
+                      <a:r>
+                        <a:rPr lang="de-DE" altLang="zh-TW">
+                          <a:latin typeface="Consolas" panose="020B0609020204030204" pitchFamily="49" charset="0"/>
+                        </a:rPr>
+                        <a:t>enter</a:t>
+                      </a:r>
+                      <a:endParaRPr lang="zh-TW" altLang="en-US"/>
+                    </a:p>
+                  </a:txBody>
+                  <a:tcPr/>
+                </a:tc>
+                <a:tc>
+                  <a:txBody>
+                    <a:bodyPr/>
+                    <a:lstStyle/>
+                    <a:p>
+                      <a:r>
+                        <a:rPr lang="de-DE" altLang="zh-TW">
+                          <a:latin typeface="Consolas" panose="020B0609020204030204" pitchFamily="49" charset="0"/>
+                        </a:rPr>
+                        <a:t>17</a:t>
+                      </a:r>
+                      <a:endParaRPr lang="zh-TW" altLang="en-US"/>
+                    </a:p>
+                  </a:txBody>
+                  <a:tcPr/>
+                </a:tc>
+                <a:extLst>
+                  <a:ext uri="{0D108BD9-81ED-4DB2-BD59-A6C34878D82A}">
+                    <a16:rowId xmlns:a16="http://schemas.microsoft.com/office/drawing/2014/main" val="1515131760"/>
+                  </a:ext>
+                </a:extLst>
+              </a:tr>
+              <a:tr h="370840">
+                <a:tc>
+                  <a:txBody>
+                    <a:bodyPr/>
+                    <a:lstStyle/>
+                    <a:p>
+                      <a:r>
+                        <a:rPr lang="de-DE" altLang="zh-TW">
+                          <a:latin typeface="Consolas" panose="020B0609020204030204" pitchFamily="49" charset="0"/>
+                        </a:rPr>
+                        <a:t>ABCD123</a:t>
+                      </a:r>
+                      <a:endParaRPr lang="zh-TW" altLang="en-US"/>
+                    </a:p>
+                  </a:txBody>
+                  <a:tcPr/>
+                </a:tc>
+                <a:tc>
+                  <a:txBody>
+                    <a:bodyPr/>
+                    <a:lstStyle/>
+                    <a:p>
+                      <a:r>
+                        <a:rPr lang="de-DE" altLang="zh-TW">
+                          <a:latin typeface="Consolas" panose="020B0609020204030204" pitchFamily="49" charset="0"/>
+                        </a:rPr>
+                        <a:t>01:01:06:01</a:t>
+                      </a:r>
+                    </a:p>
+                  </a:txBody>
+                  <a:tcPr/>
+                </a:tc>
+                <a:tc>
+                  <a:txBody>
+                    <a:bodyPr/>
+                    <a:lstStyle/>
+                    <a:p>
+                      <a:r>
+                        <a:rPr lang="de-DE" altLang="zh-TW">
+                          <a:latin typeface="Consolas" panose="020B0609020204030204" pitchFamily="49" charset="0"/>
+                        </a:rPr>
+                        <a:t>enter</a:t>
+                      </a:r>
+                      <a:endParaRPr lang="zh-TW" altLang="en-US"/>
+                    </a:p>
+                  </a:txBody>
+                  <a:tcPr/>
+                </a:tc>
+                <a:tc>
+                  <a:txBody>
+                    <a:bodyPr/>
+                    <a:lstStyle/>
+                    <a:p>
+                      <a:r>
+                        <a:rPr lang="de-DE" altLang="zh-TW">
+                          <a:latin typeface="Consolas" panose="020B0609020204030204" pitchFamily="49" charset="0"/>
+                        </a:rPr>
+                        <a:t>12</a:t>
+                      </a:r>
+                      <a:endParaRPr lang="zh-TW" altLang="en-US"/>
+                    </a:p>
+                  </a:txBody>
+                  <a:tcPr/>
+                </a:tc>
+                <a:extLst>
+                  <a:ext uri="{0D108BD9-81ED-4DB2-BD59-A6C34878D82A}">
+                    <a16:rowId xmlns:a16="http://schemas.microsoft.com/office/drawing/2014/main" val="1217678301"/>
+                  </a:ext>
+                </a:extLst>
+              </a:tr>
+              <a:tr h="370840">
+                <a:tc>
+                  <a:txBody>
+                    <a:bodyPr/>
+                    <a:lstStyle/>
+                    <a:p>
+                      <a:r>
+                        <a:rPr lang="de-DE" altLang="zh-TW">
+                          <a:latin typeface="Consolas" panose="020B0609020204030204" pitchFamily="49" charset="0"/>
+                        </a:rPr>
+                        <a:t>765DEF</a:t>
+                      </a:r>
+                      <a:endParaRPr lang="zh-TW" altLang="en-US"/>
+                    </a:p>
+                  </a:txBody>
+                  <a:tcPr/>
+                </a:tc>
+                <a:tc>
+                  <a:txBody>
+                    <a:bodyPr/>
+                    <a:lstStyle/>
+                    <a:p>
+                      <a:r>
+                        <a:rPr lang="de-DE" altLang="zh-TW">
+                          <a:latin typeface="Consolas" panose="020B0609020204030204" pitchFamily="49" charset="0"/>
+                        </a:rPr>
+                        <a:t>01:01:07:00</a:t>
+                      </a:r>
+                    </a:p>
+                  </a:txBody>
+                  <a:tcPr/>
+                </a:tc>
+                <a:tc>
+                  <a:txBody>
+                    <a:bodyPr/>
+                    <a:lstStyle/>
+                    <a:p>
+                      <a:r>
+                        <a:rPr lang="de-DE" altLang="zh-TW">
+                          <a:latin typeface="Consolas" panose="020B0609020204030204" pitchFamily="49" charset="0"/>
+                        </a:rPr>
+                        <a:t>exit</a:t>
+                      </a:r>
+                      <a:endParaRPr lang="zh-TW" altLang="en-US"/>
+                    </a:p>
+                  </a:txBody>
+                  <a:tcPr/>
+                </a:tc>
+                <a:tc>
+                  <a:txBody>
+                    <a:bodyPr/>
+                    <a:lstStyle/>
+                    <a:p>
+                      <a:r>
+                        <a:rPr lang="de-DE" altLang="zh-TW">
+                          <a:latin typeface="Consolas" panose="020B0609020204030204" pitchFamily="49" charset="0"/>
+                        </a:rPr>
+                        <a:t>95</a:t>
+                      </a:r>
+                      <a:endParaRPr lang="zh-TW" altLang="en-US"/>
+                    </a:p>
+                  </a:txBody>
+                  <a:tcPr/>
+                </a:tc>
+                <a:extLst>
+                  <a:ext uri="{0D108BD9-81ED-4DB2-BD59-A6C34878D82A}">
+                    <a16:rowId xmlns:a16="http://schemas.microsoft.com/office/drawing/2014/main" val="355494396"/>
+                  </a:ext>
+                </a:extLst>
+              </a:tr>
+              <a:tr h="370840">
+                <a:tc>
+                  <a:txBody>
+                    <a:bodyPr/>
+                    <a:lstStyle/>
+                    <a:p>
+                      <a:r>
+                        <a:rPr lang="de-DE" altLang="zh-TW">
+                          <a:latin typeface="Consolas" panose="020B0609020204030204" pitchFamily="49" charset="0"/>
+                        </a:rPr>
+                        <a:t>ABCD123</a:t>
+                      </a:r>
+                      <a:endParaRPr lang="zh-TW" altLang="en-US"/>
+                    </a:p>
+                  </a:txBody>
+                  <a:tcPr/>
+                </a:tc>
+                <a:tc>
+                  <a:txBody>
+                    <a:bodyPr/>
+                    <a:lstStyle/>
+                    <a:p>
+                      <a:r>
+                        <a:rPr lang="de-DE" altLang="zh-TW">
+                          <a:latin typeface="Consolas" panose="020B0609020204030204" pitchFamily="49" charset="0"/>
+                        </a:rPr>
+                        <a:t>01:01:08:03</a:t>
+                      </a:r>
+                    </a:p>
+                  </a:txBody>
+                  <a:tcPr/>
+                </a:tc>
+                <a:tc>
+                  <a:txBody>
+                    <a:bodyPr/>
+                    <a:lstStyle/>
+                    <a:p>
+                      <a:r>
+                        <a:rPr lang="de-DE" altLang="zh-TW">
+                          <a:latin typeface="Consolas" panose="020B0609020204030204" pitchFamily="49" charset="0"/>
+                        </a:rPr>
+                        <a:t>exit</a:t>
+                      </a:r>
+                      <a:endParaRPr lang="zh-TW" altLang="en-US"/>
+                    </a:p>
+                  </a:txBody>
+                  <a:tcPr/>
+                </a:tc>
+                <a:tc>
+                  <a:txBody>
+                    <a:bodyPr/>
+                    <a:lstStyle/>
+                    <a:p>
+                      <a:r>
+                        <a:rPr lang="de-DE" altLang="zh-TW">
+                          <a:latin typeface="Consolas" panose="020B0609020204030204" pitchFamily="49" charset="0"/>
+                        </a:rPr>
+                        <a:t>100</a:t>
+                      </a:r>
+                      <a:endParaRPr lang="zh-TW" altLang="en-US"/>
+                    </a:p>
+                  </a:txBody>
+                  <a:tcPr/>
+                </a:tc>
+                <a:extLst>
+                  <a:ext uri="{0D108BD9-81ED-4DB2-BD59-A6C34878D82A}">
+                    <a16:rowId xmlns:a16="http://schemas.microsoft.com/office/drawing/2014/main" val="610660536"/>
+                  </a:ext>
+                </a:extLst>
+              </a:tr>
+            </a:tbl>
+          </a:graphicData>
+        </a:graphic>
+      </p:graphicFrame>
+      <p:sp>
+        <p:nvSpPr>
+          <p:cNvPr id="2" name="標題 1">
+            <a:extLst>
+              <a:ext uri="{FF2B5EF4-FFF2-40B4-BE49-F238E27FC236}">
+                <a16:creationId xmlns:a16="http://schemas.microsoft.com/office/drawing/2014/main" id="{FD5B1493-1257-45E4-A5F8-1A4B08ABFF03}"/>
+              </a:ext>
+            </a:extLst>
+          </p:cNvPr>
+          <p:cNvSpPr>
+            <a:spLocks noGrp="1"/>
+          </p:cNvSpPr>
+          <p:nvPr>
+            <p:ph type="title"/>
+          </p:nvPr>
+        </p:nvSpPr>
+        <p:spPr/>
+        <p:txBody>
+          <a:bodyPr/>
+          <a:lstStyle/>
+          <a:p>
+            <a:r>
+              <a:rPr lang="zh-TW" altLang="en-US"/>
+              <a:t>解法</a:t>
+            </a:r>
+          </a:p>
+        </p:txBody>
+      </p:sp>
+    </p:spTree>
+    <p:extLst>
+      <p:ext uri="{BB962C8B-B14F-4D97-AF65-F5344CB8AC3E}">
+        <p14:creationId xmlns:p14="http://schemas.microsoft.com/office/powerpoint/2010/main" val="84023740"/>
+      </p:ext>
+    </p:extLst>
+  </p:cSld>
+  <p:clrMapOvr>
+    <a:masterClrMapping/>
+  </p:clrMapOvr>
+</p:sld>
+</file>
+
+<file path=ppt/slides/slide11.xml><?xml version="1.0" encoding="utf-8"?>
+<p:sld xmlns:a="http://schemas.openxmlformats.org/drawingml/2006/main" xmlns:r="http://schemas.openxmlformats.org/officeDocument/2006/relationships" xmlns:p="http://schemas.openxmlformats.org/presentationml/2006/main">
+  <p:cSld>
+    <p:spTree>
+      <p:nvGrpSpPr>
+        <p:cNvPr id="1" name=""/>
+        <p:cNvGrpSpPr/>
+        <p:nvPr/>
+      </p:nvGrpSpPr>
+      <p:grpSpPr>
+        <a:xfrm>
+          <a:off x="0" y="0"/>
+          <a:ext cx="0" cy="0"/>
+          <a:chOff x="0" y="0"/>
+          <a:chExt cx="0" cy="0"/>
+        </a:xfrm>
+      </p:grpSpPr>
+      <p:graphicFrame>
+        <p:nvGraphicFramePr>
+          <p:cNvPr id="4" name="表格 3">
+            <a:extLst>
+              <a:ext uri="{FF2B5EF4-FFF2-40B4-BE49-F238E27FC236}">
+                <a16:creationId xmlns:a16="http://schemas.microsoft.com/office/drawing/2014/main" id="{86F4EC14-F37A-47BB-8993-FFCD07A3828C}"/>
+              </a:ext>
+            </a:extLst>
+          </p:cNvPr>
+          <p:cNvGraphicFramePr>
+            <a:graphicFrameLocks noGrp="1"/>
+          </p:cNvGraphicFramePr>
+          <p:nvPr>
+            <p:extLst>
+              <p:ext uri="{D42A27DB-BD31-4B8C-83A1-F6EECF244321}">
+                <p14:modId xmlns:p14="http://schemas.microsoft.com/office/powerpoint/2010/main" val="329744691"/>
+              </p:ext>
+            </p:extLst>
+          </p:nvPr>
+        </p:nvGraphicFramePr>
+        <p:xfrm>
+          <a:off x="1261872" y="1828800"/>
+          <a:ext cx="8589600" cy="1854200"/>
+        </p:xfrm>
+        <a:graphic>
+          <a:graphicData uri="http://schemas.openxmlformats.org/drawingml/2006/table">
+            <a:tbl>
+              <a:tblPr firstRow="1" bandRow="1">
+                <a:tableStyleId>{5C22544A-7EE6-4342-B048-85BDC9FD1C3A}</a:tableStyleId>
+              </a:tblPr>
+              <a:tblGrid>
+                <a:gridCol w="2147400">
+                  <a:extLst>
+                    <a:ext uri="{9D8B030D-6E8A-4147-A177-3AD203B41FA5}">
+                      <a16:colId xmlns:a16="http://schemas.microsoft.com/office/drawing/2014/main" val="890743239"/>
+                    </a:ext>
+                  </a:extLst>
+                </a:gridCol>
+                <a:gridCol w="2147400">
+                  <a:extLst>
+                    <a:ext uri="{9D8B030D-6E8A-4147-A177-3AD203B41FA5}">
+                      <a16:colId xmlns:a16="http://schemas.microsoft.com/office/drawing/2014/main" val="2670466567"/>
+                    </a:ext>
+                  </a:extLst>
+                </a:gridCol>
+                <a:gridCol w="2147400">
+                  <a:extLst>
+                    <a:ext uri="{9D8B030D-6E8A-4147-A177-3AD203B41FA5}">
+                      <a16:colId xmlns:a16="http://schemas.microsoft.com/office/drawing/2014/main" val="1543249520"/>
+                    </a:ext>
+                  </a:extLst>
+                </a:gridCol>
+                <a:gridCol w="2147400">
+                  <a:extLst>
+                    <a:ext uri="{9D8B030D-6E8A-4147-A177-3AD203B41FA5}">
+                      <a16:colId xmlns:a16="http://schemas.microsoft.com/office/drawing/2014/main" val="4105514518"/>
+                    </a:ext>
+                  </a:extLst>
+                </a:gridCol>
+              </a:tblGrid>
+              <a:tr h="370840">
+                <a:tc>
+                  <a:txBody>
+                    <a:bodyPr/>
+                    <a:lstStyle/>
+                    <a:p>
+                      <a:r>
+                        <a:rPr lang="en-US" altLang="zh-TW" sz="1800" b="1" kern="1200">
+                          <a:solidFill>
+                            <a:schemeClr val="lt1"/>
+                          </a:solidFill>
+                          <a:latin typeface="+mn-lt"/>
+                          <a:ea typeface="+mn-ea"/>
+                          <a:cs typeface="+mn-cs"/>
+                        </a:rPr>
+                        <a:t>name</a:t>
+                      </a:r>
+                      <a:endParaRPr lang="zh-TW" altLang="en-US" sz="1800" b="1" kern="1200">
+                        <a:solidFill>
+                          <a:schemeClr val="lt1"/>
+                        </a:solidFill>
+                        <a:latin typeface="+mn-lt"/>
+                        <a:ea typeface="+mn-ea"/>
+                        <a:cs typeface="+mn-cs"/>
+                      </a:endParaRPr>
+                    </a:p>
+                  </a:txBody>
+                  <a:tcPr/>
+                </a:tc>
+                <a:tc>
+                  <a:txBody>
+                    <a:bodyPr/>
+                    <a:lstStyle/>
+                    <a:p>
+                      <a:r>
+                        <a:rPr lang="en-US" altLang="zh-TW" sz="1800" b="1" kern="1200">
+                          <a:solidFill>
+                            <a:schemeClr val="lt1"/>
+                          </a:solidFill>
+                          <a:latin typeface="+mn-lt"/>
+                          <a:ea typeface="+mn-ea"/>
+                          <a:cs typeface="+mn-cs"/>
+                        </a:rPr>
+                        <a:t>time</a:t>
+                      </a:r>
+                      <a:endParaRPr lang="zh-TW" altLang="en-US" sz="1800" b="1" kern="1200">
+                        <a:solidFill>
+                          <a:schemeClr val="lt1"/>
+                        </a:solidFill>
+                        <a:latin typeface="+mn-lt"/>
+                        <a:ea typeface="+mn-ea"/>
+                        <a:cs typeface="+mn-cs"/>
+                      </a:endParaRPr>
+                    </a:p>
+                  </a:txBody>
+                  <a:tcPr/>
+                </a:tc>
+                <a:tc>
+                  <a:txBody>
+                    <a:bodyPr/>
+                    <a:lstStyle/>
+                    <a:p>
+                      <a:r>
+                        <a:rPr lang="en-US" altLang="zh-TW"/>
+                        <a:t>behavior</a:t>
+                      </a:r>
+                      <a:endParaRPr lang="zh-TW" altLang="en-US"/>
+                    </a:p>
+                  </a:txBody>
+                  <a:tcPr/>
+                </a:tc>
+                <a:tc>
+                  <a:txBody>
+                    <a:bodyPr/>
+                    <a:lstStyle/>
+                    <a:p>
+                      <a:r>
+                        <a:rPr lang="en-US" altLang="zh-TW"/>
+                        <a:t>position</a:t>
+                      </a:r>
+                      <a:endParaRPr lang="zh-TW" altLang="en-US"/>
+                    </a:p>
+                  </a:txBody>
+                  <a:tcPr/>
+                </a:tc>
+                <a:extLst>
+                  <a:ext uri="{0D108BD9-81ED-4DB2-BD59-A6C34878D82A}">
+                    <a16:rowId xmlns:a16="http://schemas.microsoft.com/office/drawing/2014/main" val="2461060276"/>
+                  </a:ext>
+                </a:extLst>
+              </a:tr>
+              <a:tr h="370840">
+                <a:tc>
+                  <a:txBody>
+                    <a:bodyPr/>
+                    <a:lstStyle/>
+                    <a:p>
+                      <a:r>
+                        <a:rPr lang="de-DE" altLang="zh-TW">
+                          <a:latin typeface="Consolas" panose="020B0609020204030204" pitchFamily="49" charset="0"/>
+                        </a:rPr>
+                        <a:t>765DEF</a:t>
+                      </a:r>
+                      <a:endParaRPr lang="zh-TW" altLang="en-US"/>
+                    </a:p>
+                  </a:txBody>
+                  <a:tcPr/>
+                </a:tc>
+                <a:tc>
+                  <a:txBody>
+                    <a:bodyPr/>
+                    <a:lstStyle/>
+                    <a:p>
+                      <a:r>
+                        <a:rPr lang="de-DE" altLang="zh-TW">
+                          <a:latin typeface="Consolas" panose="020B0609020204030204" pitchFamily="49" charset="0"/>
+                        </a:rPr>
+                        <a:t>01:01:05:59</a:t>
+                      </a:r>
+                    </a:p>
+                  </a:txBody>
+                  <a:tcPr/>
+                </a:tc>
+                <a:tc>
+                  <a:txBody>
+                    <a:bodyPr/>
+                    <a:lstStyle/>
+                    <a:p>
+                      <a:r>
+                        <a:rPr lang="de-DE" altLang="zh-TW">
+                          <a:latin typeface="Consolas" panose="020B0609020204030204" pitchFamily="49" charset="0"/>
+                        </a:rPr>
+                        <a:t>enter</a:t>
+                      </a:r>
+                      <a:endParaRPr lang="zh-TW" altLang="en-US"/>
+                    </a:p>
+                  </a:txBody>
+                  <a:tcPr/>
+                </a:tc>
+                <a:tc>
+                  <a:txBody>
+                    <a:bodyPr/>
+                    <a:lstStyle/>
+                    <a:p>
+                      <a:r>
+                        <a:rPr lang="de-DE" altLang="zh-TW">
+                          <a:latin typeface="Consolas" panose="020B0609020204030204" pitchFamily="49" charset="0"/>
+                        </a:rPr>
+                        <a:t>17</a:t>
+                      </a:r>
+                      <a:endParaRPr lang="zh-TW" altLang="en-US"/>
+                    </a:p>
+                  </a:txBody>
+                  <a:tcPr/>
+                </a:tc>
+                <a:extLst>
+                  <a:ext uri="{0D108BD9-81ED-4DB2-BD59-A6C34878D82A}">
+                    <a16:rowId xmlns:a16="http://schemas.microsoft.com/office/drawing/2014/main" val="1515131760"/>
+                  </a:ext>
+                </a:extLst>
+              </a:tr>
+              <a:tr h="370840">
+                <a:tc>
+                  <a:txBody>
+                    <a:bodyPr/>
+                    <a:lstStyle/>
+                    <a:p>
+                      <a:r>
+                        <a:rPr lang="de-DE" altLang="zh-TW">
+                          <a:latin typeface="Consolas" panose="020B0609020204030204" pitchFamily="49" charset="0"/>
+                        </a:rPr>
+                        <a:t>ABCD123</a:t>
+                      </a:r>
+                      <a:endParaRPr lang="zh-TW" altLang="en-US"/>
+                    </a:p>
+                  </a:txBody>
+                  <a:tcPr/>
+                </a:tc>
+                <a:tc>
+                  <a:txBody>
+                    <a:bodyPr/>
+                    <a:lstStyle/>
+                    <a:p>
+                      <a:r>
+                        <a:rPr lang="de-DE" altLang="zh-TW">
+                          <a:latin typeface="Consolas" panose="020B0609020204030204" pitchFamily="49" charset="0"/>
+                        </a:rPr>
+                        <a:t>01:01:06:01</a:t>
+                      </a:r>
+                    </a:p>
+                  </a:txBody>
+                  <a:tcPr/>
+                </a:tc>
+                <a:tc>
+                  <a:txBody>
+                    <a:bodyPr/>
+                    <a:lstStyle/>
+                    <a:p>
+                      <a:r>
+                        <a:rPr lang="de-DE" altLang="zh-TW">
+                          <a:latin typeface="Consolas" panose="020B0609020204030204" pitchFamily="49" charset="0"/>
+                        </a:rPr>
+                        <a:t>enter</a:t>
+                      </a:r>
+                      <a:endParaRPr lang="zh-TW" altLang="en-US"/>
+                    </a:p>
+                  </a:txBody>
+                  <a:tcPr/>
+                </a:tc>
+                <a:tc>
+                  <a:txBody>
+                    <a:bodyPr/>
+                    <a:lstStyle/>
+                    <a:p>
+                      <a:r>
+                        <a:rPr lang="de-DE" altLang="zh-TW">
+                          <a:latin typeface="Consolas" panose="020B0609020204030204" pitchFamily="49" charset="0"/>
+                        </a:rPr>
+                        <a:t>12</a:t>
+                      </a:r>
+                      <a:endParaRPr lang="zh-TW" altLang="en-US"/>
+                    </a:p>
+                  </a:txBody>
+                  <a:tcPr/>
+                </a:tc>
+                <a:extLst>
+                  <a:ext uri="{0D108BD9-81ED-4DB2-BD59-A6C34878D82A}">
+                    <a16:rowId xmlns:a16="http://schemas.microsoft.com/office/drawing/2014/main" val="1217678301"/>
+                  </a:ext>
+                </a:extLst>
+              </a:tr>
+              <a:tr h="370840">
+                <a:tc>
+                  <a:txBody>
+                    <a:bodyPr/>
+                    <a:lstStyle/>
+                    <a:p>
+                      <a:r>
+                        <a:rPr lang="de-DE" altLang="zh-TW">
+                          <a:latin typeface="Consolas" panose="020B0609020204030204" pitchFamily="49" charset="0"/>
+                        </a:rPr>
+                        <a:t>765DEF</a:t>
+                      </a:r>
+                      <a:endParaRPr lang="zh-TW" altLang="en-US"/>
+                    </a:p>
+                  </a:txBody>
+                  <a:tcPr/>
+                </a:tc>
+                <a:tc>
+                  <a:txBody>
+                    <a:bodyPr/>
+                    <a:lstStyle/>
+                    <a:p>
+                      <a:r>
+                        <a:rPr lang="de-DE" altLang="zh-TW">
+                          <a:latin typeface="Consolas" panose="020B0609020204030204" pitchFamily="49" charset="0"/>
+                        </a:rPr>
+                        <a:t>01:01:07:00</a:t>
+                      </a:r>
+                    </a:p>
+                  </a:txBody>
+                  <a:tcPr/>
+                </a:tc>
+                <a:tc>
+                  <a:txBody>
+                    <a:bodyPr/>
+                    <a:lstStyle/>
+                    <a:p>
+                      <a:r>
+                        <a:rPr lang="de-DE" altLang="zh-TW">
+                          <a:latin typeface="Consolas" panose="020B0609020204030204" pitchFamily="49" charset="0"/>
+                        </a:rPr>
+                        <a:t>exit</a:t>
+                      </a:r>
+                      <a:endParaRPr lang="zh-TW" altLang="en-US"/>
+                    </a:p>
+                  </a:txBody>
+                  <a:tcPr/>
+                </a:tc>
+                <a:tc>
+                  <a:txBody>
+                    <a:bodyPr/>
+                    <a:lstStyle/>
+                    <a:p>
+                      <a:r>
+                        <a:rPr lang="de-DE" altLang="zh-TW">
+                          <a:latin typeface="Consolas" panose="020B0609020204030204" pitchFamily="49" charset="0"/>
+                        </a:rPr>
+                        <a:t>95</a:t>
+                      </a:r>
+                      <a:endParaRPr lang="zh-TW" altLang="en-US"/>
+                    </a:p>
+                  </a:txBody>
+                  <a:tcPr/>
+                </a:tc>
+                <a:extLst>
+                  <a:ext uri="{0D108BD9-81ED-4DB2-BD59-A6C34878D82A}">
+                    <a16:rowId xmlns:a16="http://schemas.microsoft.com/office/drawing/2014/main" val="355494396"/>
+                  </a:ext>
+                </a:extLst>
+              </a:tr>
+              <a:tr h="370840">
+                <a:tc>
+                  <a:txBody>
+                    <a:bodyPr/>
+                    <a:lstStyle/>
+                    <a:p>
+                      <a:r>
+                        <a:rPr lang="de-DE" altLang="zh-TW">
+                          <a:latin typeface="Consolas" panose="020B0609020204030204" pitchFamily="49" charset="0"/>
+                        </a:rPr>
+                        <a:t>ABCD123</a:t>
+                      </a:r>
+                      <a:endParaRPr lang="zh-TW" altLang="en-US"/>
+                    </a:p>
+                  </a:txBody>
+                  <a:tcPr/>
+                </a:tc>
+                <a:tc>
+                  <a:txBody>
+                    <a:bodyPr/>
+                    <a:lstStyle/>
+                    <a:p>
+                      <a:r>
+                        <a:rPr lang="de-DE" altLang="zh-TW">
+                          <a:latin typeface="Consolas" panose="020B0609020204030204" pitchFamily="49" charset="0"/>
+                        </a:rPr>
+                        <a:t>01:01:08:03</a:t>
+                      </a:r>
+                    </a:p>
+                  </a:txBody>
+                  <a:tcPr/>
+                </a:tc>
+                <a:tc>
+                  <a:txBody>
+                    <a:bodyPr/>
+                    <a:lstStyle/>
+                    <a:p>
+                      <a:r>
+                        <a:rPr lang="de-DE" altLang="zh-TW">
+                          <a:latin typeface="Consolas" panose="020B0609020204030204" pitchFamily="49" charset="0"/>
+                        </a:rPr>
+                        <a:t>exit</a:t>
+                      </a:r>
+                      <a:endParaRPr lang="zh-TW" altLang="en-US"/>
+                    </a:p>
+                  </a:txBody>
+                  <a:tcPr/>
+                </a:tc>
+                <a:tc>
+                  <a:txBody>
+                    <a:bodyPr/>
+                    <a:lstStyle/>
+                    <a:p>
+                      <a:r>
+                        <a:rPr lang="de-DE" altLang="zh-TW">
+                          <a:latin typeface="Consolas" panose="020B0609020204030204" pitchFamily="49" charset="0"/>
+                        </a:rPr>
+                        <a:t>100</a:t>
+                      </a:r>
+                      <a:endParaRPr lang="zh-TW" altLang="en-US"/>
+                    </a:p>
+                  </a:txBody>
+                  <a:tcPr/>
+                </a:tc>
+                <a:extLst>
+                  <a:ext uri="{0D108BD9-81ED-4DB2-BD59-A6C34878D82A}">
+                    <a16:rowId xmlns:a16="http://schemas.microsoft.com/office/drawing/2014/main" val="610660536"/>
+                  </a:ext>
+                </a:extLst>
+              </a:tr>
+            </a:tbl>
+          </a:graphicData>
+        </a:graphic>
+      </p:graphicFrame>
+      <p:sp>
+        <p:nvSpPr>
+          <p:cNvPr id="2" name="標題 1">
+            <a:extLst>
+              <a:ext uri="{FF2B5EF4-FFF2-40B4-BE49-F238E27FC236}">
+                <a16:creationId xmlns:a16="http://schemas.microsoft.com/office/drawing/2014/main" id="{FD5B1493-1257-45E4-A5F8-1A4B08ABFF03}"/>
+              </a:ext>
+            </a:extLst>
+          </p:cNvPr>
+          <p:cNvSpPr>
+            <a:spLocks noGrp="1"/>
+          </p:cNvSpPr>
+          <p:nvPr>
+            <p:ph type="title"/>
+          </p:nvPr>
+        </p:nvSpPr>
+        <p:spPr/>
+        <p:txBody>
+          <a:bodyPr/>
+          <a:lstStyle/>
+          <a:p>
+            <a:r>
+              <a:rPr lang="zh-TW" altLang="en-US"/>
+              <a:t>解法</a:t>
+            </a:r>
+          </a:p>
+        </p:txBody>
+      </p:sp>
+      <p:graphicFrame>
+        <p:nvGraphicFramePr>
+          <p:cNvPr id="3" name="表格 2">
+            <a:extLst>
+              <a:ext uri="{FF2B5EF4-FFF2-40B4-BE49-F238E27FC236}">
+                <a16:creationId xmlns:a16="http://schemas.microsoft.com/office/drawing/2014/main" id="{F5BACB3F-4769-4BD8-BC56-8E073F5CDF50}"/>
+              </a:ext>
+            </a:extLst>
+          </p:cNvPr>
+          <p:cNvGraphicFramePr>
+            <a:graphicFrameLocks noGrp="1"/>
+          </p:cNvGraphicFramePr>
+          <p:nvPr>
+            <p:extLst>
+              <p:ext uri="{D42A27DB-BD31-4B8C-83A1-F6EECF244321}">
+                <p14:modId xmlns:p14="http://schemas.microsoft.com/office/powerpoint/2010/main" val="3046949141"/>
+              </p:ext>
+            </p:extLst>
+          </p:nvPr>
+        </p:nvGraphicFramePr>
+        <p:xfrm>
+          <a:off x="6096672" y="3961629"/>
+          <a:ext cx="3754800" cy="370840"/>
+        </p:xfrm>
+        <a:graphic>
+          <a:graphicData uri="http://schemas.openxmlformats.org/drawingml/2006/table">
+            <a:tbl>
+              <a:tblPr firstRow="1" bandRow="1">
+                <a:tableStyleId>{5C22544A-7EE6-4342-B048-85BDC9FD1C3A}</a:tableStyleId>
+              </a:tblPr>
+              <a:tblGrid>
+                <a:gridCol w="1877400">
+                  <a:extLst>
+                    <a:ext uri="{9D8B030D-6E8A-4147-A177-3AD203B41FA5}">
+                      <a16:colId xmlns:a16="http://schemas.microsoft.com/office/drawing/2014/main" val="675905845"/>
+                    </a:ext>
+                  </a:extLst>
+                </a:gridCol>
+                <a:gridCol w="1877400">
+                  <a:extLst>
+                    <a:ext uri="{9D8B030D-6E8A-4147-A177-3AD203B41FA5}">
+                      <a16:colId xmlns:a16="http://schemas.microsoft.com/office/drawing/2014/main" val="3870910898"/>
+                    </a:ext>
+                  </a:extLst>
+                </a:gridCol>
+              </a:tblGrid>
+              <a:tr h="370840">
+                <a:tc>
+                  <a:txBody>
+                    <a:bodyPr/>
+                    <a:lstStyle/>
+                    <a:p>
+                      <a:r>
+                        <a:rPr lang="en-US" altLang="zh-TW"/>
+                        <a:t>name</a:t>
+                      </a:r>
+                      <a:endParaRPr lang="zh-TW" altLang="en-US"/>
+                    </a:p>
+                  </a:txBody>
+                  <a:tcPr/>
+                </a:tc>
+                <a:tc>
+                  <a:txBody>
+                    <a:bodyPr/>
+                    <a:lstStyle/>
+                    <a:p>
+                      <a:r>
+                        <a:rPr lang="en-US" altLang="zh-TW"/>
+                        <a:t>money</a:t>
+                      </a:r>
+                      <a:endParaRPr lang="zh-TW" altLang="en-US"/>
+                    </a:p>
+                  </a:txBody>
+                  <a:tcPr/>
+                </a:tc>
+                <a:extLst>
+                  <a:ext uri="{0D108BD9-81ED-4DB2-BD59-A6C34878D82A}">
+                    <a16:rowId xmlns:a16="http://schemas.microsoft.com/office/drawing/2014/main" val="1471625119"/>
+                  </a:ext>
+                </a:extLst>
+              </a:tr>
+            </a:tbl>
+          </a:graphicData>
+        </a:graphic>
+      </p:graphicFrame>
+      <p:graphicFrame>
+        <p:nvGraphicFramePr>
+          <p:cNvPr id="5" name="表格 4">
+            <a:extLst>
+              <a:ext uri="{FF2B5EF4-FFF2-40B4-BE49-F238E27FC236}">
+                <a16:creationId xmlns:a16="http://schemas.microsoft.com/office/drawing/2014/main" id="{AC16E3E4-AECA-4792-B9C7-E978D357A329}"/>
+              </a:ext>
+            </a:extLst>
+          </p:cNvPr>
+          <p:cNvGraphicFramePr>
+            <a:graphicFrameLocks noGrp="1"/>
+          </p:cNvGraphicFramePr>
+          <p:nvPr>
+            <p:extLst>
+              <p:ext uri="{D42A27DB-BD31-4B8C-83A1-F6EECF244321}">
+                <p14:modId xmlns:p14="http://schemas.microsoft.com/office/powerpoint/2010/main" val="2484526569"/>
+              </p:ext>
+            </p:extLst>
+          </p:nvPr>
+        </p:nvGraphicFramePr>
+        <p:xfrm>
+          <a:off x="1261872" y="3961629"/>
+          <a:ext cx="4665600" cy="370840"/>
+        </p:xfrm>
+        <a:graphic>
+          <a:graphicData uri="http://schemas.openxmlformats.org/drawingml/2006/table">
+            <a:tbl>
+              <a:tblPr firstRow="1" bandRow="1">
+                <a:tableStyleId>{5C22544A-7EE6-4342-B048-85BDC9FD1C3A}</a:tableStyleId>
+              </a:tblPr>
+              <a:tblGrid>
+                <a:gridCol w="1062924">
+                  <a:extLst>
+                    <a:ext uri="{9D8B030D-6E8A-4147-A177-3AD203B41FA5}">
+                      <a16:colId xmlns:a16="http://schemas.microsoft.com/office/drawing/2014/main" val="675905845"/>
+                    </a:ext>
+                  </a:extLst>
+                </a:gridCol>
+                <a:gridCol w="3602676">
+                  <a:extLst>
+                    <a:ext uri="{9D8B030D-6E8A-4147-A177-3AD203B41FA5}">
+                      <a16:colId xmlns:a16="http://schemas.microsoft.com/office/drawing/2014/main" val="3870910898"/>
+                    </a:ext>
+                  </a:extLst>
+                </a:gridCol>
+              </a:tblGrid>
+              <a:tr h="370840">
+                <a:tc>
+                  <a:txBody>
+                    <a:bodyPr/>
+                    <a:lstStyle/>
+                    <a:p>
+                      <a:r>
+                        <a:rPr lang="en-US" altLang="zh-TW"/>
+                        <a:t>name</a:t>
+                      </a:r>
+                      <a:endParaRPr lang="zh-TW" altLang="en-US"/>
+                    </a:p>
+                  </a:txBody>
+                  <a:tcPr/>
+                </a:tc>
+                <a:tc>
+                  <a:txBody>
+                    <a:bodyPr/>
+                    <a:lstStyle/>
+                    <a:p>
+                      <a:r>
+                        <a:rPr lang="en-US" altLang="zh-TW"/>
+                        <a:t>name,  time, behavior, position</a:t>
+                      </a:r>
+                      <a:endParaRPr lang="zh-TW" altLang="en-US"/>
+                    </a:p>
+                  </a:txBody>
+                  <a:tcPr/>
+                </a:tc>
+                <a:extLst>
+                  <a:ext uri="{0D108BD9-81ED-4DB2-BD59-A6C34878D82A}">
+                    <a16:rowId xmlns:a16="http://schemas.microsoft.com/office/drawing/2014/main" val="1471625119"/>
+                  </a:ext>
+                </a:extLst>
+              </a:tr>
+            </a:tbl>
+          </a:graphicData>
+        </a:graphic>
+      </p:graphicFrame>
+    </p:spTree>
+    <p:extLst>
+      <p:ext uri="{BB962C8B-B14F-4D97-AF65-F5344CB8AC3E}">
+        <p14:creationId xmlns:p14="http://schemas.microsoft.com/office/powerpoint/2010/main" val="2437083106"/>
+      </p:ext>
+    </p:extLst>
+  </p:cSld>
+  <p:clrMapOvr>
+    <a:masterClrMapping/>
+  </p:clrMapOvr>
+</p:sld>
+</file>
+
+<file path=ppt/slides/slide12.xml><?xml version="1.0" encoding="utf-8"?>
+<p:sld xmlns:a="http://schemas.openxmlformats.org/drawingml/2006/main" xmlns:r="http://schemas.openxmlformats.org/officeDocument/2006/relationships" xmlns:p="http://schemas.openxmlformats.org/presentationml/2006/main">
+  <p:cSld>
+    <p:spTree>
+      <p:nvGrpSpPr>
+        <p:cNvPr id="1" name=""/>
+        <p:cNvGrpSpPr/>
+        <p:nvPr/>
+      </p:nvGrpSpPr>
+      <p:grpSpPr>
+        <a:xfrm>
+          <a:off x="0" y="0"/>
+          <a:ext cx="0" cy="0"/>
+          <a:chOff x="0" y="0"/>
+          <a:chExt cx="0" cy="0"/>
+        </a:xfrm>
+      </p:grpSpPr>
+      <p:graphicFrame>
+        <p:nvGraphicFramePr>
+          <p:cNvPr id="4" name="表格 3">
+            <a:extLst>
+              <a:ext uri="{FF2B5EF4-FFF2-40B4-BE49-F238E27FC236}">
+                <a16:creationId xmlns:a16="http://schemas.microsoft.com/office/drawing/2014/main" id="{86F4EC14-F37A-47BB-8993-FFCD07A3828C}"/>
+              </a:ext>
+            </a:extLst>
+          </p:cNvPr>
+          <p:cNvGraphicFramePr>
+            <a:graphicFrameLocks noGrp="1"/>
+          </p:cNvGraphicFramePr>
+          <p:nvPr>
+            <p:extLst>
+              <p:ext uri="{D42A27DB-BD31-4B8C-83A1-F6EECF244321}">
+                <p14:modId xmlns:p14="http://schemas.microsoft.com/office/powerpoint/2010/main" val="1440386321"/>
+              </p:ext>
+            </p:extLst>
+          </p:nvPr>
+        </p:nvGraphicFramePr>
+        <p:xfrm>
+          <a:off x="1261872" y="1828800"/>
+          <a:ext cx="8589600" cy="1854200"/>
+        </p:xfrm>
+        <a:graphic>
+          <a:graphicData uri="http://schemas.openxmlformats.org/drawingml/2006/table">
+            <a:tbl>
+              <a:tblPr firstRow="1" bandRow="1">
+                <a:tableStyleId>{5C22544A-7EE6-4342-B048-85BDC9FD1C3A}</a:tableStyleId>
+              </a:tblPr>
+              <a:tblGrid>
+                <a:gridCol w="2147400">
+                  <a:extLst>
+                    <a:ext uri="{9D8B030D-6E8A-4147-A177-3AD203B41FA5}">
+                      <a16:colId xmlns:a16="http://schemas.microsoft.com/office/drawing/2014/main" val="890743239"/>
+                    </a:ext>
+                  </a:extLst>
+                </a:gridCol>
+                <a:gridCol w="2147400">
+                  <a:extLst>
+                    <a:ext uri="{9D8B030D-6E8A-4147-A177-3AD203B41FA5}">
+                      <a16:colId xmlns:a16="http://schemas.microsoft.com/office/drawing/2014/main" val="2670466567"/>
+                    </a:ext>
+                  </a:extLst>
+                </a:gridCol>
+                <a:gridCol w="2147400">
+                  <a:extLst>
+                    <a:ext uri="{9D8B030D-6E8A-4147-A177-3AD203B41FA5}">
+                      <a16:colId xmlns:a16="http://schemas.microsoft.com/office/drawing/2014/main" val="1543249520"/>
+                    </a:ext>
+                  </a:extLst>
+                </a:gridCol>
+                <a:gridCol w="2147400">
+                  <a:extLst>
+                    <a:ext uri="{9D8B030D-6E8A-4147-A177-3AD203B41FA5}">
+                      <a16:colId xmlns:a16="http://schemas.microsoft.com/office/drawing/2014/main" val="4105514518"/>
+                    </a:ext>
+                  </a:extLst>
+                </a:gridCol>
+              </a:tblGrid>
+              <a:tr h="370840">
+                <a:tc>
+                  <a:txBody>
+                    <a:bodyPr/>
+                    <a:lstStyle/>
+                    <a:p>
+                      <a:r>
+                        <a:rPr lang="en-US" altLang="zh-TW" sz="1800" b="1" kern="1200">
+                          <a:solidFill>
+                            <a:schemeClr val="lt1"/>
+                          </a:solidFill>
+                          <a:latin typeface="+mn-lt"/>
+                          <a:ea typeface="+mn-ea"/>
+                          <a:cs typeface="+mn-cs"/>
+                        </a:rPr>
+                        <a:t>name</a:t>
+                      </a:r>
+                      <a:endParaRPr lang="zh-TW" altLang="en-US" sz="1800" b="1" kern="1200">
+                        <a:solidFill>
+                          <a:schemeClr val="lt1"/>
+                        </a:solidFill>
+                        <a:latin typeface="+mn-lt"/>
+                        <a:ea typeface="+mn-ea"/>
+                        <a:cs typeface="+mn-cs"/>
+                      </a:endParaRPr>
+                    </a:p>
+                  </a:txBody>
+                  <a:tcPr/>
+                </a:tc>
+                <a:tc>
+                  <a:txBody>
+                    <a:bodyPr/>
+                    <a:lstStyle/>
+                    <a:p>
+                      <a:r>
+                        <a:rPr lang="en-US" altLang="zh-TW" sz="1800" b="1" kern="1200">
+                          <a:solidFill>
+                            <a:schemeClr val="lt1"/>
+                          </a:solidFill>
+                          <a:latin typeface="+mn-lt"/>
+                          <a:ea typeface="+mn-ea"/>
+                          <a:cs typeface="+mn-cs"/>
+                        </a:rPr>
+                        <a:t>time</a:t>
+                      </a:r>
+                      <a:endParaRPr lang="zh-TW" altLang="en-US" sz="1800" b="1" kern="1200">
+                        <a:solidFill>
+                          <a:schemeClr val="lt1"/>
+                        </a:solidFill>
+                        <a:latin typeface="+mn-lt"/>
+                        <a:ea typeface="+mn-ea"/>
+                        <a:cs typeface="+mn-cs"/>
+                      </a:endParaRPr>
+                    </a:p>
+                  </a:txBody>
+                  <a:tcPr/>
+                </a:tc>
+                <a:tc>
+                  <a:txBody>
+                    <a:bodyPr/>
+                    <a:lstStyle/>
+                    <a:p>
+                      <a:r>
+                        <a:rPr lang="en-US" altLang="zh-TW"/>
+                        <a:t>behavior</a:t>
+                      </a:r>
+                      <a:endParaRPr lang="zh-TW" altLang="en-US"/>
+                    </a:p>
+                  </a:txBody>
+                  <a:tcPr/>
+                </a:tc>
+                <a:tc>
+                  <a:txBody>
+                    <a:bodyPr/>
+                    <a:lstStyle/>
+                    <a:p>
+                      <a:r>
+                        <a:rPr lang="en-US" altLang="zh-TW"/>
+                        <a:t>position</a:t>
+                      </a:r>
+                      <a:endParaRPr lang="zh-TW" altLang="en-US"/>
+                    </a:p>
+                  </a:txBody>
+                  <a:tcPr/>
+                </a:tc>
+                <a:extLst>
+                  <a:ext uri="{0D108BD9-81ED-4DB2-BD59-A6C34878D82A}">
+                    <a16:rowId xmlns:a16="http://schemas.microsoft.com/office/drawing/2014/main" val="2461060276"/>
+                  </a:ext>
+                </a:extLst>
+              </a:tr>
+              <a:tr h="370840">
+                <a:tc>
+                  <a:txBody>
+                    <a:bodyPr/>
+                    <a:lstStyle/>
+                    <a:p>
+                      <a:r>
+                        <a:rPr lang="de-DE" altLang="zh-TW">
+                          <a:latin typeface="Consolas" panose="020B0609020204030204" pitchFamily="49" charset="0"/>
+                        </a:rPr>
+                        <a:t>765DEF</a:t>
+                      </a:r>
+                      <a:endParaRPr lang="zh-TW" altLang="en-US"/>
+                    </a:p>
+                  </a:txBody>
+                  <a:tcPr/>
+                </a:tc>
+                <a:tc>
+                  <a:txBody>
+                    <a:bodyPr/>
+                    <a:lstStyle/>
+                    <a:p>
+                      <a:r>
+                        <a:rPr lang="de-DE" altLang="zh-TW">
+                          <a:latin typeface="Consolas" panose="020B0609020204030204" pitchFamily="49" charset="0"/>
+                        </a:rPr>
+                        <a:t>01:01:05:59</a:t>
+                      </a:r>
+                    </a:p>
+                  </a:txBody>
+                  <a:tcPr/>
+                </a:tc>
+                <a:tc>
+                  <a:txBody>
+                    <a:bodyPr/>
+                    <a:lstStyle/>
+                    <a:p>
+                      <a:r>
+                        <a:rPr lang="de-DE" altLang="zh-TW">
+                          <a:highlight>
+                            <a:srgbClr val="FFFF00"/>
+                          </a:highlight>
+                          <a:latin typeface="Consolas" panose="020B0609020204030204" pitchFamily="49" charset="0"/>
+                        </a:rPr>
+                        <a:t>enter</a:t>
+                      </a:r>
+                      <a:endParaRPr lang="zh-TW" altLang="en-US">
+                        <a:highlight>
+                          <a:srgbClr val="FFFF00"/>
+                        </a:highlight>
+                      </a:endParaRPr>
+                    </a:p>
+                  </a:txBody>
+                  <a:tcPr/>
+                </a:tc>
+                <a:tc>
+                  <a:txBody>
+                    <a:bodyPr/>
+                    <a:lstStyle/>
+                    <a:p>
+                      <a:r>
+                        <a:rPr lang="de-DE" altLang="zh-TW">
+                          <a:latin typeface="Consolas" panose="020B0609020204030204" pitchFamily="49" charset="0"/>
+                        </a:rPr>
+                        <a:t>17</a:t>
+                      </a:r>
+                      <a:endParaRPr lang="zh-TW" altLang="en-US"/>
+                    </a:p>
+                  </a:txBody>
+                  <a:tcPr/>
+                </a:tc>
+                <a:extLst>
+                  <a:ext uri="{0D108BD9-81ED-4DB2-BD59-A6C34878D82A}">
+                    <a16:rowId xmlns:a16="http://schemas.microsoft.com/office/drawing/2014/main" val="1515131760"/>
+                  </a:ext>
+                </a:extLst>
+              </a:tr>
+              <a:tr h="370840">
+                <a:tc>
+                  <a:txBody>
+                    <a:bodyPr/>
+                    <a:lstStyle/>
+                    <a:p>
+                      <a:r>
+                        <a:rPr lang="de-DE" altLang="zh-TW">
+                          <a:latin typeface="Consolas" panose="020B0609020204030204" pitchFamily="49" charset="0"/>
+                        </a:rPr>
+                        <a:t>ABCD123</a:t>
+                      </a:r>
+                      <a:endParaRPr lang="zh-TW" altLang="en-US"/>
+                    </a:p>
+                  </a:txBody>
+                  <a:tcPr/>
+                </a:tc>
+                <a:tc>
+                  <a:txBody>
+                    <a:bodyPr/>
+                    <a:lstStyle/>
+                    <a:p>
+                      <a:r>
+                        <a:rPr lang="de-DE" altLang="zh-TW">
+                          <a:latin typeface="Consolas" panose="020B0609020204030204" pitchFamily="49" charset="0"/>
+                        </a:rPr>
+                        <a:t>01:01:06:01</a:t>
+                      </a:r>
+                    </a:p>
+                  </a:txBody>
+                  <a:tcPr/>
+                </a:tc>
+                <a:tc>
+                  <a:txBody>
+                    <a:bodyPr/>
+                    <a:lstStyle/>
+                    <a:p>
+                      <a:r>
+                        <a:rPr lang="de-DE" altLang="zh-TW">
+                          <a:latin typeface="Consolas" panose="020B0609020204030204" pitchFamily="49" charset="0"/>
+                        </a:rPr>
+                        <a:t>enter</a:t>
+                      </a:r>
+                      <a:endParaRPr lang="zh-TW" altLang="en-US"/>
+                    </a:p>
+                  </a:txBody>
+                  <a:tcPr/>
+                </a:tc>
+                <a:tc>
+                  <a:txBody>
+                    <a:bodyPr/>
+                    <a:lstStyle/>
+                    <a:p>
+                      <a:r>
+                        <a:rPr lang="de-DE" altLang="zh-TW">
+                          <a:latin typeface="Consolas" panose="020B0609020204030204" pitchFamily="49" charset="0"/>
+                        </a:rPr>
+                        <a:t>12</a:t>
+                      </a:r>
+                      <a:endParaRPr lang="zh-TW" altLang="en-US"/>
+                    </a:p>
+                  </a:txBody>
+                  <a:tcPr/>
+                </a:tc>
+                <a:extLst>
+                  <a:ext uri="{0D108BD9-81ED-4DB2-BD59-A6C34878D82A}">
+                    <a16:rowId xmlns:a16="http://schemas.microsoft.com/office/drawing/2014/main" val="1217678301"/>
+                  </a:ext>
+                </a:extLst>
+              </a:tr>
+              <a:tr h="370840">
+                <a:tc>
+                  <a:txBody>
+                    <a:bodyPr/>
+                    <a:lstStyle/>
+                    <a:p>
+                      <a:r>
+                        <a:rPr lang="de-DE" altLang="zh-TW">
+                          <a:latin typeface="Consolas" panose="020B0609020204030204" pitchFamily="49" charset="0"/>
+                        </a:rPr>
+                        <a:t>765DEF</a:t>
+                      </a:r>
+                      <a:endParaRPr lang="zh-TW" altLang="en-US"/>
+                    </a:p>
+                  </a:txBody>
+                  <a:tcPr/>
+                </a:tc>
+                <a:tc>
+                  <a:txBody>
+                    <a:bodyPr/>
+                    <a:lstStyle/>
+                    <a:p>
+                      <a:r>
+                        <a:rPr lang="de-DE" altLang="zh-TW">
+                          <a:latin typeface="Consolas" panose="020B0609020204030204" pitchFamily="49" charset="0"/>
+                        </a:rPr>
+                        <a:t>01:01:07:00</a:t>
+                      </a:r>
+                    </a:p>
+                  </a:txBody>
+                  <a:tcPr/>
+                </a:tc>
+                <a:tc>
+                  <a:txBody>
+                    <a:bodyPr/>
+                    <a:lstStyle/>
+                    <a:p>
+                      <a:r>
+                        <a:rPr lang="de-DE" altLang="zh-TW">
+                          <a:latin typeface="Consolas" panose="020B0609020204030204" pitchFamily="49" charset="0"/>
+                        </a:rPr>
+                        <a:t>exit</a:t>
+                      </a:r>
+                      <a:endParaRPr lang="zh-TW" altLang="en-US"/>
+                    </a:p>
+                  </a:txBody>
+                  <a:tcPr/>
+                </a:tc>
+                <a:tc>
+                  <a:txBody>
+                    <a:bodyPr/>
+                    <a:lstStyle/>
+                    <a:p>
+                      <a:r>
+                        <a:rPr lang="de-DE" altLang="zh-TW">
+                          <a:latin typeface="Consolas" panose="020B0609020204030204" pitchFamily="49" charset="0"/>
+                        </a:rPr>
+                        <a:t>95</a:t>
+                      </a:r>
+                      <a:endParaRPr lang="zh-TW" altLang="en-US"/>
+                    </a:p>
+                  </a:txBody>
+                  <a:tcPr/>
+                </a:tc>
+                <a:extLst>
+                  <a:ext uri="{0D108BD9-81ED-4DB2-BD59-A6C34878D82A}">
+                    <a16:rowId xmlns:a16="http://schemas.microsoft.com/office/drawing/2014/main" val="355494396"/>
+                  </a:ext>
+                </a:extLst>
+              </a:tr>
+              <a:tr h="370840">
+                <a:tc>
+                  <a:txBody>
+                    <a:bodyPr/>
+                    <a:lstStyle/>
+                    <a:p>
+                      <a:r>
+                        <a:rPr lang="de-DE" altLang="zh-TW">
+                          <a:latin typeface="Consolas" panose="020B0609020204030204" pitchFamily="49" charset="0"/>
+                        </a:rPr>
+                        <a:t>ABCD123</a:t>
+                      </a:r>
+                      <a:endParaRPr lang="zh-TW" altLang="en-US"/>
+                    </a:p>
+                  </a:txBody>
+                  <a:tcPr/>
+                </a:tc>
+                <a:tc>
+                  <a:txBody>
+                    <a:bodyPr/>
+                    <a:lstStyle/>
+                    <a:p>
+                      <a:r>
+                        <a:rPr lang="de-DE" altLang="zh-TW">
+                          <a:latin typeface="Consolas" panose="020B0609020204030204" pitchFamily="49" charset="0"/>
+                        </a:rPr>
+                        <a:t>01:01:08:03</a:t>
+                      </a:r>
+                    </a:p>
+                  </a:txBody>
+                  <a:tcPr/>
+                </a:tc>
+                <a:tc>
+                  <a:txBody>
+                    <a:bodyPr/>
+                    <a:lstStyle/>
+                    <a:p>
+                      <a:r>
+                        <a:rPr lang="de-DE" altLang="zh-TW">
+                          <a:latin typeface="Consolas" panose="020B0609020204030204" pitchFamily="49" charset="0"/>
+                        </a:rPr>
+                        <a:t>exit</a:t>
+                      </a:r>
+                      <a:endParaRPr lang="zh-TW" altLang="en-US"/>
+                    </a:p>
+                  </a:txBody>
+                  <a:tcPr/>
+                </a:tc>
+                <a:tc>
+                  <a:txBody>
+                    <a:bodyPr/>
+                    <a:lstStyle/>
+                    <a:p>
+                      <a:r>
+                        <a:rPr lang="de-DE" altLang="zh-TW">
+                          <a:latin typeface="Consolas" panose="020B0609020204030204" pitchFamily="49" charset="0"/>
+                        </a:rPr>
+                        <a:t>100</a:t>
+                      </a:r>
+                      <a:endParaRPr lang="zh-TW" altLang="en-US"/>
+                    </a:p>
+                  </a:txBody>
+                  <a:tcPr/>
+                </a:tc>
+                <a:extLst>
+                  <a:ext uri="{0D108BD9-81ED-4DB2-BD59-A6C34878D82A}">
+                    <a16:rowId xmlns:a16="http://schemas.microsoft.com/office/drawing/2014/main" val="610660536"/>
+                  </a:ext>
+                </a:extLst>
+              </a:tr>
+            </a:tbl>
+          </a:graphicData>
+        </a:graphic>
+      </p:graphicFrame>
+      <p:sp>
+        <p:nvSpPr>
+          <p:cNvPr id="2" name="標題 1">
+            <a:extLst>
+              <a:ext uri="{FF2B5EF4-FFF2-40B4-BE49-F238E27FC236}">
+                <a16:creationId xmlns:a16="http://schemas.microsoft.com/office/drawing/2014/main" id="{FD5B1493-1257-45E4-A5F8-1A4B08ABFF03}"/>
+              </a:ext>
+            </a:extLst>
+          </p:cNvPr>
+          <p:cNvSpPr>
+            <a:spLocks noGrp="1"/>
+          </p:cNvSpPr>
+          <p:nvPr>
+            <p:ph type="title"/>
+          </p:nvPr>
+        </p:nvSpPr>
+        <p:spPr/>
+        <p:txBody>
+          <a:bodyPr/>
+          <a:lstStyle/>
+          <a:p>
+            <a:r>
+              <a:rPr lang="zh-TW" altLang="en-US"/>
+              <a:t>解法</a:t>
+            </a:r>
+          </a:p>
+        </p:txBody>
+      </p:sp>
+      <p:graphicFrame>
+        <p:nvGraphicFramePr>
+          <p:cNvPr id="3" name="表格 2">
+            <a:extLst>
+              <a:ext uri="{FF2B5EF4-FFF2-40B4-BE49-F238E27FC236}">
+                <a16:creationId xmlns:a16="http://schemas.microsoft.com/office/drawing/2014/main" id="{F5BACB3F-4769-4BD8-BC56-8E073F5CDF50}"/>
+              </a:ext>
+            </a:extLst>
+          </p:cNvPr>
+          <p:cNvGraphicFramePr>
+            <a:graphicFrameLocks noGrp="1"/>
+          </p:cNvGraphicFramePr>
+          <p:nvPr>
+            <p:extLst>
+              <p:ext uri="{D42A27DB-BD31-4B8C-83A1-F6EECF244321}">
+                <p14:modId xmlns:p14="http://schemas.microsoft.com/office/powerpoint/2010/main" val="1004229869"/>
+              </p:ext>
+            </p:extLst>
+          </p:nvPr>
+        </p:nvGraphicFramePr>
+        <p:xfrm>
+          <a:off x="6096000" y="3961629"/>
+          <a:ext cx="3754800" cy="370840"/>
+        </p:xfrm>
+        <a:graphic>
+          <a:graphicData uri="http://schemas.openxmlformats.org/drawingml/2006/table">
+            <a:tbl>
+              <a:tblPr firstRow="1" bandRow="1">
+                <a:tableStyleId>{5C22544A-7EE6-4342-B048-85BDC9FD1C3A}</a:tableStyleId>
+              </a:tblPr>
+              <a:tblGrid>
+                <a:gridCol w="1877400">
+                  <a:extLst>
+                    <a:ext uri="{9D8B030D-6E8A-4147-A177-3AD203B41FA5}">
+                      <a16:colId xmlns:a16="http://schemas.microsoft.com/office/drawing/2014/main" val="675905845"/>
+                    </a:ext>
+                  </a:extLst>
+                </a:gridCol>
+                <a:gridCol w="1877400">
+                  <a:extLst>
+                    <a:ext uri="{9D8B030D-6E8A-4147-A177-3AD203B41FA5}">
+                      <a16:colId xmlns:a16="http://schemas.microsoft.com/office/drawing/2014/main" val="3870910898"/>
+                    </a:ext>
+                  </a:extLst>
+                </a:gridCol>
+              </a:tblGrid>
+              <a:tr h="370840">
+                <a:tc>
+                  <a:txBody>
+                    <a:bodyPr/>
+                    <a:lstStyle/>
+                    <a:p>
+                      <a:r>
+                        <a:rPr lang="en-US" altLang="zh-TW"/>
+                        <a:t>name</a:t>
+                      </a:r>
+                      <a:endParaRPr lang="zh-TW" altLang="en-US"/>
+                    </a:p>
+                  </a:txBody>
+                  <a:tcPr/>
+                </a:tc>
+                <a:tc>
+                  <a:txBody>
+                    <a:bodyPr/>
+                    <a:lstStyle/>
+                    <a:p>
+                      <a:r>
+                        <a:rPr lang="en-US" altLang="zh-TW"/>
+                        <a:t>money</a:t>
+                      </a:r>
+                      <a:endParaRPr lang="zh-TW" altLang="en-US"/>
+                    </a:p>
+                  </a:txBody>
+                  <a:tcPr/>
+                </a:tc>
+                <a:extLst>
+                  <a:ext uri="{0D108BD9-81ED-4DB2-BD59-A6C34878D82A}">
+                    <a16:rowId xmlns:a16="http://schemas.microsoft.com/office/drawing/2014/main" val="1471625119"/>
+                  </a:ext>
+                </a:extLst>
+              </a:tr>
+            </a:tbl>
+          </a:graphicData>
+        </a:graphic>
+      </p:graphicFrame>
+      <p:graphicFrame>
+        <p:nvGraphicFramePr>
+          <p:cNvPr id="5" name="表格 4">
+            <a:extLst>
+              <a:ext uri="{FF2B5EF4-FFF2-40B4-BE49-F238E27FC236}">
+                <a16:creationId xmlns:a16="http://schemas.microsoft.com/office/drawing/2014/main" id="{AC16E3E4-AECA-4792-B9C7-E978D357A329}"/>
+              </a:ext>
+            </a:extLst>
+          </p:cNvPr>
+          <p:cNvGraphicFramePr>
+            <a:graphicFrameLocks noGrp="1"/>
+          </p:cNvGraphicFramePr>
+          <p:nvPr>
+            <p:extLst>
+              <p:ext uri="{D42A27DB-BD31-4B8C-83A1-F6EECF244321}">
+                <p14:modId xmlns:p14="http://schemas.microsoft.com/office/powerpoint/2010/main" val="1656486825"/>
+              </p:ext>
+            </p:extLst>
+          </p:nvPr>
+        </p:nvGraphicFramePr>
+        <p:xfrm>
+          <a:off x="1261872" y="3961629"/>
+          <a:ext cx="4665600" cy="741680"/>
+        </p:xfrm>
+        <a:graphic>
+          <a:graphicData uri="http://schemas.openxmlformats.org/drawingml/2006/table">
+            <a:tbl>
+              <a:tblPr firstRow="1" bandRow="1">
+                <a:tableStyleId>{5C22544A-7EE6-4342-B048-85BDC9FD1C3A}</a:tableStyleId>
+              </a:tblPr>
+              <a:tblGrid>
+                <a:gridCol w="1062924">
+                  <a:extLst>
+                    <a:ext uri="{9D8B030D-6E8A-4147-A177-3AD203B41FA5}">
+                      <a16:colId xmlns:a16="http://schemas.microsoft.com/office/drawing/2014/main" val="675905845"/>
+                    </a:ext>
+                  </a:extLst>
+                </a:gridCol>
+                <a:gridCol w="3602676">
+                  <a:extLst>
+                    <a:ext uri="{9D8B030D-6E8A-4147-A177-3AD203B41FA5}">
+                      <a16:colId xmlns:a16="http://schemas.microsoft.com/office/drawing/2014/main" val="3870910898"/>
+                    </a:ext>
+                  </a:extLst>
+                </a:gridCol>
+              </a:tblGrid>
+              <a:tr h="370840">
+                <a:tc>
+                  <a:txBody>
+                    <a:bodyPr/>
+                    <a:lstStyle/>
+                    <a:p>
+                      <a:r>
+                        <a:rPr lang="en-US" altLang="zh-TW"/>
+                        <a:t>name</a:t>
+                      </a:r>
+                      <a:endParaRPr lang="zh-TW" altLang="en-US"/>
+                    </a:p>
+                  </a:txBody>
+                  <a:tcPr/>
+                </a:tc>
+                <a:tc>
+                  <a:txBody>
+                    <a:bodyPr/>
+                    <a:lstStyle/>
+                    <a:p>
+                      <a:r>
+                        <a:rPr lang="en-US" altLang="zh-TW"/>
+                        <a:t>name,  time, behavior, position</a:t>
+                      </a:r>
+                      <a:endParaRPr lang="zh-TW" altLang="en-US"/>
+                    </a:p>
+                  </a:txBody>
+                  <a:tcPr/>
+                </a:tc>
+                <a:extLst>
+                  <a:ext uri="{0D108BD9-81ED-4DB2-BD59-A6C34878D82A}">
+                    <a16:rowId xmlns:a16="http://schemas.microsoft.com/office/drawing/2014/main" val="1471625119"/>
+                  </a:ext>
+                </a:extLst>
+              </a:tr>
+              <a:tr h="370840">
+                <a:tc>
+                  <a:txBody>
+                    <a:bodyPr/>
+                    <a:lstStyle/>
+                    <a:p>
+                      <a:r>
+                        <a:rPr lang="de-DE" altLang="zh-TW">
+                          <a:latin typeface="Consolas" panose="020B0609020204030204" pitchFamily="49" charset="0"/>
+                        </a:rPr>
+                        <a:t>765DEF</a:t>
+                      </a:r>
+                      <a:endParaRPr lang="zh-TW" altLang="en-US"/>
+                    </a:p>
+                  </a:txBody>
+                  <a:tcPr/>
+                </a:tc>
+                <a:tc>
+                  <a:txBody>
+                    <a:bodyPr/>
+                    <a:lstStyle/>
+                    <a:p>
+                      <a:r>
+                        <a:rPr lang="en-US" altLang="zh-TW"/>
+                        <a:t>…</a:t>
+                      </a:r>
+                      <a:endParaRPr lang="zh-TW" altLang="en-US"/>
+                    </a:p>
+                  </a:txBody>
+                  <a:tcPr/>
+                </a:tc>
+                <a:extLst>
+                  <a:ext uri="{0D108BD9-81ED-4DB2-BD59-A6C34878D82A}">
+                    <a16:rowId xmlns:a16="http://schemas.microsoft.com/office/drawing/2014/main" val="40607378"/>
+                  </a:ext>
+                </a:extLst>
+              </a:tr>
+            </a:tbl>
+          </a:graphicData>
+        </a:graphic>
+      </p:graphicFrame>
+      <p:sp>
+        <p:nvSpPr>
+          <p:cNvPr id="6" name="箭號: 向右 5">
+            <a:extLst>
+              <a:ext uri="{FF2B5EF4-FFF2-40B4-BE49-F238E27FC236}">
+                <a16:creationId xmlns:a16="http://schemas.microsoft.com/office/drawing/2014/main" id="{140342EB-71E3-476D-A2D0-02B2A6782CDD}"/>
+              </a:ext>
+            </a:extLst>
+          </p:cNvPr>
+          <p:cNvSpPr/>
+          <p:nvPr/>
+        </p:nvSpPr>
+        <p:spPr>
+          <a:xfrm>
+            <a:off x="887680" y="2315688"/>
+            <a:ext cx="231569" cy="184068"/>
+          </a:xfrm>
+          <a:prstGeom prst="rightArrow">
+            <a:avLst/>
+          </a:prstGeom>
+        </p:spPr>
+        <p:style>
+          <a:lnRef idx="2">
+            <a:schemeClr val="accent1">
+              <a:shade val="50000"/>
+            </a:schemeClr>
+          </a:lnRef>
+          <a:fillRef idx="1">
+            <a:schemeClr val="accent1"/>
+          </a:fillRef>
+          <a:effectRef idx="0">
+            <a:schemeClr val="accent1"/>
+          </a:effectRef>
+          <a:fontRef idx="minor">
+            <a:schemeClr val="lt1"/>
+          </a:fontRef>
+        </p:style>
+        <p:txBody>
+          <a:bodyPr rtlCol="0" anchor="ctr"/>
+          <a:lstStyle/>
+          <a:p>
+            <a:pPr algn="ctr"/>
+            <a:endParaRPr lang="zh-TW" altLang="en-US"/>
+          </a:p>
+        </p:txBody>
+      </p:sp>
+    </p:spTree>
+    <p:extLst>
+      <p:ext uri="{BB962C8B-B14F-4D97-AF65-F5344CB8AC3E}">
+        <p14:creationId xmlns:p14="http://schemas.microsoft.com/office/powerpoint/2010/main" val="1391110794"/>
+      </p:ext>
+    </p:extLst>
+  </p:cSld>
+  <p:clrMapOvr>
+    <a:masterClrMapping/>
+  </p:clrMapOvr>
+</p:sld>
+</file>
+
+<file path=ppt/slides/slide13.xml><?xml version="1.0" encoding="utf-8"?>
+<p:sld xmlns:a="http://schemas.openxmlformats.org/drawingml/2006/main" xmlns:r="http://schemas.openxmlformats.org/officeDocument/2006/relationships" xmlns:p="http://schemas.openxmlformats.org/presentationml/2006/main">
+  <p:cSld>
+    <p:spTree>
+      <p:nvGrpSpPr>
+        <p:cNvPr id="1" name=""/>
+        <p:cNvGrpSpPr/>
+        <p:nvPr/>
+      </p:nvGrpSpPr>
+      <p:grpSpPr>
+        <a:xfrm>
+          <a:off x="0" y="0"/>
+          <a:ext cx="0" cy="0"/>
+          <a:chOff x="0" y="0"/>
+          <a:chExt cx="0" cy="0"/>
+        </a:xfrm>
+      </p:grpSpPr>
+      <p:graphicFrame>
+        <p:nvGraphicFramePr>
+          <p:cNvPr id="4" name="表格 3">
+            <a:extLst>
+              <a:ext uri="{FF2B5EF4-FFF2-40B4-BE49-F238E27FC236}">
+                <a16:creationId xmlns:a16="http://schemas.microsoft.com/office/drawing/2014/main" id="{86F4EC14-F37A-47BB-8993-FFCD07A3828C}"/>
+              </a:ext>
+            </a:extLst>
+          </p:cNvPr>
+          <p:cNvGraphicFramePr>
+            <a:graphicFrameLocks noGrp="1"/>
+          </p:cNvGraphicFramePr>
+          <p:nvPr>
+            <p:extLst>
+              <p:ext uri="{D42A27DB-BD31-4B8C-83A1-F6EECF244321}">
                 <p14:modId xmlns:p14="http://schemas.microsoft.com/office/powerpoint/2010/main" val="614766474"/>
               </p:ext>
             </p:extLst>
@@ -4303,7 +6201,7 @@
 </p:sld>
 </file>
 
-<file path=ppt/slides/slide11.xml><?xml version="1.0" encoding="utf-8"?>
+<file path=ppt/slides/slide14.xml><?xml version="1.0" encoding="utf-8"?>
 <p:sld xmlns:a="http://schemas.openxmlformats.org/drawingml/2006/main" xmlns:r="http://schemas.openxmlformats.org/officeDocument/2006/relationships" xmlns:p="http://schemas.openxmlformats.org/presentationml/2006/main">
   <p:cSld>
     <p:spTree>
@@ -5141,7 +7039,7 @@
 </p:sld>
 </file>
 
-<file path=ppt/slides/slide12.xml><?xml version="1.0" encoding="utf-8"?>
+<file path=ppt/slides/slide15.xml><?xml version="1.0" encoding="utf-8"?>
 <p:sld xmlns:a="http://schemas.openxmlformats.org/drawingml/2006/main" xmlns:r="http://schemas.openxmlformats.org/officeDocument/2006/relationships" xmlns:p="http://schemas.openxmlformats.org/presentationml/2006/main">
   <p:cSld>
     <p:spTree>
@@ -5923,7 +7821,7 @@
 </p:sld>
 </file>
 
-<file path=ppt/slides/slide13.xml><?xml version="1.0" encoding="utf-8"?>
+<file path=ppt/slides/slide16.xml><?xml version="1.0" encoding="utf-8"?>
 <p:sld xmlns:a="http://schemas.openxmlformats.org/drawingml/2006/main" xmlns:r="http://schemas.openxmlformats.org/officeDocument/2006/relationships" xmlns:p="http://schemas.openxmlformats.org/presentationml/2006/main">
   <p:cSld>
     <p:spTree>
@@ -6765,7 +8663,7 @@
 </p:sld>
 </file>
 
-<file path=ppt/slides/slide14.xml><?xml version="1.0" encoding="utf-8"?>
+<file path=ppt/slides/slide17.xml><?xml version="1.0" encoding="utf-8"?>
 <p:sld xmlns:a="http://schemas.openxmlformats.org/drawingml/2006/main" xmlns:r="http://schemas.openxmlformats.org/officeDocument/2006/relationships" xmlns:p="http://schemas.openxmlformats.org/presentationml/2006/main">
   <p:cSld>
     <p:spTree>
@@ -7551,7 +9449,7 @@
 </p:sld>
 </file>
 
-<file path=ppt/slides/slide15.xml><?xml version="1.0" encoding="utf-8"?>
+<file path=ppt/slides/slide18.xml><?xml version="1.0" encoding="utf-8"?>
 <p:sld xmlns:a="http://schemas.openxmlformats.org/drawingml/2006/main" xmlns:r="http://schemas.openxmlformats.org/officeDocument/2006/relationships" xmlns:p="http://schemas.openxmlformats.org/presentationml/2006/main">
   <p:cSld>
     <p:spTree>
@@ -8731,7 +10629,7 @@
 </p:sld>
 </file>
 
-<file path=ppt/slides/slide16.xml><?xml version="1.0" encoding="utf-8"?>
+<file path=ppt/slides/slide19.xml><?xml version="1.0" encoding="utf-8"?>
 <p:sld xmlns:a="http://schemas.openxmlformats.org/drawingml/2006/main" xmlns:r="http://schemas.openxmlformats.org/officeDocument/2006/relationships" xmlns:p="http://schemas.openxmlformats.org/presentationml/2006/main">
   <p:cSld>
     <p:spTree>
@@ -8894,120 +10792,212 @@
           <a:lstStyle/>
           <a:p>
             <a:r>
+              <a:rPr lang="zh-TW" altLang="en-US" sz="2400"/>
+              <a:t>高速公路車牌辨識收費系統</a:t>
+            </a:r>
+            <a:endParaRPr lang="en-US" altLang="zh-TW" sz="2400"/>
+          </a:p>
+          <a:p>
+            <a:r>
+              <a:rPr lang="zh-TW" altLang="en-US" sz="2400"/>
+              <a:t>給定不同進入時間的費率 </a:t>
+            </a:r>
+            <a:r>
+              <a:rPr lang="en-US" altLang="zh-TW" sz="2400"/>
+              <a:t>(cents/km)</a:t>
+            </a:r>
+          </a:p>
+          <a:p>
+            <a:r>
+              <a:rPr lang="zh-TW" altLang="en-US" sz="2400"/>
+              <a:t>給定多筆車牌紀錄</a:t>
+            </a:r>
+            <a:endParaRPr lang="en-US" altLang="zh-TW" sz="2400"/>
+          </a:p>
+          <a:p>
+            <a:pPr lvl="1"/>
+            <a:r>
+              <a:rPr lang="zh-TW" altLang="en-US" sz="2000"/>
+              <a:t>車牌號碼（沒空格）、時間（月</a:t>
+            </a:r>
+            <a:r>
+              <a:rPr lang="en-US" altLang="zh-TW" sz="2000"/>
+              <a:t>:</a:t>
+            </a:r>
+            <a:r>
+              <a:rPr lang="zh-TW" altLang="en-US" sz="2000"/>
+              <a:t>日</a:t>
+            </a:r>
+            <a:r>
+              <a:rPr lang="en-US" altLang="zh-TW" sz="2000"/>
+              <a:t>:</a:t>
+            </a:r>
+            <a:r>
+              <a:rPr lang="zh-TW" altLang="en-US" sz="2000"/>
+              <a:t>時</a:t>
+            </a:r>
+            <a:r>
+              <a:rPr lang="en-US" altLang="zh-TW" sz="2000"/>
+              <a:t>:</a:t>
+            </a:r>
+            <a:r>
+              <a:rPr lang="zh-TW" altLang="en-US" sz="2000"/>
+              <a:t>分，</a:t>
+            </a:r>
+            <a:r>
+              <a:rPr lang="en-US" altLang="zh-TW" sz="2000"/>
+              <a:t>24</a:t>
+            </a:r>
+            <a:r>
+              <a:rPr lang="zh-TW" altLang="en-US" sz="2000"/>
+              <a:t> 小時制）、行為 </a:t>
+            </a:r>
+            <a:r>
+              <a:rPr lang="en-US" altLang="zh-TW" sz="2000"/>
+              <a:t>(enter / exit)</a:t>
+            </a:r>
+            <a:r>
+              <a:rPr lang="zh-TW" altLang="en-US" sz="2000"/>
+              <a:t>、交流道里程</a:t>
+            </a:r>
+            <a:endParaRPr lang="en-US" altLang="zh-TW" sz="2000"/>
+          </a:p>
+          <a:p>
+            <a:r>
+              <a:rPr lang="zh-TW" altLang="en-US" sz="2400"/>
+              <a:t>每次行程額外再加 </a:t>
+            </a:r>
+            <a:r>
+              <a:rPr lang="en-US" altLang="zh-TW" sz="2400"/>
+              <a:t>1 dollar</a:t>
+            </a:r>
+          </a:p>
+          <a:p>
+            <a:r>
+              <a:rPr lang="zh-TW" altLang="en-US" sz="2400"/>
+              <a:t>每個車牌結算時額外再加 </a:t>
+            </a:r>
+            <a:r>
+              <a:rPr lang="en-US" altLang="zh-TW" sz="2400"/>
+              <a:t>2 dollars</a:t>
+            </a:r>
+          </a:p>
+        </p:txBody>
+      </p:sp>
+    </p:spTree>
+    <p:extLst>
+      <p:ext uri="{BB962C8B-B14F-4D97-AF65-F5344CB8AC3E}">
+        <p14:creationId xmlns:p14="http://schemas.microsoft.com/office/powerpoint/2010/main" val="1854029543"/>
+      </p:ext>
+    </p:extLst>
+  </p:cSld>
+  <p:clrMapOvr>
+    <a:masterClrMapping/>
+  </p:clrMapOvr>
+</p:sld>
+</file>
+
+<file path=ppt/slides/slide3.xml><?xml version="1.0" encoding="utf-8"?>
+<p:sld xmlns:a="http://schemas.openxmlformats.org/drawingml/2006/main" xmlns:r="http://schemas.openxmlformats.org/officeDocument/2006/relationships" xmlns:p="http://schemas.openxmlformats.org/presentationml/2006/main">
+  <p:cSld>
+    <p:spTree>
+      <p:nvGrpSpPr>
+        <p:cNvPr id="1" name=""/>
+        <p:cNvGrpSpPr/>
+        <p:nvPr/>
+      </p:nvGrpSpPr>
+      <p:grpSpPr>
+        <a:xfrm>
+          <a:off x="0" y="0"/>
+          <a:ext cx="0" cy="0"/>
+          <a:chOff x="0" y="0"/>
+          <a:chExt cx="0" cy="0"/>
+        </a:xfrm>
+      </p:grpSpPr>
+      <p:sp>
+        <p:nvSpPr>
+          <p:cNvPr id="2" name="標題 1">
+            <a:extLst>
+              <a:ext uri="{FF2B5EF4-FFF2-40B4-BE49-F238E27FC236}">
+                <a16:creationId xmlns:a16="http://schemas.microsoft.com/office/drawing/2014/main" id="{D73DF8EE-B061-46AF-B1A9-58B375BBE54B}"/>
+              </a:ext>
+            </a:extLst>
+          </p:cNvPr>
+          <p:cNvSpPr>
+            <a:spLocks noGrp="1"/>
+          </p:cNvSpPr>
+          <p:nvPr>
+            <p:ph type="title"/>
+          </p:nvPr>
+        </p:nvSpPr>
+        <p:spPr>
+          <a:xfrm>
+            <a:off x="1261872" y="365760"/>
+            <a:ext cx="9692640" cy="1325562"/>
+          </a:xfrm>
+        </p:spPr>
+        <p:txBody>
+          <a:bodyPr/>
+          <a:lstStyle/>
+          <a:p>
+            <a:r>
               <a:rPr lang="zh-TW" altLang="en-US"/>
-              <a:t>高速公路車牌辨識收費系統</a:t>
-            </a:r>
-            <a:endParaRPr lang="en-US" altLang="zh-TW"/>
-          </a:p>
-          <a:p>
-            <a:r>
-              <a:rPr lang="zh-TW" altLang="en-US"/>
-              <a:t>給定不同進入時間的費率 </a:t>
-            </a:r>
-            <a:r>
-              <a:rPr lang="en-US" altLang="zh-TW"/>
-              <a:t>(cents/km)</a:t>
-            </a:r>
-          </a:p>
-          <a:p>
-            <a:r>
-              <a:rPr lang="zh-TW" altLang="en-US"/>
-              <a:t>給定多筆車牌紀錄</a:t>
-            </a:r>
-            <a:endParaRPr lang="en-US" altLang="zh-TW"/>
-          </a:p>
-          <a:p>
-            <a:pPr lvl="1"/>
-            <a:r>
-              <a:rPr lang="zh-TW" altLang="en-US"/>
-              <a:t>車牌號碼（沒空格）、時間（月</a:t>
-            </a:r>
-            <a:r>
-              <a:rPr lang="en-US" altLang="zh-TW"/>
-              <a:t>:</a:t>
-            </a:r>
-            <a:r>
-              <a:rPr lang="zh-TW" altLang="en-US"/>
-              <a:t>日</a:t>
-            </a:r>
-            <a:r>
-              <a:rPr lang="en-US" altLang="zh-TW"/>
-              <a:t>:</a:t>
-            </a:r>
-            <a:r>
-              <a:rPr lang="zh-TW" altLang="en-US"/>
-              <a:t>時</a:t>
-            </a:r>
-            <a:r>
-              <a:rPr lang="en-US" altLang="zh-TW"/>
-              <a:t>:</a:t>
-            </a:r>
-            <a:r>
-              <a:rPr lang="zh-TW" altLang="en-US"/>
-              <a:t>分，</a:t>
-            </a:r>
-            <a:r>
-              <a:rPr lang="en-US" altLang="zh-TW"/>
-              <a:t>24</a:t>
-            </a:r>
-            <a:r>
-              <a:rPr lang="zh-TW" altLang="en-US"/>
-              <a:t> 小時制）、行為 </a:t>
-            </a:r>
-            <a:r>
-              <a:rPr lang="en-US" altLang="zh-TW"/>
-              <a:t>(enter / exit)</a:t>
-            </a:r>
-            <a:r>
-              <a:rPr lang="zh-TW" altLang="en-US"/>
-              <a:t>、交流道里程</a:t>
-            </a:r>
-            <a:endParaRPr lang="en-US" altLang="zh-TW"/>
-          </a:p>
-          <a:p>
-            <a:r>
-              <a:rPr lang="zh-TW" altLang="en-US"/>
-              <a:t>每次行程額外再加 </a:t>
-            </a:r>
-            <a:r>
-              <a:rPr lang="en-US" altLang="zh-TW"/>
-              <a:t>1 dollar</a:t>
-            </a:r>
-          </a:p>
-          <a:p>
-            <a:r>
-              <a:rPr lang="zh-TW" altLang="en-US"/>
-              <a:t>每個車牌結算時額外再加 </a:t>
-            </a:r>
-            <a:r>
-              <a:rPr lang="en-US" altLang="zh-TW"/>
-              <a:t>2 dollars</a:t>
-            </a:r>
-          </a:p>
-          <a:p>
-            <a:r>
-              <a:rPr lang="zh-TW" altLang="en-US"/>
+              <a:t>題意</a:t>
+            </a:r>
+          </a:p>
+        </p:txBody>
+      </p:sp>
+      <p:sp>
+        <p:nvSpPr>
+          <p:cNvPr id="3" name="內容版面配置區 2">
+            <a:extLst>
+              <a:ext uri="{FF2B5EF4-FFF2-40B4-BE49-F238E27FC236}">
+                <a16:creationId xmlns:a16="http://schemas.microsoft.com/office/drawing/2014/main" id="{FFBCBA99-F2F3-48CB-A285-40771693A79B}"/>
+              </a:ext>
+            </a:extLst>
+          </p:cNvPr>
+          <p:cNvSpPr>
+            <a:spLocks noGrp="1"/>
+          </p:cNvSpPr>
+          <p:nvPr>
+            <p:ph idx="1"/>
+          </p:nvPr>
+        </p:nvSpPr>
+        <p:spPr>
+          <a:xfrm>
+            <a:off x="1261872" y="1828800"/>
+            <a:ext cx="9045910" cy="4762005"/>
+          </a:xfrm>
+        </p:spPr>
+        <p:txBody>
+          <a:bodyPr>
+            <a:normAutofit/>
+          </a:bodyPr>
+          <a:lstStyle/>
+          <a:p>
+            <a:r>
+              <a:rPr lang="zh-TW" altLang="en-US" sz="2400"/>
               <a:t>保證每筆紀錄都在同一個月份</a:t>
             </a:r>
-            <a:endParaRPr lang="en-US" altLang="zh-TW"/>
-          </a:p>
-          <a:p>
-            <a:r>
-              <a:rPr lang="zh-TW" altLang="en-US"/>
+            <a:endParaRPr lang="en-US" altLang="zh-TW" sz="2400"/>
+          </a:p>
+          <a:p>
+            <a:r>
+              <a:rPr lang="zh-TW" altLang="en-US" sz="2400"/>
               <a:t>保證每個車牌在同一時間不會有分身</a:t>
             </a:r>
-            <a:endParaRPr lang="en-US" altLang="zh-TW"/>
-          </a:p>
-          <a:p>
-            <a:r>
-              <a:rPr lang="zh-TW" altLang="en-US"/>
+            <a:endParaRPr lang="en-US" altLang="zh-TW" sz="2400"/>
+          </a:p>
+          <a:p>
+            <a:r>
+              <a:rPr lang="zh-TW" altLang="en-US" sz="2400"/>
               <a:t>忽略所有無法匹配的紀錄</a:t>
             </a:r>
-            <a:endParaRPr lang="en-US" altLang="zh-TW"/>
-          </a:p>
-          <a:p>
-            <a:r>
-              <a:rPr lang="zh-TW" altLang="en-US"/>
+            <a:endParaRPr lang="en-US" altLang="zh-TW" sz="2400"/>
+          </a:p>
+          <a:p>
+            <a:r>
+              <a:rPr lang="zh-TW" altLang="en-US" sz="2400"/>
               <a:t>求每個車牌的當月須支付的費用</a:t>
             </a:r>
           </a:p>
@@ -9026,7 +11016,7 @@
 </p:sld>
 </file>
 
-<file path=ppt/slides/slide3.xml><?xml version="1.0" encoding="utf-8"?>
+<file path=ppt/slides/slide4.xml><?xml version="1.0" encoding="utf-8"?>
 <p:sld xmlns:a="http://schemas.openxmlformats.org/drawingml/2006/main" xmlns:r="http://schemas.openxmlformats.org/officeDocument/2006/relationships" xmlns:p="http://schemas.openxmlformats.org/presentationml/2006/main">
   <p:cSld>
     <p:spTree>
@@ -9071,7 +11061,7 @@
           <a:p>
             <a:r>
               <a:rPr lang="zh-TW" altLang="en-US"/>
-              <a:t>輸出入</a:t>
+              <a:t>輸入</a:t>
             </a:r>
           </a:p>
         </p:txBody>
@@ -9099,226 +11089,137 @@
           </a:xfrm>
         </p:spPr>
         <p:txBody>
-          <a:bodyPr/>
+          <a:bodyPr>
+            <a:normAutofit/>
+          </a:bodyPr>
           <a:lstStyle/>
           <a:p>
             <a:r>
-              <a:rPr lang="en-US" altLang="zh-TW"/>
-              <a:t>Input</a:t>
-            </a:r>
+              <a:rPr lang="zh-TW" altLang="en-US" sz="2200"/>
+              <a:t>第一行為測資數量 </a:t>
+            </a:r>
+            <a:r>
+              <a:rPr lang="en-US" altLang="zh-TW" sz="2200"/>
+              <a:t>N</a:t>
+            </a:r>
+          </a:p>
+          <a:p>
+            <a:r>
+              <a:rPr lang="zh-TW" altLang="en-US" sz="2200"/>
+              <a:t>每筆測資第一行有 </a:t>
+            </a:r>
+            <a:r>
+              <a:rPr lang="en-US" altLang="zh-TW" sz="2200"/>
+              <a:t>24 </a:t>
+            </a:r>
+            <a:r>
+              <a:rPr lang="zh-TW" altLang="en-US" sz="2200"/>
+              <a:t>個正整數以空格隔開</a:t>
+            </a:r>
+            <a:br>
+              <a:rPr lang="en-US" altLang="zh-TW" sz="2200"/>
+            </a:br>
+            <a:r>
+              <a:rPr lang="zh-TW" altLang="en-US" sz="2200"/>
+              <a:t>第 </a:t>
+            </a:r>
+            <a:r>
+              <a:rPr lang="en-US" altLang="zh-TW" sz="2200"/>
+              <a:t>0 </a:t>
+            </a:r>
+            <a:r>
+              <a:rPr lang="zh-TW" altLang="en-US" sz="2200"/>
+              <a:t>個數表示 </a:t>
+            </a:r>
+            <a:r>
+              <a:rPr lang="en-US" altLang="zh-TW" sz="2200"/>
+              <a:t>00:00 ~ 00:59 </a:t>
+            </a:r>
+            <a:r>
+              <a:rPr lang="zh-TW" altLang="en-US" sz="2200"/>
+              <a:t>的費率；第 </a:t>
+            </a:r>
+            <a:r>
+              <a:rPr lang="en-US" altLang="zh-TW" sz="2200"/>
+              <a:t>1 </a:t>
+            </a:r>
+            <a:r>
+              <a:rPr lang="zh-TW" altLang="en-US" sz="2200"/>
+              <a:t>個數表示 </a:t>
+            </a:r>
+            <a:r>
+              <a:rPr lang="en-US" altLang="zh-TW" sz="2200"/>
+              <a:t>01:00 ~ 01:59 </a:t>
+            </a:r>
+            <a:r>
+              <a:rPr lang="zh-TW" altLang="en-US" sz="2200"/>
+              <a:t>的費率</a:t>
+            </a:r>
+            <a:r>
+              <a:rPr lang="en-US" altLang="zh-TW" sz="2200"/>
+              <a:t>……</a:t>
+            </a:r>
+          </a:p>
+          <a:p>
+            <a:r>
+              <a:rPr lang="zh-TW" altLang="en-US" sz="2200"/>
+              <a:t>接下來有未知數量的車輛進出紀錄，直到出現空白行</a:t>
+            </a:r>
+            <a:endParaRPr lang="en-US" altLang="zh-TW" sz="2200"/>
           </a:p>
           <a:p>
             <a:pPr lvl="1"/>
             <a:r>
-              <a:rPr lang="zh-TW" altLang="en-US"/>
-              <a:t>第一行為測資數量 </a:t>
-            </a:r>
-            <a:r>
-              <a:rPr lang="en-US" altLang="zh-TW"/>
-              <a:t>N</a:t>
-            </a:r>
-          </a:p>
-          <a:p>
-            <a:pPr lvl="1"/>
-            <a:r>
-              <a:rPr lang="zh-TW" altLang="en-US"/>
-              <a:t>每筆測資第一行有 </a:t>
-            </a:r>
-            <a:r>
-              <a:rPr lang="en-US" altLang="zh-TW"/>
-              <a:t>24 </a:t>
-            </a:r>
-            <a:r>
-              <a:rPr lang="zh-TW" altLang="en-US"/>
-              <a:t>個正整數以空格隔開</a:t>
+              <a:rPr lang="en-US" altLang="zh-TW" sz="2000"/>
+              <a:t>ABC7711 01:07:07:15 enter 12</a:t>
             </a:r>
             <a:br>
-              <a:rPr lang="en-US" altLang="zh-TW"/>
+              <a:rPr lang="en-US" altLang="zh-TW" sz="2000"/>
             </a:br>
             <a:r>
-              <a:rPr lang="zh-TW" altLang="en-US"/>
-              <a:t>第 </a:t>
-            </a:r>
-            <a:r>
-              <a:rPr lang="en-US" altLang="zh-TW"/>
-              <a:t>0 </a:t>
-            </a:r>
-            <a:r>
-              <a:rPr lang="zh-TW" altLang="en-US"/>
-              <a:t>個數表示 </a:t>
-            </a:r>
-            <a:r>
-              <a:rPr lang="en-US" altLang="zh-TW"/>
-              <a:t>00:00 ~ 00:59 </a:t>
-            </a:r>
-            <a:r>
-              <a:rPr lang="zh-TW" altLang="en-US"/>
-              <a:t>的費率；第 </a:t>
-            </a:r>
-            <a:r>
-              <a:rPr lang="en-US" altLang="zh-TW"/>
+              <a:rPr lang="zh-TW" altLang="en-US" sz="2000"/>
+              <a:t>→ 車牌 </a:t>
+            </a:r>
+            <a:r>
+              <a:rPr lang="en-US" altLang="zh-TW" sz="2000"/>
+              <a:t>ABC7711 </a:t>
+            </a:r>
+            <a:r>
+              <a:rPr lang="zh-TW" altLang="en-US" sz="2000"/>
+              <a:t>於 </a:t>
+            </a:r>
+            <a:r>
+              <a:rPr lang="en-US" altLang="zh-TW" sz="2000"/>
               <a:t>1 </a:t>
             </a:r>
             <a:r>
-              <a:rPr lang="zh-TW" altLang="en-US"/>
-              <a:t>個數表示 </a:t>
-            </a:r>
-            <a:r>
-              <a:rPr lang="en-US" altLang="zh-TW"/>
-              <a:t>01:00 ~ 01:59 </a:t>
-            </a:r>
-            <a:r>
-              <a:rPr lang="zh-TW" altLang="en-US"/>
-              <a:t>的費率</a:t>
-            </a:r>
-            <a:r>
-              <a:rPr lang="en-US" altLang="zh-TW"/>
-              <a:t>……</a:t>
-            </a:r>
-          </a:p>
-          <a:p>
-            <a:pPr lvl="1"/>
-            <a:r>
-              <a:rPr lang="zh-TW" altLang="en-US"/>
-              <a:t>接下來有未知數量的車輛進出紀錄，直到出現空白行</a:t>
-            </a:r>
-            <a:endParaRPr lang="en-US" altLang="zh-TW"/>
-          </a:p>
-          <a:p>
-            <a:pPr lvl="2"/>
-            <a:r>
-              <a:rPr lang="en-US" altLang="zh-TW"/>
-              <a:t>ABC7711 01:07:07:15 enter 12</a:t>
-            </a:r>
-            <a:br>
-              <a:rPr lang="en-US" altLang="zh-TW"/>
-            </a:br>
-            <a:r>
-              <a:rPr lang="zh-TW" altLang="en-US"/>
-              <a:t>→ 車牌 </a:t>
-            </a:r>
-            <a:r>
-              <a:rPr lang="en-US" altLang="zh-TW"/>
-              <a:t>ABC7711 </a:t>
-            </a:r>
-            <a:r>
-              <a:rPr lang="zh-TW" altLang="en-US"/>
-              <a:t>於 </a:t>
-            </a:r>
-            <a:r>
-              <a:rPr lang="en-US" altLang="zh-TW"/>
-              <a:t>1 </a:t>
-            </a:r>
-            <a:r>
-              <a:rPr lang="zh-TW" altLang="en-US"/>
+              <a:rPr lang="zh-TW" altLang="en-US" sz="2000"/>
               <a:t>月 </a:t>
             </a:r>
             <a:r>
-              <a:rPr lang="en-US" altLang="zh-TW"/>
+              <a:rPr lang="en-US" altLang="zh-TW" sz="2000"/>
               <a:t>7</a:t>
             </a:r>
             <a:r>
-              <a:rPr lang="zh-TW" altLang="en-US"/>
+              <a:rPr lang="zh-TW" altLang="en-US" sz="2000"/>
               <a:t> 日 </a:t>
             </a:r>
             <a:r>
-              <a:rPr lang="en-US" altLang="zh-TW"/>
+              <a:rPr lang="en-US" altLang="zh-TW" sz="2000"/>
               <a:t>07:15 </a:t>
             </a:r>
             <a:r>
-              <a:rPr lang="zh-TW" altLang="en-US"/>
+              <a:rPr lang="zh-TW" altLang="en-US" sz="2000"/>
               <a:t>時在 </a:t>
             </a:r>
             <a:r>
-              <a:rPr lang="en-US" altLang="zh-TW"/>
+              <a:rPr lang="en-US" altLang="zh-TW" sz="2000"/>
               <a:t>12 km </a:t>
             </a:r>
             <a:r>
-              <a:rPr lang="zh-TW" altLang="en-US"/>
+              <a:rPr lang="zh-TW" altLang="en-US" sz="2000"/>
               <a:t>處進入高速公路</a:t>
             </a:r>
-            <a:endParaRPr lang="en-US" altLang="zh-TW"/>
-          </a:p>
-          <a:p>
-            <a:r>
-              <a:rPr lang="en-US" altLang="zh-TW"/>
-              <a:t>Output</a:t>
-            </a:r>
-          </a:p>
-          <a:p>
-            <a:pPr lvl="1"/>
-            <a:r>
-              <a:rPr lang="zh-TW" altLang="en-US"/>
-              <a:t>對於每筆測資輸出各車牌需繳交的費用，車牌號與費用以空白間隔</a:t>
-            </a:r>
-            <a:endParaRPr lang="en-US" altLang="zh-TW"/>
-          </a:p>
-          <a:p>
-            <a:pPr lvl="1"/>
-            <a:r>
-              <a:rPr lang="zh-TW" altLang="en-US"/>
-              <a:t>費用格式：「</a:t>
-            </a:r>
-            <a:r>
-              <a:rPr lang="en-US" altLang="zh-TW"/>
-              <a:t>$5.20</a:t>
-            </a:r>
-            <a:r>
-              <a:rPr lang="zh-TW" altLang="en-US"/>
-              <a:t>」</a:t>
-            </a:r>
-            <a:endParaRPr lang="en-US" altLang="zh-TW"/>
-          </a:p>
-          <a:p>
-            <a:pPr lvl="1"/>
-            <a:r>
-              <a:rPr lang="zh-TW" altLang="en-US"/>
-              <a:t>各車牌費用以換行間隔</a:t>
-            </a:r>
-            <a:endParaRPr lang="en-US" altLang="zh-TW"/>
-          </a:p>
-          <a:p>
-            <a:pPr lvl="1"/>
-            <a:r>
-              <a:rPr lang="zh-TW" altLang="en-US"/>
-              <a:t>各車牌依字典序排序</a:t>
-            </a:r>
-            <a:endParaRPr lang="en-US" altLang="zh-TW"/>
-          </a:p>
-          <a:p>
-            <a:pPr lvl="1"/>
-            <a:r>
-              <a:rPr lang="zh-TW" altLang="en-US"/>
-              <a:t>每筆測資間額外再多一行空格</a:t>
-            </a:r>
-            <a:endParaRPr lang="en-US" altLang="zh-TW"/>
-          </a:p>
-          <a:p>
-            <a:pPr lvl="2"/>
-            <a:r>
-              <a:rPr lang="en-US" altLang="zh-TW"/>
-              <a:t>ABC7711 $5.20</a:t>
-            </a:r>
-            <a:br>
-              <a:rPr lang="en-US" altLang="zh-TW"/>
-            </a:br>
-            <a:r>
-              <a:rPr lang="zh-TW" altLang="en-US"/>
-              <a:t>→</a:t>
-            </a:r>
-            <a:r>
-              <a:rPr lang="en-US" altLang="zh-TW"/>
-              <a:t> ABC7711</a:t>
-            </a:r>
-            <a:r>
-              <a:rPr lang="zh-TW" altLang="en-US"/>
-              <a:t> 費用共計 </a:t>
-            </a:r>
-            <a:r>
-              <a:rPr lang="en-US" altLang="zh-TW"/>
-              <a:t>5.20 dollars</a:t>
-            </a:r>
-            <a:endParaRPr lang="zh-TW" altLang="en-US"/>
           </a:p>
         </p:txBody>
       </p:sp>
@@ -9335,7 +11236,169 @@
 </p:sld>
 </file>
 
-<file path=ppt/slides/slide4.xml><?xml version="1.0" encoding="utf-8"?>
+<file path=ppt/slides/slide5.xml><?xml version="1.0" encoding="utf-8"?>
+<p:sld xmlns:a="http://schemas.openxmlformats.org/drawingml/2006/main" xmlns:r="http://schemas.openxmlformats.org/officeDocument/2006/relationships" xmlns:p="http://schemas.openxmlformats.org/presentationml/2006/main">
+  <p:cSld>
+    <p:spTree>
+      <p:nvGrpSpPr>
+        <p:cNvPr id="1" name=""/>
+        <p:cNvGrpSpPr/>
+        <p:nvPr/>
+      </p:nvGrpSpPr>
+      <p:grpSpPr>
+        <a:xfrm>
+          <a:off x="0" y="0"/>
+          <a:ext cx="0" cy="0"/>
+          <a:chOff x="0" y="0"/>
+          <a:chExt cx="0" cy="0"/>
+        </a:xfrm>
+      </p:grpSpPr>
+      <p:sp>
+        <p:nvSpPr>
+          <p:cNvPr id="2" name="標題 1">
+            <a:extLst>
+              <a:ext uri="{FF2B5EF4-FFF2-40B4-BE49-F238E27FC236}">
+                <a16:creationId xmlns:a16="http://schemas.microsoft.com/office/drawing/2014/main" id="{2B3DE158-81EB-412B-9BC4-8CA815B1F5C2}"/>
+              </a:ext>
+            </a:extLst>
+          </p:cNvPr>
+          <p:cNvSpPr>
+            <a:spLocks noGrp="1"/>
+          </p:cNvSpPr>
+          <p:nvPr>
+            <p:ph type="title"/>
+          </p:nvPr>
+        </p:nvSpPr>
+        <p:spPr>
+          <a:xfrm>
+            <a:off x="1261872" y="365760"/>
+            <a:ext cx="9692640" cy="1325562"/>
+          </a:xfrm>
+        </p:spPr>
+        <p:txBody>
+          <a:bodyPr/>
+          <a:lstStyle/>
+          <a:p>
+            <a:r>
+              <a:rPr lang="zh-TW" altLang="en-US"/>
+              <a:t>輸出</a:t>
+            </a:r>
+          </a:p>
+        </p:txBody>
+      </p:sp>
+      <p:sp>
+        <p:nvSpPr>
+          <p:cNvPr id="3" name="內容版面配置區 2">
+            <a:extLst>
+              <a:ext uri="{FF2B5EF4-FFF2-40B4-BE49-F238E27FC236}">
+                <a16:creationId xmlns:a16="http://schemas.microsoft.com/office/drawing/2014/main" id="{5ACB7B5F-83B6-4117-AE28-37B54E210608}"/>
+              </a:ext>
+            </a:extLst>
+          </p:cNvPr>
+          <p:cNvSpPr>
+            <a:spLocks noGrp="1"/>
+          </p:cNvSpPr>
+          <p:nvPr>
+            <p:ph idx="1"/>
+          </p:nvPr>
+        </p:nvSpPr>
+        <p:spPr>
+          <a:xfrm>
+            <a:off x="1261872" y="1828800"/>
+            <a:ext cx="8595360" cy="4351337"/>
+          </a:xfrm>
+        </p:spPr>
+        <p:txBody>
+          <a:bodyPr>
+            <a:normAutofit/>
+          </a:bodyPr>
+          <a:lstStyle/>
+          <a:p>
+            <a:r>
+              <a:rPr lang="zh-TW" altLang="en-US" sz="2400"/>
+              <a:t>對於每筆測資輸出各車牌需繳交的費用，車牌號與費用以空白間隔</a:t>
+            </a:r>
+            <a:endParaRPr lang="en-US" altLang="zh-TW" sz="2400"/>
+          </a:p>
+          <a:p>
+            <a:r>
+              <a:rPr lang="zh-TW" altLang="en-US" sz="2400"/>
+              <a:t>費用格式：「</a:t>
+            </a:r>
+            <a:r>
+              <a:rPr lang="en-US" altLang="zh-TW" sz="2400"/>
+              <a:t>$5.20</a:t>
+            </a:r>
+            <a:r>
+              <a:rPr lang="zh-TW" altLang="en-US" sz="2400"/>
+              <a:t>」</a:t>
+            </a:r>
+            <a:endParaRPr lang="en-US" altLang="zh-TW" sz="2400"/>
+          </a:p>
+          <a:p>
+            <a:r>
+              <a:rPr lang="zh-TW" altLang="en-US" sz="2400"/>
+              <a:t>各車牌費用以換行間隔</a:t>
+            </a:r>
+            <a:endParaRPr lang="en-US" altLang="zh-TW" sz="2400"/>
+          </a:p>
+          <a:p>
+            <a:r>
+              <a:rPr lang="zh-TW" altLang="en-US" sz="2400"/>
+              <a:t>各車牌依字典序排序</a:t>
+            </a:r>
+            <a:endParaRPr lang="en-US" altLang="zh-TW" sz="2400"/>
+          </a:p>
+          <a:p>
+            <a:r>
+              <a:rPr lang="zh-TW" altLang="en-US" sz="2400"/>
+              <a:t>每筆測資間額外再多一行空格</a:t>
+            </a:r>
+            <a:endParaRPr lang="en-US" altLang="zh-TW" sz="2400"/>
+          </a:p>
+          <a:p>
+            <a:pPr lvl="1"/>
+            <a:r>
+              <a:rPr lang="en-US" altLang="zh-TW" sz="2000"/>
+              <a:t>ABC7711 $5.20</a:t>
+            </a:r>
+            <a:br>
+              <a:rPr lang="en-US" altLang="zh-TW" sz="2000"/>
+            </a:br>
+            <a:r>
+              <a:rPr lang="zh-TW" altLang="en-US" sz="2000"/>
+              <a:t>→</a:t>
+            </a:r>
+            <a:r>
+              <a:rPr lang="en-US" altLang="zh-TW" sz="2000"/>
+              <a:t> ABC7711</a:t>
+            </a:r>
+            <a:r>
+              <a:rPr lang="zh-TW" altLang="en-US" sz="2000"/>
+              <a:t> 費用共計 </a:t>
+            </a:r>
+            <a:r>
+              <a:rPr lang="en-US" altLang="zh-TW" sz="2000"/>
+              <a:t>5.20 dollars</a:t>
+            </a:r>
+            <a:endParaRPr lang="zh-TW" altLang="en-US" sz="2000"/>
+          </a:p>
+        </p:txBody>
+      </p:sp>
+    </p:spTree>
+    <p:extLst>
+      <p:ext uri="{BB962C8B-B14F-4D97-AF65-F5344CB8AC3E}">
+        <p14:creationId xmlns:p14="http://schemas.microsoft.com/office/powerpoint/2010/main" val="3394477505"/>
+      </p:ext>
+    </p:extLst>
+  </p:cSld>
+  <p:clrMapOvr>
+    <a:masterClrMapping/>
+  </p:clrMapOvr>
+</p:sld>
+</file>
+
+<file path=ppt/slides/slide6.xml><?xml version="1.0" encoding="utf-8"?>
 <p:sld xmlns:a="http://schemas.openxmlformats.org/drawingml/2006/main" xmlns:r="http://schemas.openxmlformats.org/officeDocument/2006/relationships" xmlns:p="http://schemas.openxmlformats.org/presentationml/2006/main">
   <p:cSld>
     <p:spTree>
@@ -9520,7 +11583,7 @@
 </p:sld>
 </file>
 
-<file path=ppt/slides/slide5.xml><?xml version="1.0" encoding="utf-8"?>
+<file path=ppt/slides/slide7.xml><?xml version="1.0" encoding="utf-8"?>
 <p:sld xmlns:a="http://schemas.openxmlformats.org/drawingml/2006/main" xmlns:r="http://schemas.openxmlformats.org/officeDocument/2006/relationships" xmlns:p="http://schemas.openxmlformats.org/presentationml/2006/main">
   <p:cSld>
     <p:spTree>
@@ -9594,201 +11657,288 @@
           <a:lstStyle/>
           <a:p>
             <a:r>
+              <a:rPr lang="zh-TW" altLang="en-US" sz="2400"/>
+              <a:t>建立一個「車牌紀錄」的 </a:t>
+            </a:r>
+            <a:r>
+              <a:rPr lang="en-US" altLang="zh-TW" sz="2400"/>
+              <a:t>struct</a:t>
+            </a:r>
+            <a:r>
+              <a:rPr lang="zh-TW" altLang="en-US" sz="2400"/>
+              <a:t>，包含「車牌號、時間、行為、里程位置」</a:t>
+            </a:r>
+            <a:endParaRPr lang="en-US" altLang="zh-TW" sz="2400"/>
+          </a:p>
+          <a:p>
+            <a:r>
+              <a:rPr lang="zh-TW" altLang="en-US" sz="2400"/>
+              <a:t>將所有紀錄以「時間」由小到大排序</a:t>
+            </a:r>
+            <a:endParaRPr lang="en-US" altLang="zh-TW" sz="2400"/>
+          </a:p>
+          <a:p>
+            <a:r>
+              <a:rPr lang="zh-TW" altLang="en-US" sz="2400"/>
+              <a:t>建立一個 </a:t>
+            </a:r>
+            <a:r>
+              <a:rPr lang="en-US" altLang="zh-TW" sz="2400"/>
+              <a:t>hash_table</a:t>
+            </a:r>
+            <a:r>
+              <a:rPr lang="zh-TW" altLang="en-US" sz="2400"/>
+              <a:t> 儲存車輛的進入紀錄（在</a:t>
+            </a:r>
+            <a:r>
+              <a:rPr lang="en-US" altLang="zh-TW" sz="2400"/>
+              <a:t> C++ </a:t>
+            </a:r>
+            <a:r>
+              <a:rPr lang="zh-TW" altLang="en-US" sz="2400"/>
+              <a:t>中為 </a:t>
+            </a:r>
+            <a:r>
+              <a:rPr lang="en-US" altLang="zh-TW" sz="2400"/>
+              <a:t>unordered_map</a:t>
+            </a:r>
+            <a:r>
+              <a:rPr lang="zh-TW" altLang="en-US" sz="2400"/>
+              <a:t>）</a:t>
+            </a:r>
+            <a:endParaRPr lang="en-US" altLang="zh-TW" sz="2400"/>
+          </a:p>
+          <a:p>
+            <a:pPr lvl="1"/>
+            <a:r>
+              <a:rPr lang="en-US" altLang="zh-TW" sz="2000"/>
+              <a:t>key: </a:t>
+            </a:r>
+            <a:r>
+              <a:rPr lang="zh-TW" altLang="en-US" sz="2000"/>
+              <a:t>車牌號；</a:t>
+            </a:r>
+            <a:r>
+              <a:rPr lang="en-US" altLang="zh-TW" sz="2000"/>
+              <a:t>value:</a:t>
+            </a:r>
+            <a:r>
+              <a:rPr lang="zh-TW" altLang="en-US" sz="2000"/>
+              <a:t> 車牌紀錄的 </a:t>
+            </a:r>
+            <a:r>
+              <a:rPr lang="en-US" altLang="zh-TW" sz="2000"/>
+              <a:t>struct</a:t>
+            </a:r>
+          </a:p>
+          <a:p>
+            <a:r>
+              <a:rPr lang="zh-TW" altLang="en-US" sz="2400"/>
+              <a:t>建立一個 </a:t>
+            </a:r>
+            <a:r>
+              <a:rPr lang="en-US" altLang="zh-TW" sz="2400"/>
+              <a:t>tree_table </a:t>
+            </a:r>
+            <a:r>
+              <a:rPr lang="zh-TW" altLang="en-US" sz="2400"/>
+              <a:t>儲存帳單（在</a:t>
+            </a:r>
+            <a:r>
+              <a:rPr lang="en-US" altLang="zh-TW" sz="2400"/>
+              <a:t> C++ </a:t>
+            </a:r>
+            <a:r>
+              <a:rPr lang="zh-TW" altLang="en-US" sz="2400"/>
+              <a:t>中為 </a:t>
+            </a:r>
+            <a:r>
+              <a:rPr lang="en-US" altLang="zh-TW" sz="2400"/>
+              <a:t>map</a:t>
+            </a:r>
+            <a:r>
+              <a:rPr lang="zh-TW" altLang="en-US" sz="2400"/>
+              <a:t>）</a:t>
+            </a:r>
+            <a:endParaRPr lang="en-US" altLang="zh-TW" sz="2400"/>
+          </a:p>
+          <a:p>
+            <a:pPr lvl="1"/>
+            <a:r>
+              <a:rPr lang="en-US" altLang="zh-TW" sz="2000"/>
+              <a:t>key: </a:t>
+            </a:r>
+            <a:r>
+              <a:rPr lang="zh-TW" altLang="en-US" sz="2000"/>
+              <a:t>車牌號；</a:t>
+            </a:r>
+            <a:r>
+              <a:rPr lang="en-US" altLang="zh-TW" sz="2000"/>
+              <a:t>value: </a:t>
+            </a:r>
+            <a:r>
+              <a:rPr lang="zh-TW" altLang="en-US" sz="2000"/>
+              <a:t>需繳納金額</a:t>
+            </a:r>
+            <a:endParaRPr lang="en-US" altLang="zh-TW" sz="2000"/>
+          </a:p>
+        </p:txBody>
+      </p:sp>
+    </p:spTree>
+    <p:extLst>
+      <p:ext uri="{BB962C8B-B14F-4D97-AF65-F5344CB8AC3E}">
+        <p14:creationId xmlns:p14="http://schemas.microsoft.com/office/powerpoint/2010/main" val="3438445562"/>
+      </p:ext>
+    </p:extLst>
+  </p:cSld>
+  <p:clrMapOvr>
+    <a:masterClrMapping/>
+  </p:clrMapOvr>
+</p:sld>
+</file>
+
+<file path=ppt/slides/slide8.xml><?xml version="1.0" encoding="utf-8"?>
+<p:sld xmlns:a="http://schemas.openxmlformats.org/drawingml/2006/main" xmlns:r="http://schemas.openxmlformats.org/officeDocument/2006/relationships" xmlns:p="http://schemas.openxmlformats.org/presentationml/2006/main">
+  <p:cSld>
+    <p:spTree>
+      <p:nvGrpSpPr>
+        <p:cNvPr id="1" name=""/>
+        <p:cNvGrpSpPr/>
+        <p:nvPr/>
+      </p:nvGrpSpPr>
+      <p:grpSpPr>
+        <a:xfrm>
+          <a:off x="0" y="0"/>
+          <a:ext cx="0" cy="0"/>
+          <a:chOff x="0" y="0"/>
+          <a:chExt cx="0" cy="0"/>
+        </a:xfrm>
+      </p:grpSpPr>
+      <p:sp>
+        <p:nvSpPr>
+          <p:cNvPr id="2" name="標題 1">
+            <a:extLst>
+              <a:ext uri="{FF2B5EF4-FFF2-40B4-BE49-F238E27FC236}">
+                <a16:creationId xmlns:a16="http://schemas.microsoft.com/office/drawing/2014/main" id="{CF55E347-A724-4459-B226-9914EA299528}"/>
+              </a:ext>
+            </a:extLst>
+          </p:cNvPr>
+          <p:cNvSpPr>
+            <a:spLocks noGrp="1"/>
+          </p:cNvSpPr>
+          <p:nvPr>
+            <p:ph type="title"/>
+          </p:nvPr>
+        </p:nvSpPr>
+        <p:spPr/>
+        <p:txBody>
+          <a:bodyPr/>
+          <a:lstStyle/>
+          <a:p>
+            <a:r>
               <a:rPr lang="zh-TW" altLang="en-US"/>
-              <a:t>建立一個「車牌紀錄」的 </a:t>
-            </a:r>
-            <a:r>
-              <a:rPr lang="en-US" altLang="zh-TW"/>
-              <a:t>struct</a:t>
-            </a:r>
-            <a:r>
-              <a:rPr lang="zh-TW" altLang="en-US"/>
-              <a:t>，包含「車牌號、時間、行為、里程位置」</a:t>
-            </a:r>
-            <a:endParaRPr lang="en-US" altLang="zh-TW"/>
-          </a:p>
-          <a:p>
-            <a:r>
-              <a:rPr lang="zh-TW" altLang="en-US"/>
-              <a:t>將所有紀錄以「時間」由小到大排序</a:t>
-            </a:r>
-            <a:endParaRPr lang="en-US" altLang="zh-TW"/>
-          </a:p>
-          <a:p>
-            <a:r>
-              <a:rPr lang="zh-TW" altLang="en-US"/>
-              <a:t>建立一個 </a:t>
-            </a:r>
-            <a:r>
-              <a:rPr lang="en-US" altLang="zh-TW"/>
+              <a:t>解法</a:t>
+            </a:r>
+          </a:p>
+        </p:txBody>
+      </p:sp>
+      <p:sp>
+        <p:nvSpPr>
+          <p:cNvPr id="3" name="內容版面配置區 2">
+            <a:extLst>
+              <a:ext uri="{FF2B5EF4-FFF2-40B4-BE49-F238E27FC236}">
+                <a16:creationId xmlns:a16="http://schemas.microsoft.com/office/drawing/2014/main" id="{CBF3E5C5-E024-4F9B-ACF7-0A6D904ECE54}"/>
+              </a:ext>
+            </a:extLst>
+          </p:cNvPr>
+          <p:cNvSpPr>
+            <a:spLocks noGrp="1"/>
+          </p:cNvSpPr>
+          <p:nvPr>
+            <p:ph idx="1"/>
+          </p:nvPr>
+        </p:nvSpPr>
+        <p:spPr>
+          <a:xfrm>
+            <a:off x="1261872" y="1828800"/>
+            <a:ext cx="8595360" cy="4874821"/>
+          </a:xfrm>
+        </p:spPr>
+        <p:txBody>
+          <a:bodyPr>
+            <a:normAutofit/>
+          </a:bodyPr>
+          <a:lstStyle/>
+          <a:p>
+            <a:r>
+              <a:rPr lang="zh-TW" altLang="en-US" sz="2400"/>
+              <a:t>若該筆紀錄的行為是 </a:t>
+            </a:r>
+            <a:r>
+              <a:rPr lang="en-US" altLang="zh-TW" sz="2400"/>
+              <a:t>enter</a:t>
+            </a:r>
+            <a:br>
+              <a:rPr lang="en-US" altLang="zh-TW" sz="2400"/>
+            </a:br>
+            <a:r>
+              <a:rPr lang="zh-TW" altLang="en-US" sz="2400"/>
+              <a:t>→ 新增到或取代到 </a:t>
+            </a:r>
+            <a:r>
+              <a:rPr lang="en-US" altLang="zh-TW" sz="2400"/>
               <a:t>hash_table</a:t>
             </a:r>
-            <a:r>
-              <a:rPr lang="zh-TW" altLang="en-US"/>
-              <a:t> 儲存車輛的進入紀錄（在</a:t>
-            </a:r>
-            <a:r>
-              <a:rPr lang="en-US" altLang="zh-TW"/>
-              <a:t> C++ </a:t>
-            </a:r>
-            <a:r>
-              <a:rPr lang="zh-TW" altLang="en-US"/>
-              <a:t>中為 </a:t>
-            </a:r>
-            <a:r>
-              <a:rPr lang="en-US" altLang="zh-TW"/>
-              <a:t>unordered_map</a:t>
-            </a:r>
-            <a:r>
-              <a:rPr lang="zh-TW" altLang="en-US"/>
-              <a:t>）</a:t>
-            </a:r>
-            <a:endParaRPr lang="en-US" altLang="zh-TW"/>
-          </a:p>
-          <a:p>
-            <a:pPr lvl="1"/>
-            <a:r>
-              <a:rPr lang="en-US" altLang="zh-TW"/>
-              <a:t>key: </a:t>
-            </a:r>
-            <a:r>
-              <a:rPr lang="zh-TW" altLang="en-US"/>
-              <a:t>車牌號；</a:t>
-            </a:r>
-            <a:r>
-              <a:rPr lang="en-US" altLang="zh-TW"/>
-              <a:t>value:</a:t>
-            </a:r>
-            <a:r>
-              <a:rPr lang="zh-TW" altLang="en-US"/>
-              <a:t> 車牌紀錄的 </a:t>
-            </a:r>
-            <a:r>
-              <a:rPr lang="en-US" altLang="zh-TW"/>
-              <a:t>struct</a:t>
-            </a:r>
-          </a:p>
-          <a:p>
-            <a:r>
-              <a:rPr lang="zh-TW" altLang="en-US"/>
-              <a:t>建立一個 </a:t>
-            </a:r>
-            <a:r>
-              <a:rPr lang="en-US" altLang="zh-TW"/>
-              <a:t>tree_table </a:t>
-            </a:r>
-            <a:r>
-              <a:rPr lang="zh-TW" altLang="en-US"/>
-              <a:t>儲存帳單（在</a:t>
-            </a:r>
-            <a:r>
-              <a:rPr lang="en-US" altLang="zh-TW"/>
-              <a:t> C++ </a:t>
-            </a:r>
-            <a:r>
-              <a:rPr lang="zh-TW" altLang="en-US"/>
-              <a:t>中為 </a:t>
-            </a:r>
-            <a:r>
-              <a:rPr lang="en-US" altLang="zh-TW"/>
-              <a:t>map</a:t>
-            </a:r>
-            <a:r>
-              <a:rPr lang="zh-TW" altLang="en-US"/>
-              <a:t>）</a:t>
-            </a:r>
-            <a:endParaRPr lang="en-US" altLang="zh-TW"/>
-          </a:p>
-          <a:p>
-            <a:pPr lvl="1"/>
-            <a:r>
-              <a:rPr lang="en-US" altLang="zh-TW"/>
-              <a:t>key: </a:t>
-            </a:r>
-            <a:r>
-              <a:rPr lang="zh-TW" altLang="en-US"/>
-              <a:t>車牌號；</a:t>
-            </a:r>
-            <a:r>
-              <a:rPr lang="en-US" altLang="zh-TW"/>
-              <a:t>value: </a:t>
-            </a:r>
-            <a:r>
-              <a:rPr lang="zh-TW" altLang="en-US"/>
-              <a:t>需繳納金額</a:t>
-            </a:r>
-            <a:endParaRPr lang="en-US" altLang="zh-TW"/>
-          </a:p>
-          <a:p>
-            <a:r>
-              <a:rPr lang="zh-TW" altLang="en-US"/>
+          </a:p>
+          <a:p>
+            <a:r>
+              <a:rPr lang="zh-TW" altLang="en-US" sz="2400"/>
               <a:t>若該筆紀錄的行為是 </a:t>
             </a:r>
             <a:r>
-              <a:rPr lang="en-US" altLang="zh-TW"/>
-              <a:t>enter</a:t>
+              <a:rPr lang="en-US" altLang="zh-TW" sz="2400"/>
+              <a:t>exit</a:t>
             </a:r>
             <a:br>
-              <a:rPr lang="en-US" altLang="zh-TW"/>
+              <a:rPr lang="en-US" altLang="zh-TW" sz="2400"/>
             </a:br>
             <a:r>
-              <a:rPr lang="zh-TW" altLang="en-US"/>
-              <a:t>→ 新增到或取代到 </a:t>
-            </a:r>
-            <a:r>
-              <a:rPr lang="en-US" altLang="zh-TW"/>
-              <a:t>hash_table</a:t>
-            </a:r>
-          </a:p>
-          <a:p>
-            <a:r>
-              <a:rPr lang="zh-TW" altLang="en-US"/>
-              <a:t>若該筆紀錄的行為是 </a:t>
-            </a:r>
-            <a:r>
-              <a:rPr lang="en-US" altLang="zh-TW"/>
-              <a:t>exit</a:t>
-            </a:r>
-            <a:br>
-              <a:rPr lang="en-US" altLang="zh-TW"/>
-            </a:br>
-            <a:r>
-              <a:rPr lang="zh-TW" altLang="en-US"/>
+              <a:rPr lang="zh-TW" altLang="en-US" sz="2400"/>
               <a:t>→ 累加該次行程花費的金額到 </a:t>
             </a:r>
             <a:r>
-              <a:rPr lang="en-US" altLang="zh-TW"/>
+              <a:rPr lang="en-US" altLang="zh-TW" sz="2400"/>
               <a:t>tree_table</a:t>
             </a:r>
             <a:r>
-              <a:rPr lang="zh-TW" altLang="en-US"/>
+              <a:rPr lang="zh-TW" altLang="en-US" sz="2400"/>
               <a:t>，並從 </a:t>
             </a:r>
             <a:r>
-              <a:rPr lang="en-US" altLang="zh-TW"/>
+              <a:rPr lang="en-US" altLang="zh-TW" sz="2400"/>
               <a:t>hash_table </a:t>
             </a:r>
             <a:r>
-              <a:rPr lang="zh-TW" altLang="en-US"/>
+              <a:rPr lang="zh-TW" altLang="en-US" sz="2400"/>
               <a:t>中移除該車輛</a:t>
             </a:r>
-            <a:endParaRPr lang="en-US" altLang="zh-TW"/>
-          </a:p>
-          <a:p>
-            <a:r>
-              <a:rPr lang="zh-TW" altLang="en-US"/>
+            <a:endParaRPr lang="en-US" altLang="zh-TW" sz="2400"/>
+          </a:p>
+          <a:p>
+            <a:r>
+              <a:rPr lang="zh-TW" altLang="en-US" sz="2400"/>
               <a:t>所有錢以 </a:t>
             </a:r>
             <a:r>
-              <a:rPr lang="en-US" altLang="zh-TW"/>
+              <a:rPr lang="en-US" altLang="zh-TW" sz="2400"/>
               <a:t>cents </a:t>
             </a:r>
             <a:r>
-              <a:rPr lang="zh-TW" altLang="en-US"/>
+              <a:rPr lang="zh-TW" altLang="en-US" sz="2400"/>
               <a:t>為單位，最後輸出時再除以 </a:t>
             </a:r>
             <a:r>
-              <a:rPr lang="en-US" altLang="zh-TW"/>
+              <a:rPr lang="en-US" altLang="zh-TW" sz="2400"/>
               <a:t>100</a:t>
             </a:r>
           </a:p>
@@ -9807,7 +11957,7 @@
 </p:sld>
 </file>
 
-<file path=ppt/slides/slide6.xml><?xml version="1.0" encoding="utf-8"?>
+<file path=ppt/slides/slide9.xml><?xml version="1.0" encoding="utf-8"?>
 <p:sld xmlns:a="http://schemas.openxmlformats.org/drawingml/2006/main" xmlns:r="http://schemas.openxmlformats.org/officeDocument/2006/relationships" xmlns:p="http://schemas.openxmlformats.org/presentationml/2006/main">
   <p:cSld>
     <p:spTree>
@@ -10267,1901 +12417,6 @@
     <p:extLst>
       <p:ext uri="{BB962C8B-B14F-4D97-AF65-F5344CB8AC3E}">
         <p14:creationId xmlns:p14="http://schemas.microsoft.com/office/powerpoint/2010/main" val="1052023044"/>
-      </p:ext>
-    </p:extLst>
-  </p:cSld>
-  <p:clrMapOvr>
-    <a:masterClrMapping/>
-  </p:clrMapOvr>
-</p:sld>
-</file>
-
-<file path=ppt/slides/slide7.xml><?xml version="1.0" encoding="utf-8"?>
-<p:sld xmlns:a="http://schemas.openxmlformats.org/drawingml/2006/main" xmlns:r="http://schemas.openxmlformats.org/officeDocument/2006/relationships" xmlns:p="http://schemas.openxmlformats.org/presentationml/2006/main">
-  <p:cSld>
-    <p:spTree>
-      <p:nvGrpSpPr>
-        <p:cNvPr id="1" name=""/>
-        <p:cNvGrpSpPr/>
-        <p:nvPr/>
-      </p:nvGrpSpPr>
-      <p:grpSpPr>
-        <a:xfrm>
-          <a:off x="0" y="0"/>
-          <a:ext cx="0" cy="0"/>
-          <a:chOff x="0" y="0"/>
-          <a:chExt cx="0" cy="0"/>
-        </a:xfrm>
-      </p:grpSpPr>
-      <p:graphicFrame>
-        <p:nvGraphicFramePr>
-          <p:cNvPr id="4" name="表格 3">
-            <a:extLst>
-              <a:ext uri="{FF2B5EF4-FFF2-40B4-BE49-F238E27FC236}">
-                <a16:creationId xmlns:a16="http://schemas.microsoft.com/office/drawing/2014/main" id="{86F4EC14-F37A-47BB-8993-FFCD07A3828C}"/>
-              </a:ext>
-            </a:extLst>
-          </p:cNvPr>
-          <p:cNvGraphicFramePr>
-            <a:graphicFrameLocks noGrp="1"/>
-          </p:cNvGraphicFramePr>
-          <p:nvPr>
-            <p:extLst>
-              <p:ext uri="{D42A27DB-BD31-4B8C-83A1-F6EECF244321}">
-                <p14:modId xmlns:p14="http://schemas.microsoft.com/office/powerpoint/2010/main" val="3964325796"/>
-              </p:ext>
-            </p:extLst>
-          </p:nvPr>
-        </p:nvGraphicFramePr>
-        <p:xfrm>
-          <a:off x="1261872" y="1828800"/>
-          <a:ext cx="8589600" cy="1854200"/>
-        </p:xfrm>
-        <a:graphic>
-          <a:graphicData uri="http://schemas.openxmlformats.org/drawingml/2006/table">
-            <a:tbl>
-              <a:tblPr firstRow="1" bandRow="1">
-                <a:tableStyleId>{5C22544A-7EE6-4342-B048-85BDC9FD1C3A}</a:tableStyleId>
-              </a:tblPr>
-              <a:tblGrid>
-                <a:gridCol w="2147400">
-                  <a:extLst>
-                    <a:ext uri="{9D8B030D-6E8A-4147-A177-3AD203B41FA5}">
-                      <a16:colId xmlns:a16="http://schemas.microsoft.com/office/drawing/2014/main" val="890743239"/>
-                    </a:ext>
-                  </a:extLst>
-                </a:gridCol>
-                <a:gridCol w="2147400">
-                  <a:extLst>
-                    <a:ext uri="{9D8B030D-6E8A-4147-A177-3AD203B41FA5}">
-                      <a16:colId xmlns:a16="http://schemas.microsoft.com/office/drawing/2014/main" val="2670466567"/>
-                    </a:ext>
-                  </a:extLst>
-                </a:gridCol>
-                <a:gridCol w="2147400">
-                  <a:extLst>
-                    <a:ext uri="{9D8B030D-6E8A-4147-A177-3AD203B41FA5}">
-                      <a16:colId xmlns:a16="http://schemas.microsoft.com/office/drawing/2014/main" val="1543249520"/>
-                    </a:ext>
-                  </a:extLst>
-                </a:gridCol>
-                <a:gridCol w="2147400">
-                  <a:extLst>
-                    <a:ext uri="{9D8B030D-6E8A-4147-A177-3AD203B41FA5}">
-                      <a16:colId xmlns:a16="http://schemas.microsoft.com/office/drawing/2014/main" val="4105514518"/>
-                    </a:ext>
-                  </a:extLst>
-                </a:gridCol>
-              </a:tblGrid>
-              <a:tr h="370840">
-                <a:tc>
-                  <a:txBody>
-                    <a:bodyPr/>
-                    <a:lstStyle/>
-                    <a:p>
-                      <a:r>
-                        <a:rPr lang="en-US" altLang="zh-TW"/>
-                        <a:t>name</a:t>
-                      </a:r>
-                      <a:endParaRPr lang="zh-TW" altLang="en-US"/>
-                    </a:p>
-                  </a:txBody>
-                  <a:tcPr/>
-                </a:tc>
-                <a:tc>
-                  <a:txBody>
-                    <a:bodyPr/>
-                    <a:lstStyle/>
-                    <a:p>
-                      <a:r>
-                        <a:rPr lang="en-US" altLang="zh-TW">
-                          <a:solidFill>
-                            <a:schemeClr val="tx1"/>
-                          </a:solidFill>
-                          <a:highlight>
-                            <a:srgbClr val="FFFF00"/>
-                          </a:highlight>
-                        </a:rPr>
-                        <a:t>time</a:t>
-                      </a:r>
-                      <a:endParaRPr lang="zh-TW" altLang="en-US">
-                        <a:solidFill>
-                          <a:schemeClr val="tx1"/>
-                        </a:solidFill>
-                        <a:highlight>
-                          <a:srgbClr val="FFFF00"/>
-                        </a:highlight>
-                      </a:endParaRPr>
-                    </a:p>
-                  </a:txBody>
-                  <a:tcPr/>
-                </a:tc>
-                <a:tc>
-                  <a:txBody>
-                    <a:bodyPr/>
-                    <a:lstStyle/>
-                    <a:p>
-                      <a:r>
-                        <a:rPr lang="en-US" altLang="zh-TW"/>
-                        <a:t>behavior</a:t>
-                      </a:r>
-                      <a:endParaRPr lang="zh-TW" altLang="en-US"/>
-                    </a:p>
-                  </a:txBody>
-                  <a:tcPr/>
-                </a:tc>
-                <a:tc>
-                  <a:txBody>
-                    <a:bodyPr/>
-                    <a:lstStyle/>
-                    <a:p>
-                      <a:r>
-                        <a:rPr lang="en-US" altLang="zh-TW"/>
-                        <a:t>position</a:t>
-                      </a:r>
-                      <a:endParaRPr lang="zh-TW" altLang="en-US"/>
-                    </a:p>
-                  </a:txBody>
-                  <a:tcPr/>
-                </a:tc>
-                <a:extLst>
-                  <a:ext uri="{0D108BD9-81ED-4DB2-BD59-A6C34878D82A}">
-                    <a16:rowId xmlns:a16="http://schemas.microsoft.com/office/drawing/2014/main" val="2461060276"/>
-                  </a:ext>
-                </a:extLst>
-              </a:tr>
-              <a:tr h="370840">
-                <a:tc>
-                  <a:txBody>
-                    <a:bodyPr/>
-                    <a:lstStyle/>
-                    <a:p>
-                      <a:r>
-                        <a:rPr lang="de-DE" altLang="zh-TW">
-                          <a:latin typeface="Consolas" panose="020B0609020204030204" pitchFamily="49" charset="0"/>
-                        </a:rPr>
-                        <a:t>765DEF</a:t>
-                      </a:r>
-                      <a:endParaRPr lang="zh-TW" altLang="en-US"/>
-                    </a:p>
-                  </a:txBody>
-                  <a:tcPr/>
-                </a:tc>
-                <a:tc>
-                  <a:txBody>
-                    <a:bodyPr/>
-                    <a:lstStyle/>
-                    <a:p>
-                      <a:r>
-                        <a:rPr lang="de-DE" altLang="zh-TW">
-                          <a:latin typeface="Consolas" panose="020B0609020204030204" pitchFamily="49" charset="0"/>
-                        </a:rPr>
-                        <a:t>01:01:05:59</a:t>
-                      </a:r>
-                    </a:p>
-                  </a:txBody>
-                  <a:tcPr/>
-                </a:tc>
-                <a:tc>
-                  <a:txBody>
-                    <a:bodyPr/>
-                    <a:lstStyle/>
-                    <a:p>
-                      <a:r>
-                        <a:rPr lang="de-DE" altLang="zh-TW">
-                          <a:latin typeface="Consolas" panose="020B0609020204030204" pitchFamily="49" charset="0"/>
-                        </a:rPr>
-                        <a:t>enter</a:t>
-                      </a:r>
-                      <a:endParaRPr lang="zh-TW" altLang="en-US"/>
-                    </a:p>
-                  </a:txBody>
-                  <a:tcPr/>
-                </a:tc>
-                <a:tc>
-                  <a:txBody>
-                    <a:bodyPr/>
-                    <a:lstStyle/>
-                    <a:p>
-                      <a:r>
-                        <a:rPr lang="de-DE" altLang="zh-TW">
-                          <a:latin typeface="Consolas" panose="020B0609020204030204" pitchFamily="49" charset="0"/>
-                        </a:rPr>
-                        <a:t>17</a:t>
-                      </a:r>
-                      <a:endParaRPr lang="zh-TW" altLang="en-US"/>
-                    </a:p>
-                  </a:txBody>
-                  <a:tcPr/>
-                </a:tc>
-                <a:extLst>
-                  <a:ext uri="{0D108BD9-81ED-4DB2-BD59-A6C34878D82A}">
-                    <a16:rowId xmlns:a16="http://schemas.microsoft.com/office/drawing/2014/main" val="1515131760"/>
-                  </a:ext>
-                </a:extLst>
-              </a:tr>
-              <a:tr h="370840">
-                <a:tc>
-                  <a:txBody>
-                    <a:bodyPr/>
-                    <a:lstStyle/>
-                    <a:p>
-                      <a:r>
-                        <a:rPr lang="de-DE" altLang="zh-TW">
-                          <a:latin typeface="Consolas" panose="020B0609020204030204" pitchFamily="49" charset="0"/>
-                        </a:rPr>
-                        <a:t>ABCD123</a:t>
-                      </a:r>
-                      <a:endParaRPr lang="zh-TW" altLang="en-US"/>
-                    </a:p>
-                  </a:txBody>
-                  <a:tcPr/>
-                </a:tc>
-                <a:tc>
-                  <a:txBody>
-                    <a:bodyPr/>
-                    <a:lstStyle/>
-                    <a:p>
-                      <a:r>
-                        <a:rPr lang="de-DE" altLang="zh-TW">
-                          <a:latin typeface="Consolas" panose="020B0609020204030204" pitchFamily="49" charset="0"/>
-                        </a:rPr>
-                        <a:t>01:01:06:01</a:t>
-                      </a:r>
-                    </a:p>
-                  </a:txBody>
-                  <a:tcPr/>
-                </a:tc>
-                <a:tc>
-                  <a:txBody>
-                    <a:bodyPr/>
-                    <a:lstStyle/>
-                    <a:p>
-                      <a:r>
-                        <a:rPr lang="de-DE" altLang="zh-TW">
-                          <a:latin typeface="Consolas" panose="020B0609020204030204" pitchFamily="49" charset="0"/>
-                        </a:rPr>
-                        <a:t>enter</a:t>
-                      </a:r>
-                      <a:endParaRPr lang="zh-TW" altLang="en-US"/>
-                    </a:p>
-                  </a:txBody>
-                  <a:tcPr/>
-                </a:tc>
-                <a:tc>
-                  <a:txBody>
-                    <a:bodyPr/>
-                    <a:lstStyle/>
-                    <a:p>
-                      <a:r>
-                        <a:rPr lang="de-DE" altLang="zh-TW">
-                          <a:latin typeface="Consolas" panose="020B0609020204030204" pitchFamily="49" charset="0"/>
-                        </a:rPr>
-                        <a:t>12</a:t>
-                      </a:r>
-                      <a:endParaRPr lang="zh-TW" altLang="en-US"/>
-                    </a:p>
-                  </a:txBody>
-                  <a:tcPr/>
-                </a:tc>
-                <a:extLst>
-                  <a:ext uri="{0D108BD9-81ED-4DB2-BD59-A6C34878D82A}">
-                    <a16:rowId xmlns:a16="http://schemas.microsoft.com/office/drawing/2014/main" val="1217678301"/>
-                  </a:ext>
-                </a:extLst>
-              </a:tr>
-              <a:tr h="370840">
-                <a:tc>
-                  <a:txBody>
-                    <a:bodyPr/>
-                    <a:lstStyle/>
-                    <a:p>
-                      <a:r>
-                        <a:rPr lang="de-DE" altLang="zh-TW">
-                          <a:latin typeface="Consolas" panose="020B0609020204030204" pitchFamily="49" charset="0"/>
-                        </a:rPr>
-                        <a:t>765DEF</a:t>
-                      </a:r>
-                      <a:endParaRPr lang="zh-TW" altLang="en-US"/>
-                    </a:p>
-                  </a:txBody>
-                  <a:tcPr/>
-                </a:tc>
-                <a:tc>
-                  <a:txBody>
-                    <a:bodyPr/>
-                    <a:lstStyle/>
-                    <a:p>
-                      <a:r>
-                        <a:rPr lang="de-DE" altLang="zh-TW">
-                          <a:latin typeface="Consolas" panose="020B0609020204030204" pitchFamily="49" charset="0"/>
-                        </a:rPr>
-                        <a:t>01:01:07:00</a:t>
-                      </a:r>
-                    </a:p>
-                  </a:txBody>
-                  <a:tcPr/>
-                </a:tc>
-                <a:tc>
-                  <a:txBody>
-                    <a:bodyPr/>
-                    <a:lstStyle/>
-                    <a:p>
-                      <a:r>
-                        <a:rPr lang="de-DE" altLang="zh-TW">
-                          <a:latin typeface="Consolas" panose="020B0609020204030204" pitchFamily="49" charset="0"/>
-                        </a:rPr>
-                        <a:t>exit</a:t>
-                      </a:r>
-                      <a:endParaRPr lang="zh-TW" altLang="en-US"/>
-                    </a:p>
-                  </a:txBody>
-                  <a:tcPr/>
-                </a:tc>
-                <a:tc>
-                  <a:txBody>
-                    <a:bodyPr/>
-                    <a:lstStyle/>
-                    <a:p>
-                      <a:r>
-                        <a:rPr lang="de-DE" altLang="zh-TW">
-                          <a:latin typeface="Consolas" panose="020B0609020204030204" pitchFamily="49" charset="0"/>
-                        </a:rPr>
-                        <a:t>95</a:t>
-                      </a:r>
-                      <a:endParaRPr lang="zh-TW" altLang="en-US"/>
-                    </a:p>
-                  </a:txBody>
-                  <a:tcPr/>
-                </a:tc>
-                <a:extLst>
-                  <a:ext uri="{0D108BD9-81ED-4DB2-BD59-A6C34878D82A}">
-                    <a16:rowId xmlns:a16="http://schemas.microsoft.com/office/drawing/2014/main" val="355494396"/>
-                  </a:ext>
-                </a:extLst>
-              </a:tr>
-              <a:tr h="370840">
-                <a:tc>
-                  <a:txBody>
-                    <a:bodyPr/>
-                    <a:lstStyle/>
-                    <a:p>
-                      <a:r>
-                        <a:rPr lang="de-DE" altLang="zh-TW">
-                          <a:latin typeface="Consolas" panose="020B0609020204030204" pitchFamily="49" charset="0"/>
-                        </a:rPr>
-                        <a:t>ABCD123</a:t>
-                      </a:r>
-                      <a:endParaRPr lang="zh-TW" altLang="en-US"/>
-                    </a:p>
-                  </a:txBody>
-                  <a:tcPr/>
-                </a:tc>
-                <a:tc>
-                  <a:txBody>
-                    <a:bodyPr/>
-                    <a:lstStyle/>
-                    <a:p>
-                      <a:r>
-                        <a:rPr lang="de-DE" altLang="zh-TW">
-                          <a:latin typeface="Consolas" panose="020B0609020204030204" pitchFamily="49" charset="0"/>
-                        </a:rPr>
-                        <a:t>01:01:08:03</a:t>
-                      </a:r>
-                    </a:p>
-                  </a:txBody>
-                  <a:tcPr/>
-                </a:tc>
-                <a:tc>
-                  <a:txBody>
-                    <a:bodyPr/>
-                    <a:lstStyle/>
-                    <a:p>
-                      <a:r>
-                        <a:rPr lang="de-DE" altLang="zh-TW">
-                          <a:latin typeface="Consolas" panose="020B0609020204030204" pitchFamily="49" charset="0"/>
-                        </a:rPr>
-                        <a:t>exit</a:t>
-                      </a:r>
-                      <a:endParaRPr lang="zh-TW" altLang="en-US"/>
-                    </a:p>
-                  </a:txBody>
-                  <a:tcPr/>
-                </a:tc>
-                <a:tc>
-                  <a:txBody>
-                    <a:bodyPr/>
-                    <a:lstStyle/>
-                    <a:p>
-                      <a:r>
-                        <a:rPr lang="de-DE" altLang="zh-TW">
-                          <a:latin typeface="Consolas" panose="020B0609020204030204" pitchFamily="49" charset="0"/>
-                        </a:rPr>
-                        <a:t>100</a:t>
-                      </a:r>
-                      <a:endParaRPr lang="zh-TW" altLang="en-US"/>
-                    </a:p>
-                  </a:txBody>
-                  <a:tcPr/>
-                </a:tc>
-                <a:extLst>
-                  <a:ext uri="{0D108BD9-81ED-4DB2-BD59-A6C34878D82A}">
-                    <a16:rowId xmlns:a16="http://schemas.microsoft.com/office/drawing/2014/main" val="610660536"/>
-                  </a:ext>
-                </a:extLst>
-              </a:tr>
-            </a:tbl>
-          </a:graphicData>
-        </a:graphic>
-      </p:graphicFrame>
-      <p:sp>
-        <p:nvSpPr>
-          <p:cNvPr id="2" name="標題 1">
-            <a:extLst>
-              <a:ext uri="{FF2B5EF4-FFF2-40B4-BE49-F238E27FC236}">
-                <a16:creationId xmlns:a16="http://schemas.microsoft.com/office/drawing/2014/main" id="{FD5B1493-1257-45E4-A5F8-1A4B08ABFF03}"/>
-              </a:ext>
-            </a:extLst>
-          </p:cNvPr>
-          <p:cNvSpPr>
-            <a:spLocks noGrp="1"/>
-          </p:cNvSpPr>
-          <p:nvPr>
-            <p:ph type="title"/>
-          </p:nvPr>
-        </p:nvSpPr>
-        <p:spPr/>
-        <p:txBody>
-          <a:bodyPr/>
-          <a:lstStyle/>
-          <a:p>
-            <a:r>
-              <a:rPr lang="zh-TW" altLang="en-US"/>
-              <a:t>解法</a:t>
-            </a:r>
-          </a:p>
-        </p:txBody>
-      </p:sp>
-    </p:spTree>
-    <p:extLst>
-      <p:ext uri="{BB962C8B-B14F-4D97-AF65-F5344CB8AC3E}">
-        <p14:creationId xmlns:p14="http://schemas.microsoft.com/office/powerpoint/2010/main" val="84023740"/>
-      </p:ext>
-    </p:extLst>
-  </p:cSld>
-  <p:clrMapOvr>
-    <a:masterClrMapping/>
-  </p:clrMapOvr>
-</p:sld>
-</file>
-
-<file path=ppt/slides/slide8.xml><?xml version="1.0" encoding="utf-8"?>
-<p:sld xmlns:a="http://schemas.openxmlformats.org/drawingml/2006/main" xmlns:r="http://schemas.openxmlformats.org/officeDocument/2006/relationships" xmlns:p="http://schemas.openxmlformats.org/presentationml/2006/main">
-  <p:cSld>
-    <p:spTree>
-      <p:nvGrpSpPr>
-        <p:cNvPr id="1" name=""/>
-        <p:cNvGrpSpPr/>
-        <p:nvPr/>
-      </p:nvGrpSpPr>
-      <p:grpSpPr>
-        <a:xfrm>
-          <a:off x="0" y="0"/>
-          <a:ext cx="0" cy="0"/>
-          <a:chOff x="0" y="0"/>
-          <a:chExt cx="0" cy="0"/>
-        </a:xfrm>
-      </p:grpSpPr>
-      <p:graphicFrame>
-        <p:nvGraphicFramePr>
-          <p:cNvPr id="4" name="表格 3">
-            <a:extLst>
-              <a:ext uri="{FF2B5EF4-FFF2-40B4-BE49-F238E27FC236}">
-                <a16:creationId xmlns:a16="http://schemas.microsoft.com/office/drawing/2014/main" id="{86F4EC14-F37A-47BB-8993-FFCD07A3828C}"/>
-              </a:ext>
-            </a:extLst>
-          </p:cNvPr>
-          <p:cNvGraphicFramePr>
-            <a:graphicFrameLocks noGrp="1"/>
-          </p:cNvGraphicFramePr>
-          <p:nvPr>
-            <p:extLst>
-              <p:ext uri="{D42A27DB-BD31-4B8C-83A1-F6EECF244321}">
-                <p14:modId xmlns:p14="http://schemas.microsoft.com/office/powerpoint/2010/main" val="329744691"/>
-              </p:ext>
-            </p:extLst>
-          </p:nvPr>
-        </p:nvGraphicFramePr>
-        <p:xfrm>
-          <a:off x="1261872" y="1828800"/>
-          <a:ext cx="8589600" cy="1854200"/>
-        </p:xfrm>
-        <a:graphic>
-          <a:graphicData uri="http://schemas.openxmlformats.org/drawingml/2006/table">
-            <a:tbl>
-              <a:tblPr firstRow="1" bandRow="1">
-                <a:tableStyleId>{5C22544A-7EE6-4342-B048-85BDC9FD1C3A}</a:tableStyleId>
-              </a:tblPr>
-              <a:tblGrid>
-                <a:gridCol w="2147400">
-                  <a:extLst>
-                    <a:ext uri="{9D8B030D-6E8A-4147-A177-3AD203B41FA5}">
-                      <a16:colId xmlns:a16="http://schemas.microsoft.com/office/drawing/2014/main" val="890743239"/>
-                    </a:ext>
-                  </a:extLst>
-                </a:gridCol>
-                <a:gridCol w="2147400">
-                  <a:extLst>
-                    <a:ext uri="{9D8B030D-6E8A-4147-A177-3AD203B41FA5}">
-                      <a16:colId xmlns:a16="http://schemas.microsoft.com/office/drawing/2014/main" val="2670466567"/>
-                    </a:ext>
-                  </a:extLst>
-                </a:gridCol>
-                <a:gridCol w="2147400">
-                  <a:extLst>
-                    <a:ext uri="{9D8B030D-6E8A-4147-A177-3AD203B41FA5}">
-                      <a16:colId xmlns:a16="http://schemas.microsoft.com/office/drawing/2014/main" val="1543249520"/>
-                    </a:ext>
-                  </a:extLst>
-                </a:gridCol>
-                <a:gridCol w="2147400">
-                  <a:extLst>
-                    <a:ext uri="{9D8B030D-6E8A-4147-A177-3AD203B41FA5}">
-                      <a16:colId xmlns:a16="http://schemas.microsoft.com/office/drawing/2014/main" val="4105514518"/>
-                    </a:ext>
-                  </a:extLst>
-                </a:gridCol>
-              </a:tblGrid>
-              <a:tr h="370840">
-                <a:tc>
-                  <a:txBody>
-                    <a:bodyPr/>
-                    <a:lstStyle/>
-                    <a:p>
-                      <a:r>
-                        <a:rPr lang="en-US" altLang="zh-TW" sz="1800" b="1" kern="1200">
-                          <a:solidFill>
-                            <a:schemeClr val="lt1"/>
-                          </a:solidFill>
-                          <a:latin typeface="+mn-lt"/>
-                          <a:ea typeface="+mn-ea"/>
-                          <a:cs typeface="+mn-cs"/>
-                        </a:rPr>
-                        <a:t>name</a:t>
-                      </a:r>
-                      <a:endParaRPr lang="zh-TW" altLang="en-US" sz="1800" b="1" kern="1200">
-                        <a:solidFill>
-                          <a:schemeClr val="lt1"/>
-                        </a:solidFill>
-                        <a:latin typeface="+mn-lt"/>
-                        <a:ea typeface="+mn-ea"/>
-                        <a:cs typeface="+mn-cs"/>
-                      </a:endParaRPr>
-                    </a:p>
-                  </a:txBody>
-                  <a:tcPr/>
-                </a:tc>
-                <a:tc>
-                  <a:txBody>
-                    <a:bodyPr/>
-                    <a:lstStyle/>
-                    <a:p>
-                      <a:r>
-                        <a:rPr lang="en-US" altLang="zh-TW" sz="1800" b="1" kern="1200">
-                          <a:solidFill>
-                            <a:schemeClr val="lt1"/>
-                          </a:solidFill>
-                          <a:latin typeface="+mn-lt"/>
-                          <a:ea typeface="+mn-ea"/>
-                          <a:cs typeface="+mn-cs"/>
-                        </a:rPr>
-                        <a:t>time</a:t>
-                      </a:r>
-                      <a:endParaRPr lang="zh-TW" altLang="en-US" sz="1800" b="1" kern="1200">
-                        <a:solidFill>
-                          <a:schemeClr val="lt1"/>
-                        </a:solidFill>
-                        <a:latin typeface="+mn-lt"/>
-                        <a:ea typeface="+mn-ea"/>
-                        <a:cs typeface="+mn-cs"/>
-                      </a:endParaRPr>
-                    </a:p>
-                  </a:txBody>
-                  <a:tcPr/>
-                </a:tc>
-                <a:tc>
-                  <a:txBody>
-                    <a:bodyPr/>
-                    <a:lstStyle/>
-                    <a:p>
-                      <a:r>
-                        <a:rPr lang="en-US" altLang="zh-TW"/>
-                        <a:t>behavior</a:t>
-                      </a:r>
-                      <a:endParaRPr lang="zh-TW" altLang="en-US"/>
-                    </a:p>
-                  </a:txBody>
-                  <a:tcPr/>
-                </a:tc>
-                <a:tc>
-                  <a:txBody>
-                    <a:bodyPr/>
-                    <a:lstStyle/>
-                    <a:p>
-                      <a:r>
-                        <a:rPr lang="en-US" altLang="zh-TW"/>
-                        <a:t>position</a:t>
-                      </a:r>
-                      <a:endParaRPr lang="zh-TW" altLang="en-US"/>
-                    </a:p>
-                  </a:txBody>
-                  <a:tcPr/>
-                </a:tc>
-                <a:extLst>
-                  <a:ext uri="{0D108BD9-81ED-4DB2-BD59-A6C34878D82A}">
-                    <a16:rowId xmlns:a16="http://schemas.microsoft.com/office/drawing/2014/main" val="2461060276"/>
-                  </a:ext>
-                </a:extLst>
-              </a:tr>
-              <a:tr h="370840">
-                <a:tc>
-                  <a:txBody>
-                    <a:bodyPr/>
-                    <a:lstStyle/>
-                    <a:p>
-                      <a:r>
-                        <a:rPr lang="de-DE" altLang="zh-TW">
-                          <a:latin typeface="Consolas" panose="020B0609020204030204" pitchFamily="49" charset="0"/>
-                        </a:rPr>
-                        <a:t>765DEF</a:t>
-                      </a:r>
-                      <a:endParaRPr lang="zh-TW" altLang="en-US"/>
-                    </a:p>
-                  </a:txBody>
-                  <a:tcPr/>
-                </a:tc>
-                <a:tc>
-                  <a:txBody>
-                    <a:bodyPr/>
-                    <a:lstStyle/>
-                    <a:p>
-                      <a:r>
-                        <a:rPr lang="de-DE" altLang="zh-TW">
-                          <a:latin typeface="Consolas" panose="020B0609020204030204" pitchFamily="49" charset="0"/>
-                        </a:rPr>
-                        <a:t>01:01:05:59</a:t>
-                      </a:r>
-                    </a:p>
-                  </a:txBody>
-                  <a:tcPr/>
-                </a:tc>
-                <a:tc>
-                  <a:txBody>
-                    <a:bodyPr/>
-                    <a:lstStyle/>
-                    <a:p>
-                      <a:r>
-                        <a:rPr lang="de-DE" altLang="zh-TW">
-                          <a:latin typeface="Consolas" panose="020B0609020204030204" pitchFamily="49" charset="0"/>
-                        </a:rPr>
-                        <a:t>enter</a:t>
-                      </a:r>
-                      <a:endParaRPr lang="zh-TW" altLang="en-US"/>
-                    </a:p>
-                  </a:txBody>
-                  <a:tcPr/>
-                </a:tc>
-                <a:tc>
-                  <a:txBody>
-                    <a:bodyPr/>
-                    <a:lstStyle/>
-                    <a:p>
-                      <a:r>
-                        <a:rPr lang="de-DE" altLang="zh-TW">
-                          <a:latin typeface="Consolas" panose="020B0609020204030204" pitchFamily="49" charset="0"/>
-                        </a:rPr>
-                        <a:t>17</a:t>
-                      </a:r>
-                      <a:endParaRPr lang="zh-TW" altLang="en-US"/>
-                    </a:p>
-                  </a:txBody>
-                  <a:tcPr/>
-                </a:tc>
-                <a:extLst>
-                  <a:ext uri="{0D108BD9-81ED-4DB2-BD59-A6C34878D82A}">
-                    <a16:rowId xmlns:a16="http://schemas.microsoft.com/office/drawing/2014/main" val="1515131760"/>
-                  </a:ext>
-                </a:extLst>
-              </a:tr>
-              <a:tr h="370840">
-                <a:tc>
-                  <a:txBody>
-                    <a:bodyPr/>
-                    <a:lstStyle/>
-                    <a:p>
-                      <a:r>
-                        <a:rPr lang="de-DE" altLang="zh-TW">
-                          <a:latin typeface="Consolas" panose="020B0609020204030204" pitchFamily="49" charset="0"/>
-                        </a:rPr>
-                        <a:t>ABCD123</a:t>
-                      </a:r>
-                      <a:endParaRPr lang="zh-TW" altLang="en-US"/>
-                    </a:p>
-                  </a:txBody>
-                  <a:tcPr/>
-                </a:tc>
-                <a:tc>
-                  <a:txBody>
-                    <a:bodyPr/>
-                    <a:lstStyle/>
-                    <a:p>
-                      <a:r>
-                        <a:rPr lang="de-DE" altLang="zh-TW">
-                          <a:latin typeface="Consolas" panose="020B0609020204030204" pitchFamily="49" charset="0"/>
-                        </a:rPr>
-                        <a:t>01:01:06:01</a:t>
-                      </a:r>
-                    </a:p>
-                  </a:txBody>
-                  <a:tcPr/>
-                </a:tc>
-                <a:tc>
-                  <a:txBody>
-                    <a:bodyPr/>
-                    <a:lstStyle/>
-                    <a:p>
-                      <a:r>
-                        <a:rPr lang="de-DE" altLang="zh-TW">
-                          <a:latin typeface="Consolas" panose="020B0609020204030204" pitchFamily="49" charset="0"/>
-                        </a:rPr>
-                        <a:t>enter</a:t>
-                      </a:r>
-                      <a:endParaRPr lang="zh-TW" altLang="en-US"/>
-                    </a:p>
-                  </a:txBody>
-                  <a:tcPr/>
-                </a:tc>
-                <a:tc>
-                  <a:txBody>
-                    <a:bodyPr/>
-                    <a:lstStyle/>
-                    <a:p>
-                      <a:r>
-                        <a:rPr lang="de-DE" altLang="zh-TW">
-                          <a:latin typeface="Consolas" panose="020B0609020204030204" pitchFamily="49" charset="0"/>
-                        </a:rPr>
-                        <a:t>12</a:t>
-                      </a:r>
-                      <a:endParaRPr lang="zh-TW" altLang="en-US"/>
-                    </a:p>
-                  </a:txBody>
-                  <a:tcPr/>
-                </a:tc>
-                <a:extLst>
-                  <a:ext uri="{0D108BD9-81ED-4DB2-BD59-A6C34878D82A}">
-                    <a16:rowId xmlns:a16="http://schemas.microsoft.com/office/drawing/2014/main" val="1217678301"/>
-                  </a:ext>
-                </a:extLst>
-              </a:tr>
-              <a:tr h="370840">
-                <a:tc>
-                  <a:txBody>
-                    <a:bodyPr/>
-                    <a:lstStyle/>
-                    <a:p>
-                      <a:r>
-                        <a:rPr lang="de-DE" altLang="zh-TW">
-                          <a:latin typeface="Consolas" panose="020B0609020204030204" pitchFamily="49" charset="0"/>
-                        </a:rPr>
-                        <a:t>765DEF</a:t>
-                      </a:r>
-                      <a:endParaRPr lang="zh-TW" altLang="en-US"/>
-                    </a:p>
-                  </a:txBody>
-                  <a:tcPr/>
-                </a:tc>
-                <a:tc>
-                  <a:txBody>
-                    <a:bodyPr/>
-                    <a:lstStyle/>
-                    <a:p>
-                      <a:r>
-                        <a:rPr lang="de-DE" altLang="zh-TW">
-                          <a:latin typeface="Consolas" panose="020B0609020204030204" pitchFamily="49" charset="0"/>
-                        </a:rPr>
-                        <a:t>01:01:07:00</a:t>
-                      </a:r>
-                    </a:p>
-                  </a:txBody>
-                  <a:tcPr/>
-                </a:tc>
-                <a:tc>
-                  <a:txBody>
-                    <a:bodyPr/>
-                    <a:lstStyle/>
-                    <a:p>
-                      <a:r>
-                        <a:rPr lang="de-DE" altLang="zh-TW">
-                          <a:latin typeface="Consolas" panose="020B0609020204030204" pitchFamily="49" charset="0"/>
-                        </a:rPr>
-                        <a:t>exit</a:t>
-                      </a:r>
-                      <a:endParaRPr lang="zh-TW" altLang="en-US"/>
-                    </a:p>
-                  </a:txBody>
-                  <a:tcPr/>
-                </a:tc>
-                <a:tc>
-                  <a:txBody>
-                    <a:bodyPr/>
-                    <a:lstStyle/>
-                    <a:p>
-                      <a:r>
-                        <a:rPr lang="de-DE" altLang="zh-TW">
-                          <a:latin typeface="Consolas" panose="020B0609020204030204" pitchFamily="49" charset="0"/>
-                        </a:rPr>
-                        <a:t>95</a:t>
-                      </a:r>
-                      <a:endParaRPr lang="zh-TW" altLang="en-US"/>
-                    </a:p>
-                  </a:txBody>
-                  <a:tcPr/>
-                </a:tc>
-                <a:extLst>
-                  <a:ext uri="{0D108BD9-81ED-4DB2-BD59-A6C34878D82A}">
-                    <a16:rowId xmlns:a16="http://schemas.microsoft.com/office/drawing/2014/main" val="355494396"/>
-                  </a:ext>
-                </a:extLst>
-              </a:tr>
-              <a:tr h="370840">
-                <a:tc>
-                  <a:txBody>
-                    <a:bodyPr/>
-                    <a:lstStyle/>
-                    <a:p>
-                      <a:r>
-                        <a:rPr lang="de-DE" altLang="zh-TW">
-                          <a:latin typeface="Consolas" panose="020B0609020204030204" pitchFamily="49" charset="0"/>
-                        </a:rPr>
-                        <a:t>ABCD123</a:t>
-                      </a:r>
-                      <a:endParaRPr lang="zh-TW" altLang="en-US"/>
-                    </a:p>
-                  </a:txBody>
-                  <a:tcPr/>
-                </a:tc>
-                <a:tc>
-                  <a:txBody>
-                    <a:bodyPr/>
-                    <a:lstStyle/>
-                    <a:p>
-                      <a:r>
-                        <a:rPr lang="de-DE" altLang="zh-TW">
-                          <a:latin typeface="Consolas" panose="020B0609020204030204" pitchFamily="49" charset="0"/>
-                        </a:rPr>
-                        <a:t>01:01:08:03</a:t>
-                      </a:r>
-                    </a:p>
-                  </a:txBody>
-                  <a:tcPr/>
-                </a:tc>
-                <a:tc>
-                  <a:txBody>
-                    <a:bodyPr/>
-                    <a:lstStyle/>
-                    <a:p>
-                      <a:r>
-                        <a:rPr lang="de-DE" altLang="zh-TW">
-                          <a:latin typeface="Consolas" panose="020B0609020204030204" pitchFamily="49" charset="0"/>
-                        </a:rPr>
-                        <a:t>exit</a:t>
-                      </a:r>
-                      <a:endParaRPr lang="zh-TW" altLang="en-US"/>
-                    </a:p>
-                  </a:txBody>
-                  <a:tcPr/>
-                </a:tc>
-                <a:tc>
-                  <a:txBody>
-                    <a:bodyPr/>
-                    <a:lstStyle/>
-                    <a:p>
-                      <a:r>
-                        <a:rPr lang="de-DE" altLang="zh-TW">
-                          <a:latin typeface="Consolas" panose="020B0609020204030204" pitchFamily="49" charset="0"/>
-                        </a:rPr>
-                        <a:t>100</a:t>
-                      </a:r>
-                      <a:endParaRPr lang="zh-TW" altLang="en-US"/>
-                    </a:p>
-                  </a:txBody>
-                  <a:tcPr/>
-                </a:tc>
-                <a:extLst>
-                  <a:ext uri="{0D108BD9-81ED-4DB2-BD59-A6C34878D82A}">
-                    <a16:rowId xmlns:a16="http://schemas.microsoft.com/office/drawing/2014/main" val="610660536"/>
-                  </a:ext>
-                </a:extLst>
-              </a:tr>
-            </a:tbl>
-          </a:graphicData>
-        </a:graphic>
-      </p:graphicFrame>
-      <p:sp>
-        <p:nvSpPr>
-          <p:cNvPr id="2" name="標題 1">
-            <a:extLst>
-              <a:ext uri="{FF2B5EF4-FFF2-40B4-BE49-F238E27FC236}">
-                <a16:creationId xmlns:a16="http://schemas.microsoft.com/office/drawing/2014/main" id="{FD5B1493-1257-45E4-A5F8-1A4B08ABFF03}"/>
-              </a:ext>
-            </a:extLst>
-          </p:cNvPr>
-          <p:cNvSpPr>
-            <a:spLocks noGrp="1"/>
-          </p:cNvSpPr>
-          <p:nvPr>
-            <p:ph type="title"/>
-          </p:nvPr>
-        </p:nvSpPr>
-        <p:spPr/>
-        <p:txBody>
-          <a:bodyPr/>
-          <a:lstStyle/>
-          <a:p>
-            <a:r>
-              <a:rPr lang="zh-TW" altLang="en-US"/>
-              <a:t>解法</a:t>
-            </a:r>
-          </a:p>
-        </p:txBody>
-      </p:sp>
-      <p:graphicFrame>
-        <p:nvGraphicFramePr>
-          <p:cNvPr id="3" name="表格 2">
-            <a:extLst>
-              <a:ext uri="{FF2B5EF4-FFF2-40B4-BE49-F238E27FC236}">
-                <a16:creationId xmlns:a16="http://schemas.microsoft.com/office/drawing/2014/main" id="{F5BACB3F-4769-4BD8-BC56-8E073F5CDF50}"/>
-              </a:ext>
-            </a:extLst>
-          </p:cNvPr>
-          <p:cNvGraphicFramePr>
-            <a:graphicFrameLocks noGrp="1"/>
-          </p:cNvGraphicFramePr>
-          <p:nvPr>
-            <p:extLst>
-              <p:ext uri="{D42A27DB-BD31-4B8C-83A1-F6EECF244321}">
-                <p14:modId xmlns:p14="http://schemas.microsoft.com/office/powerpoint/2010/main" val="3046949141"/>
-              </p:ext>
-            </p:extLst>
-          </p:nvPr>
-        </p:nvGraphicFramePr>
-        <p:xfrm>
-          <a:off x="6096672" y="3961629"/>
-          <a:ext cx="3754800" cy="370840"/>
-        </p:xfrm>
-        <a:graphic>
-          <a:graphicData uri="http://schemas.openxmlformats.org/drawingml/2006/table">
-            <a:tbl>
-              <a:tblPr firstRow="1" bandRow="1">
-                <a:tableStyleId>{5C22544A-7EE6-4342-B048-85BDC9FD1C3A}</a:tableStyleId>
-              </a:tblPr>
-              <a:tblGrid>
-                <a:gridCol w="1877400">
-                  <a:extLst>
-                    <a:ext uri="{9D8B030D-6E8A-4147-A177-3AD203B41FA5}">
-                      <a16:colId xmlns:a16="http://schemas.microsoft.com/office/drawing/2014/main" val="675905845"/>
-                    </a:ext>
-                  </a:extLst>
-                </a:gridCol>
-                <a:gridCol w="1877400">
-                  <a:extLst>
-                    <a:ext uri="{9D8B030D-6E8A-4147-A177-3AD203B41FA5}">
-                      <a16:colId xmlns:a16="http://schemas.microsoft.com/office/drawing/2014/main" val="3870910898"/>
-                    </a:ext>
-                  </a:extLst>
-                </a:gridCol>
-              </a:tblGrid>
-              <a:tr h="370840">
-                <a:tc>
-                  <a:txBody>
-                    <a:bodyPr/>
-                    <a:lstStyle/>
-                    <a:p>
-                      <a:r>
-                        <a:rPr lang="en-US" altLang="zh-TW"/>
-                        <a:t>name</a:t>
-                      </a:r>
-                      <a:endParaRPr lang="zh-TW" altLang="en-US"/>
-                    </a:p>
-                  </a:txBody>
-                  <a:tcPr/>
-                </a:tc>
-                <a:tc>
-                  <a:txBody>
-                    <a:bodyPr/>
-                    <a:lstStyle/>
-                    <a:p>
-                      <a:r>
-                        <a:rPr lang="en-US" altLang="zh-TW"/>
-                        <a:t>money</a:t>
-                      </a:r>
-                      <a:endParaRPr lang="zh-TW" altLang="en-US"/>
-                    </a:p>
-                  </a:txBody>
-                  <a:tcPr/>
-                </a:tc>
-                <a:extLst>
-                  <a:ext uri="{0D108BD9-81ED-4DB2-BD59-A6C34878D82A}">
-                    <a16:rowId xmlns:a16="http://schemas.microsoft.com/office/drawing/2014/main" val="1471625119"/>
-                  </a:ext>
-                </a:extLst>
-              </a:tr>
-            </a:tbl>
-          </a:graphicData>
-        </a:graphic>
-      </p:graphicFrame>
-      <p:graphicFrame>
-        <p:nvGraphicFramePr>
-          <p:cNvPr id="5" name="表格 4">
-            <a:extLst>
-              <a:ext uri="{FF2B5EF4-FFF2-40B4-BE49-F238E27FC236}">
-                <a16:creationId xmlns:a16="http://schemas.microsoft.com/office/drawing/2014/main" id="{AC16E3E4-AECA-4792-B9C7-E978D357A329}"/>
-              </a:ext>
-            </a:extLst>
-          </p:cNvPr>
-          <p:cNvGraphicFramePr>
-            <a:graphicFrameLocks noGrp="1"/>
-          </p:cNvGraphicFramePr>
-          <p:nvPr>
-            <p:extLst>
-              <p:ext uri="{D42A27DB-BD31-4B8C-83A1-F6EECF244321}">
-                <p14:modId xmlns:p14="http://schemas.microsoft.com/office/powerpoint/2010/main" val="2484526569"/>
-              </p:ext>
-            </p:extLst>
-          </p:nvPr>
-        </p:nvGraphicFramePr>
-        <p:xfrm>
-          <a:off x="1261872" y="3961629"/>
-          <a:ext cx="4665600" cy="370840"/>
-        </p:xfrm>
-        <a:graphic>
-          <a:graphicData uri="http://schemas.openxmlformats.org/drawingml/2006/table">
-            <a:tbl>
-              <a:tblPr firstRow="1" bandRow="1">
-                <a:tableStyleId>{5C22544A-7EE6-4342-B048-85BDC9FD1C3A}</a:tableStyleId>
-              </a:tblPr>
-              <a:tblGrid>
-                <a:gridCol w="1062924">
-                  <a:extLst>
-                    <a:ext uri="{9D8B030D-6E8A-4147-A177-3AD203B41FA5}">
-                      <a16:colId xmlns:a16="http://schemas.microsoft.com/office/drawing/2014/main" val="675905845"/>
-                    </a:ext>
-                  </a:extLst>
-                </a:gridCol>
-                <a:gridCol w="3602676">
-                  <a:extLst>
-                    <a:ext uri="{9D8B030D-6E8A-4147-A177-3AD203B41FA5}">
-                      <a16:colId xmlns:a16="http://schemas.microsoft.com/office/drawing/2014/main" val="3870910898"/>
-                    </a:ext>
-                  </a:extLst>
-                </a:gridCol>
-              </a:tblGrid>
-              <a:tr h="370840">
-                <a:tc>
-                  <a:txBody>
-                    <a:bodyPr/>
-                    <a:lstStyle/>
-                    <a:p>
-                      <a:r>
-                        <a:rPr lang="en-US" altLang="zh-TW"/>
-                        <a:t>name</a:t>
-                      </a:r>
-                      <a:endParaRPr lang="zh-TW" altLang="en-US"/>
-                    </a:p>
-                  </a:txBody>
-                  <a:tcPr/>
-                </a:tc>
-                <a:tc>
-                  <a:txBody>
-                    <a:bodyPr/>
-                    <a:lstStyle/>
-                    <a:p>
-                      <a:r>
-                        <a:rPr lang="en-US" altLang="zh-TW"/>
-                        <a:t>name,  time, behavior, position</a:t>
-                      </a:r>
-                      <a:endParaRPr lang="zh-TW" altLang="en-US"/>
-                    </a:p>
-                  </a:txBody>
-                  <a:tcPr/>
-                </a:tc>
-                <a:extLst>
-                  <a:ext uri="{0D108BD9-81ED-4DB2-BD59-A6C34878D82A}">
-                    <a16:rowId xmlns:a16="http://schemas.microsoft.com/office/drawing/2014/main" val="1471625119"/>
-                  </a:ext>
-                </a:extLst>
-              </a:tr>
-            </a:tbl>
-          </a:graphicData>
-        </a:graphic>
-      </p:graphicFrame>
-    </p:spTree>
-    <p:extLst>
-      <p:ext uri="{BB962C8B-B14F-4D97-AF65-F5344CB8AC3E}">
-        <p14:creationId xmlns:p14="http://schemas.microsoft.com/office/powerpoint/2010/main" val="2437083106"/>
-      </p:ext>
-    </p:extLst>
-  </p:cSld>
-  <p:clrMapOvr>
-    <a:masterClrMapping/>
-  </p:clrMapOvr>
-</p:sld>
-</file>
-
-<file path=ppt/slides/slide9.xml><?xml version="1.0" encoding="utf-8"?>
-<p:sld xmlns:a="http://schemas.openxmlformats.org/drawingml/2006/main" xmlns:r="http://schemas.openxmlformats.org/officeDocument/2006/relationships" xmlns:p="http://schemas.openxmlformats.org/presentationml/2006/main">
-  <p:cSld>
-    <p:spTree>
-      <p:nvGrpSpPr>
-        <p:cNvPr id="1" name=""/>
-        <p:cNvGrpSpPr/>
-        <p:nvPr/>
-      </p:nvGrpSpPr>
-      <p:grpSpPr>
-        <a:xfrm>
-          <a:off x="0" y="0"/>
-          <a:ext cx="0" cy="0"/>
-          <a:chOff x="0" y="0"/>
-          <a:chExt cx="0" cy="0"/>
-        </a:xfrm>
-      </p:grpSpPr>
-      <p:graphicFrame>
-        <p:nvGraphicFramePr>
-          <p:cNvPr id="4" name="表格 3">
-            <a:extLst>
-              <a:ext uri="{FF2B5EF4-FFF2-40B4-BE49-F238E27FC236}">
-                <a16:creationId xmlns:a16="http://schemas.microsoft.com/office/drawing/2014/main" id="{86F4EC14-F37A-47BB-8993-FFCD07A3828C}"/>
-              </a:ext>
-            </a:extLst>
-          </p:cNvPr>
-          <p:cNvGraphicFramePr>
-            <a:graphicFrameLocks noGrp="1"/>
-          </p:cNvGraphicFramePr>
-          <p:nvPr>
-            <p:extLst>
-              <p:ext uri="{D42A27DB-BD31-4B8C-83A1-F6EECF244321}">
-                <p14:modId xmlns:p14="http://schemas.microsoft.com/office/powerpoint/2010/main" val="1440386321"/>
-              </p:ext>
-            </p:extLst>
-          </p:nvPr>
-        </p:nvGraphicFramePr>
-        <p:xfrm>
-          <a:off x="1261872" y="1828800"/>
-          <a:ext cx="8589600" cy="1854200"/>
-        </p:xfrm>
-        <a:graphic>
-          <a:graphicData uri="http://schemas.openxmlformats.org/drawingml/2006/table">
-            <a:tbl>
-              <a:tblPr firstRow="1" bandRow="1">
-                <a:tableStyleId>{5C22544A-7EE6-4342-B048-85BDC9FD1C3A}</a:tableStyleId>
-              </a:tblPr>
-              <a:tblGrid>
-                <a:gridCol w="2147400">
-                  <a:extLst>
-                    <a:ext uri="{9D8B030D-6E8A-4147-A177-3AD203B41FA5}">
-                      <a16:colId xmlns:a16="http://schemas.microsoft.com/office/drawing/2014/main" val="890743239"/>
-                    </a:ext>
-                  </a:extLst>
-                </a:gridCol>
-                <a:gridCol w="2147400">
-                  <a:extLst>
-                    <a:ext uri="{9D8B030D-6E8A-4147-A177-3AD203B41FA5}">
-                      <a16:colId xmlns:a16="http://schemas.microsoft.com/office/drawing/2014/main" val="2670466567"/>
-                    </a:ext>
-                  </a:extLst>
-                </a:gridCol>
-                <a:gridCol w="2147400">
-                  <a:extLst>
-                    <a:ext uri="{9D8B030D-6E8A-4147-A177-3AD203B41FA5}">
-                      <a16:colId xmlns:a16="http://schemas.microsoft.com/office/drawing/2014/main" val="1543249520"/>
-                    </a:ext>
-                  </a:extLst>
-                </a:gridCol>
-                <a:gridCol w="2147400">
-                  <a:extLst>
-                    <a:ext uri="{9D8B030D-6E8A-4147-A177-3AD203B41FA5}">
-                      <a16:colId xmlns:a16="http://schemas.microsoft.com/office/drawing/2014/main" val="4105514518"/>
-                    </a:ext>
-                  </a:extLst>
-                </a:gridCol>
-              </a:tblGrid>
-              <a:tr h="370840">
-                <a:tc>
-                  <a:txBody>
-                    <a:bodyPr/>
-                    <a:lstStyle/>
-                    <a:p>
-                      <a:r>
-                        <a:rPr lang="en-US" altLang="zh-TW" sz="1800" b="1" kern="1200">
-                          <a:solidFill>
-                            <a:schemeClr val="lt1"/>
-                          </a:solidFill>
-                          <a:latin typeface="+mn-lt"/>
-                          <a:ea typeface="+mn-ea"/>
-                          <a:cs typeface="+mn-cs"/>
-                        </a:rPr>
-                        <a:t>name</a:t>
-                      </a:r>
-                      <a:endParaRPr lang="zh-TW" altLang="en-US" sz="1800" b="1" kern="1200">
-                        <a:solidFill>
-                          <a:schemeClr val="lt1"/>
-                        </a:solidFill>
-                        <a:latin typeface="+mn-lt"/>
-                        <a:ea typeface="+mn-ea"/>
-                        <a:cs typeface="+mn-cs"/>
-                      </a:endParaRPr>
-                    </a:p>
-                  </a:txBody>
-                  <a:tcPr/>
-                </a:tc>
-                <a:tc>
-                  <a:txBody>
-                    <a:bodyPr/>
-                    <a:lstStyle/>
-                    <a:p>
-                      <a:r>
-                        <a:rPr lang="en-US" altLang="zh-TW" sz="1800" b="1" kern="1200">
-                          <a:solidFill>
-                            <a:schemeClr val="lt1"/>
-                          </a:solidFill>
-                          <a:latin typeface="+mn-lt"/>
-                          <a:ea typeface="+mn-ea"/>
-                          <a:cs typeface="+mn-cs"/>
-                        </a:rPr>
-                        <a:t>time</a:t>
-                      </a:r>
-                      <a:endParaRPr lang="zh-TW" altLang="en-US" sz="1800" b="1" kern="1200">
-                        <a:solidFill>
-                          <a:schemeClr val="lt1"/>
-                        </a:solidFill>
-                        <a:latin typeface="+mn-lt"/>
-                        <a:ea typeface="+mn-ea"/>
-                        <a:cs typeface="+mn-cs"/>
-                      </a:endParaRPr>
-                    </a:p>
-                  </a:txBody>
-                  <a:tcPr/>
-                </a:tc>
-                <a:tc>
-                  <a:txBody>
-                    <a:bodyPr/>
-                    <a:lstStyle/>
-                    <a:p>
-                      <a:r>
-                        <a:rPr lang="en-US" altLang="zh-TW"/>
-                        <a:t>behavior</a:t>
-                      </a:r>
-                      <a:endParaRPr lang="zh-TW" altLang="en-US"/>
-                    </a:p>
-                  </a:txBody>
-                  <a:tcPr/>
-                </a:tc>
-                <a:tc>
-                  <a:txBody>
-                    <a:bodyPr/>
-                    <a:lstStyle/>
-                    <a:p>
-                      <a:r>
-                        <a:rPr lang="en-US" altLang="zh-TW"/>
-                        <a:t>position</a:t>
-                      </a:r>
-                      <a:endParaRPr lang="zh-TW" altLang="en-US"/>
-                    </a:p>
-                  </a:txBody>
-                  <a:tcPr/>
-                </a:tc>
-                <a:extLst>
-                  <a:ext uri="{0D108BD9-81ED-4DB2-BD59-A6C34878D82A}">
-                    <a16:rowId xmlns:a16="http://schemas.microsoft.com/office/drawing/2014/main" val="2461060276"/>
-                  </a:ext>
-                </a:extLst>
-              </a:tr>
-              <a:tr h="370840">
-                <a:tc>
-                  <a:txBody>
-                    <a:bodyPr/>
-                    <a:lstStyle/>
-                    <a:p>
-                      <a:r>
-                        <a:rPr lang="de-DE" altLang="zh-TW">
-                          <a:latin typeface="Consolas" panose="020B0609020204030204" pitchFamily="49" charset="0"/>
-                        </a:rPr>
-                        <a:t>765DEF</a:t>
-                      </a:r>
-                      <a:endParaRPr lang="zh-TW" altLang="en-US"/>
-                    </a:p>
-                  </a:txBody>
-                  <a:tcPr/>
-                </a:tc>
-                <a:tc>
-                  <a:txBody>
-                    <a:bodyPr/>
-                    <a:lstStyle/>
-                    <a:p>
-                      <a:r>
-                        <a:rPr lang="de-DE" altLang="zh-TW">
-                          <a:latin typeface="Consolas" panose="020B0609020204030204" pitchFamily="49" charset="0"/>
-                        </a:rPr>
-                        <a:t>01:01:05:59</a:t>
-                      </a:r>
-                    </a:p>
-                  </a:txBody>
-                  <a:tcPr/>
-                </a:tc>
-                <a:tc>
-                  <a:txBody>
-                    <a:bodyPr/>
-                    <a:lstStyle/>
-                    <a:p>
-                      <a:r>
-                        <a:rPr lang="de-DE" altLang="zh-TW">
-                          <a:highlight>
-                            <a:srgbClr val="FFFF00"/>
-                          </a:highlight>
-                          <a:latin typeface="Consolas" panose="020B0609020204030204" pitchFamily="49" charset="0"/>
-                        </a:rPr>
-                        <a:t>enter</a:t>
-                      </a:r>
-                      <a:endParaRPr lang="zh-TW" altLang="en-US">
-                        <a:highlight>
-                          <a:srgbClr val="FFFF00"/>
-                        </a:highlight>
-                      </a:endParaRPr>
-                    </a:p>
-                  </a:txBody>
-                  <a:tcPr/>
-                </a:tc>
-                <a:tc>
-                  <a:txBody>
-                    <a:bodyPr/>
-                    <a:lstStyle/>
-                    <a:p>
-                      <a:r>
-                        <a:rPr lang="de-DE" altLang="zh-TW">
-                          <a:latin typeface="Consolas" panose="020B0609020204030204" pitchFamily="49" charset="0"/>
-                        </a:rPr>
-                        <a:t>17</a:t>
-                      </a:r>
-                      <a:endParaRPr lang="zh-TW" altLang="en-US"/>
-                    </a:p>
-                  </a:txBody>
-                  <a:tcPr/>
-                </a:tc>
-                <a:extLst>
-                  <a:ext uri="{0D108BD9-81ED-4DB2-BD59-A6C34878D82A}">
-                    <a16:rowId xmlns:a16="http://schemas.microsoft.com/office/drawing/2014/main" val="1515131760"/>
-                  </a:ext>
-                </a:extLst>
-              </a:tr>
-              <a:tr h="370840">
-                <a:tc>
-                  <a:txBody>
-                    <a:bodyPr/>
-                    <a:lstStyle/>
-                    <a:p>
-                      <a:r>
-                        <a:rPr lang="de-DE" altLang="zh-TW">
-                          <a:latin typeface="Consolas" panose="020B0609020204030204" pitchFamily="49" charset="0"/>
-                        </a:rPr>
-                        <a:t>ABCD123</a:t>
-                      </a:r>
-                      <a:endParaRPr lang="zh-TW" altLang="en-US"/>
-                    </a:p>
-                  </a:txBody>
-                  <a:tcPr/>
-                </a:tc>
-                <a:tc>
-                  <a:txBody>
-                    <a:bodyPr/>
-                    <a:lstStyle/>
-                    <a:p>
-                      <a:r>
-                        <a:rPr lang="de-DE" altLang="zh-TW">
-                          <a:latin typeface="Consolas" panose="020B0609020204030204" pitchFamily="49" charset="0"/>
-                        </a:rPr>
-                        <a:t>01:01:06:01</a:t>
-                      </a:r>
-                    </a:p>
-                  </a:txBody>
-                  <a:tcPr/>
-                </a:tc>
-                <a:tc>
-                  <a:txBody>
-                    <a:bodyPr/>
-                    <a:lstStyle/>
-                    <a:p>
-                      <a:r>
-                        <a:rPr lang="de-DE" altLang="zh-TW">
-                          <a:latin typeface="Consolas" panose="020B0609020204030204" pitchFamily="49" charset="0"/>
-                        </a:rPr>
-                        <a:t>enter</a:t>
-                      </a:r>
-                      <a:endParaRPr lang="zh-TW" altLang="en-US"/>
-                    </a:p>
-                  </a:txBody>
-                  <a:tcPr/>
-                </a:tc>
-                <a:tc>
-                  <a:txBody>
-                    <a:bodyPr/>
-                    <a:lstStyle/>
-                    <a:p>
-                      <a:r>
-                        <a:rPr lang="de-DE" altLang="zh-TW">
-                          <a:latin typeface="Consolas" panose="020B0609020204030204" pitchFamily="49" charset="0"/>
-                        </a:rPr>
-                        <a:t>12</a:t>
-                      </a:r>
-                      <a:endParaRPr lang="zh-TW" altLang="en-US"/>
-                    </a:p>
-                  </a:txBody>
-                  <a:tcPr/>
-                </a:tc>
-                <a:extLst>
-                  <a:ext uri="{0D108BD9-81ED-4DB2-BD59-A6C34878D82A}">
-                    <a16:rowId xmlns:a16="http://schemas.microsoft.com/office/drawing/2014/main" val="1217678301"/>
-                  </a:ext>
-                </a:extLst>
-              </a:tr>
-              <a:tr h="370840">
-                <a:tc>
-                  <a:txBody>
-                    <a:bodyPr/>
-                    <a:lstStyle/>
-                    <a:p>
-                      <a:r>
-                        <a:rPr lang="de-DE" altLang="zh-TW">
-                          <a:latin typeface="Consolas" panose="020B0609020204030204" pitchFamily="49" charset="0"/>
-                        </a:rPr>
-                        <a:t>765DEF</a:t>
-                      </a:r>
-                      <a:endParaRPr lang="zh-TW" altLang="en-US"/>
-                    </a:p>
-                  </a:txBody>
-                  <a:tcPr/>
-                </a:tc>
-                <a:tc>
-                  <a:txBody>
-                    <a:bodyPr/>
-                    <a:lstStyle/>
-                    <a:p>
-                      <a:r>
-                        <a:rPr lang="de-DE" altLang="zh-TW">
-                          <a:latin typeface="Consolas" panose="020B0609020204030204" pitchFamily="49" charset="0"/>
-                        </a:rPr>
-                        <a:t>01:01:07:00</a:t>
-                      </a:r>
-                    </a:p>
-                  </a:txBody>
-                  <a:tcPr/>
-                </a:tc>
-                <a:tc>
-                  <a:txBody>
-                    <a:bodyPr/>
-                    <a:lstStyle/>
-                    <a:p>
-                      <a:r>
-                        <a:rPr lang="de-DE" altLang="zh-TW">
-                          <a:latin typeface="Consolas" panose="020B0609020204030204" pitchFamily="49" charset="0"/>
-                        </a:rPr>
-                        <a:t>exit</a:t>
-                      </a:r>
-                      <a:endParaRPr lang="zh-TW" altLang="en-US"/>
-                    </a:p>
-                  </a:txBody>
-                  <a:tcPr/>
-                </a:tc>
-                <a:tc>
-                  <a:txBody>
-                    <a:bodyPr/>
-                    <a:lstStyle/>
-                    <a:p>
-                      <a:r>
-                        <a:rPr lang="de-DE" altLang="zh-TW">
-                          <a:latin typeface="Consolas" panose="020B0609020204030204" pitchFamily="49" charset="0"/>
-                        </a:rPr>
-                        <a:t>95</a:t>
-                      </a:r>
-                      <a:endParaRPr lang="zh-TW" altLang="en-US"/>
-                    </a:p>
-                  </a:txBody>
-                  <a:tcPr/>
-                </a:tc>
-                <a:extLst>
-                  <a:ext uri="{0D108BD9-81ED-4DB2-BD59-A6C34878D82A}">
-                    <a16:rowId xmlns:a16="http://schemas.microsoft.com/office/drawing/2014/main" val="355494396"/>
-                  </a:ext>
-                </a:extLst>
-              </a:tr>
-              <a:tr h="370840">
-                <a:tc>
-                  <a:txBody>
-                    <a:bodyPr/>
-                    <a:lstStyle/>
-                    <a:p>
-                      <a:r>
-                        <a:rPr lang="de-DE" altLang="zh-TW">
-                          <a:latin typeface="Consolas" panose="020B0609020204030204" pitchFamily="49" charset="0"/>
-                        </a:rPr>
-                        <a:t>ABCD123</a:t>
-                      </a:r>
-                      <a:endParaRPr lang="zh-TW" altLang="en-US"/>
-                    </a:p>
-                  </a:txBody>
-                  <a:tcPr/>
-                </a:tc>
-                <a:tc>
-                  <a:txBody>
-                    <a:bodyPr/>
-                    <a:lstStyle/>
-                    <a:p>
-                      <a:r>
-                        <a:rPr lang="de-DE" altLang="zh-TW">
-                          <a:latin typeface="Consolas" panose="020B0609020204030204" pitchFamily="49" charset="0"/>
-                        </a:rPr>
-                        <a:t>01:01:08:03</a:t>
-                      </a:r>
-                    </a:p>
-                  </a:txBody>
-                  <a:tcPr/>
-                </a:tc>
-                <a:tc>
-                  <a:txBody>
-                    <a:bodyPr/>
-                    <a:lstStyle/>
-                    <a:p>
-                      <a:r>
-                        <a:rPr lang="de-DE" altLang="zh-TW">
-                          <a:latin typeface="Consolas" panose="020B0609020204030204" pitchFamily="49" charset="0"/>
-                        </a:rPr>
-                        <a:t>exit</a:t>
-                      </a:r>
-                      <a:endParaRPr lang="zh-TW" altLang="en-US"/>
-                    </a:p>
-                  </a:txBody>
-                  <a:tcPr/>
-                </a:tc>
-                <a:tc>
-                  <a:txBody>
-                    <a:bodyPr/>
-                    <a:lstStyle/>
-                    <a:p>
-                      <a:r>
-                        <a:rPr lang="de-DE" altLang="zh-TW">
-                          <a:latin typeface="Consolas" panose="020B0609020204030204" pitchFamily="49" charset="0"/>
-                        </a:rPr>
-                        <a:t>100</a:t>
-                      </a:r>
-                      <a:endParaRPr lang="zh-TW" altLang="en-US"/>
-                    </a:p>
-                  </a:txBody>
-                  <a:tcPr/>
-                </a:tc>
-                <a:extLst>
-                  <a:ext uri="{0D108BD9-81ED-4DB2-BD59-A6C34878D82A}">
-                    <a16:rowId xmlns:a16="http://schemas.microsoft.com/office/drawing/2014/main" val="610660536"/>
-                  </a:ext>
-                </a:extLst>
-              </a:tr>
-            </a:tbl>
-          </a:graphicData>
-        </a:graphic>
-      </p:graphicFrame>
-      <p:sp>
-        <p:nvSpPr>
-          <p:cNvPr id="2" name="標題 1">
-            <a:extLst>
-              <a:ext uri="{FF2B5EF4-FFF2-40B4-BE49-F238E27FC236}">
-                <a16:creationId xmlns:a16="http://schemas.microsoft.com/office/drawing/2014/main" id="{FD5B1493-1257-45E4-A5F8-1A4B08ABFF03}"/>
-              </a:ext>
-            </a:extLst>
-          </p:cNvPr>
-          <p:cNvSpPr>
-            <a:spLocks noGrp="1"/>
-          </p:cNvSpPr>
-          <p:nvPr>
-            <p:ph type="title"/>
-          </p:nvPr>
-        </p:nvSpPr>
-        <p:spPr/>
-        <p:txBody>
-          <a:bodyPr/>
-          <a:lstStyle/>
-          <a:p>
-            <a:r>
-              <a:rPr lang="zh-TW" altLang="en-US"/>
-              <a:t>解法</a:t>
-            </a:r>
-          </a:p>
-        </p:txBody>
-      </p:sp>
-      <p:graphicFrame>
-        <p:nvGraphicFramePr>
-          <p:cNvPr id="3" name="表格 2">
-            <a:extLst>
-              <a:ext uri="{FF2B5EF4-FFF2-40B4-BE49-F238E27FC236}">
-                <a16:creationId xmlns:a16="http://schemas.microsoft.com/office/drawing/2014/main" id="{F5BACB3F-4769-4BD8-BC56-8E073F5CDF50}"/>
-              </a:ext>
-            </a:extLst>
-          </p:cNvPr>
-          <p:cNvGraphicFramePr>
-            <a:graphicFrameLocks noGrp="1"/>
-          </p:cNvGraphicFramePr>
-          <p:nvPr>
-            <p:extLst>
-              <p:ext uri="{D42A27DB-BD31-4B8C-83A1-F6EECF244321}">
-                <p14:modId xmlns:p14="http://schemas.microsoft.com/office/powerpoint/2010/main" val="1004229869"/>
-              </p:ext>
-            </p:extLst>
-          </p:nvPr>
-        </p:nvGraphicFramePr>
-        <p:xfrm>
-          <a:off x="6096000" y="3961629"/>
-          <a:ext cx="3754800" cy="370840"/>
-        </p:xfrm>
-        <a:graphic>
-          <a:graphicData uri="http://schemas.openxmlformats.org/drawingml/2006/table">
-            <a:tbl>
-              <a:tblPr firstRow="1" bandRow="1">
-                <a:tableStyleId>{5C22544A-7EE6-4342-B048-85BDC9FD1C3A}</a:tableStyleId>
-              </a:tblPr>
-              <a:tblGrid>
-                <a:gridCol w="1877400">
-                  <a:extLst>
-                    <a:ext uri="{9D8B030D-6E8A-4147-A177-3AD203B41FA5}">
-                      <a16:colId xmlns:a16="http://schemas.microsoft.com/office/drawing/2014/main" val="675905845"/>
-                    </a:ext>
-                  </a:extLst>
-                </a:gridCol>
-                <a:gridCol w="1877400">
-                  <a:extLst>
-                    <a:ext uri="{9D8B030D-6E8A-4147-A177-3AD203B41FA5}">
-                      <a16:colId xmlns:a16="http://schemas.microsoft.com/office/drawing/2014/main" val="3870910898"/>
-                    </a:ext>
-                  </a:extLst>
-                </a:gridCol>
-              </a:tblGrid>
-              <a:tr h="370840">
-                <a:tc>
-                  <a:txBody>
-                    <a:bodyPr/>
-                    <a:lstStyle/>
-                    <a:p>
-                      <a:r>
-                        <a:rPr lang="en-US" altLang="zh-TW"/>
-                        <a:t>name</a:t>
-                      </a:r>
-                      <a:endParaRPr lang="zh-TW" altLang="en-US"/>
-                    </a:p>
-                  </a:txBody>
-                  <a:tcPr/>
-                </a:tc>
-                <a:tc>
-                  <a:txBody>
-                    <a:bodyPr/>
-                    <a:lstStyle/>
-                    <a:p>
-                      <a:r>
-                        <a:rPr lang="en-US" altLang="zh-TW"/>
-                        <a:t>money</a:t>
-                      </a:r>
-                      <a:endParaRPr lang="zh-TW" altLang="en-US"/>
-                    </a:p>
-                  </a:txBody>
-                  <a:tcPr/>
-                </a:tc>
-                <a:extLst>
-                  <a:ext uri="{0D108BD9-81ED-4DB2-BD59-A6C34878D82A}">
-                    <a16:rowId xmlns:a16="http://schemas.microsoft.com/office/drawing/2014/main" val="1471625119"/>
-                  </a:ext>
-                </a:extLst>
-              </a:tr>
-            </a:tbl>
-          </a:graphicData>
-        </a:graphic>
-      </p:graphicFrame>
-      <p:graphicFrame>
-        <p:nvGraphicFramePr>
-          <p:cNvPr id="5" name="表格 4">
-            <a:extLst>
-              <a:ext uri="{FF2B5EF4-FFF2-40B4-BE49-F238E27FC236}">
-                <a16:creationId xmlns:a16="http://schemas.microsoft.com/office/drawing/2014/main" id="{AC16E3E4-AECA-4792-B9C7-E978D357A329}"/>
-              </a:ext>
-            </a:extLst>
-          </p:cNvPr>
-          <p:cNvGraphicFramePr>
-            <a:graphicFrameLocks noGrp="1"/>
-          </p:cNvGraphicFramePr>
-          <p:nvPr>
-            <p:extLst>
-              <p:ext uri="{D42A27DB-BD31-4B8C-83A1-F6EECF244321}">
-                <p14:modId xmlns:p14="http://schemas.microsoft.com/office/powerpoint/2010/main" val="1656486825"/>
-              </p:ext>
-            </p:extLst>
-          </p:nvPr>
-        </p:nvGraphicFramePr>
-        <p:xfrm>
-          <a:off x="1261872" y="3961629"/>
-          <a:ext cx="4665600" cy="741680"/>
-        </p:xfrm>
-        <a:graphic>
-          <a:graphicData uri="http://schemas.openxmlformats.org/drawingml/2006/table">
-            <a:tbl>
-              <a:tblPr firstRow="1" bandRow="1">
-                <a:tableStyleId>{5C22544A-7EE6-4342-B048-85BDC9FD1C3A}</a:tableStyleId>
-              </a:tblPr>
-              <a:tblGrid>
-                <a:gridCol w="1062924">
-                  <a:extLst>
-                    <a:ext uri="{9D8B030D-6E8A-4147-A177-3AD203B41FA5}">
-                      <a16:colId xmlns:a16="http://schemas.microsoft.com/office/drawing/2014/main" val="675905845"/>
-                    </a:ext>
-                  </a:extLst>
-                </a:gridCol>
-                <a:gridCol w="3602676">
-                  <a:extLst>
-                    <a:ext uri="{9D8B030D-6E8A-4147-A177-3AD203B41FA5}">
-                      <a16:colId xmlns:a16="http://schemas.microsoft.com/office/drawing/2014/main" val="3870910898"/>
-                    </a:ext>
-                  </a:extLst>
-                </a:gridCol>
-              </a:tblGrid>
-              <a:tr h="370840">
-                <a:tc>
-                  <a:txBody>
-                    <a:bodyPr/>
-                    <a:lstStyle/>
-                    <a:p>
-                      <a:r>
-                        <a:rPr lang="en-US" altLang="zh-TW"/>
-                        <a:t>name</a:t>
-                      </a:r>
-                      <a:endParaRPr lang="zh-TW" altLang="en-US"/>
-                    </a:p>
-                  </a:txBody>
-                  <a:tcPr/>
-                </a:tc>
-                <a:tc>
-                  <a:txBody>
-                    <a:bodyPr/>
-                    <a:lstStyle/>
-                    <a:p>
-                      <a:r>
-                        <a:rPr lang="en-US" altLang="zh-TW"/>
-                        <a:t>name,  time, behavior, position</a:t>
-                      </a:r>
-                      <a:endParaRPr lang="zh-TW" altLang="en-US"/>
-                    </a:p>
-                  </a:txBody>
-                  <a:tcPr/>
-                </a:tc>
-                <a:extLst>
-                  <a:ext uri="{0D108BD9-81ED-4DB2-BD59-A6C34878D82A}">
-                    <a16:rowId xmlns:a16="http://schemas.microsoft.com/office/drawing/2014/main" val="1471625119"/>
-                  </a:ext>
-                </a:extLst>
-              </a:tr>
-              <a:tr h="370840">
-                <a:tc>
-                  <a:txBody>
-                    <a:bodyPr/>
-                    <a:lstStyle/>
-                    <a:p>
-                      <a:r>
-                        <a:rPr lang="de-DE" altLang="zh-TW">
-                          <a:latin typeface="Consolas" panose="020B0609020204030204" pitchFamily="49" charset="0"/>
-                        </a:rPr>
-                        <a:t>765DEF</a:t>
-                      </a:r>
-                      <a:endParaRPr lang="zh-TW" altLang="en-US"/>
-                    </a:p>
-                  </a:txBody>
-                  <a:tcPr/>
-                </a:tc>
-                <a:tc>
-                  <a:txBody>
-                    <a:bodyPr/>
-                    <a:lstStyle/>
-                    <a:p>
-                      <a:r>
-                        <a:rPr lang="en-US" altLang="zh-TW"/>
-                        <a:t>…</a:t>
-                      </a:r>
-                      <a:endParaRPr lang="zh-TW" altLang="en-US"/>
-                    </a:p>
-                  </a:txBody>
-                  <a:tcPr/>
-                </a:tc>
-                <a:extLst>
-                  <a:ext uri="{0D108BD9-81ED-4DB2-BD59-A6C34878D82A}">
-                    <a16:rowId xmlns:a16="http://schemas.microsoft.com/office/drawing/2014/main" val="40607378"/>
-                  </a:ext>
-                </a:extLst>
-              </a:tr>
-            </a:tbl>
-          </a:graphicData>
-        </a:graphic>
-      </p:graphicFrame>
-      <p:sp>
-        <p:nvSpPr>
-          <p:cNvPr id="6" name="箭號: 向右 5">
-            <a:extLst>
-              <a:ext uri="{FF2B5EF4-FFF2-40B4-BE49-F238E27FC236}">
-                <a16:creationId xmlns:a16="http://schemas.microsoft.com/office/drawing/2014/main" id="{140342EB-71E3-476D-A2D0-02B2A6782CDD}"/>
-              </a:ext>
-            </a:extLst>
-          </p:cNvPr>
-          <p:cNvSpPr/>
-          <p:nvPr/>
-        </p:nvSpPr>
-        <p:spPr>
-          <a:xfrm>
-            <a:off x="887680" y="2315688"/>
-            <a:ext cx="231569" cy="184068"/>
-          </a:xfrm>
-          <a:prstGeom prst="rightArrow">
-            <a:avLst/>
-          </a:prstGeom>
-        </p:spPr>
-        <p:style>
-          <a:lnRef idx="2">
-            <a:schemeClr val="accent1">
-              <a:shade val="50000"/>
-            </a:schemeClr>
-          </a:lnRef>
-          <a:fillRef idx="1">
-            <a:schemeClr val="accent1"/>
-          </a:fillRef>
-          <a:effectRef idx="0">
-            <a:schemeClr val="accent1"/>
-          </a:effectRef>
-          <a:fontRef idx="minor">
-            <a:schemeClr val="lt1"/>
-          </a:fontRef>
-        </p:style>
-        <p:txBody>
-          <a:bodyPr rtlCol="0" anchor="ctr"/>
-          <a:lstStyle/>
-          <a:p>
-            <a:pPr algn="ctr"/>
-            <a:endParaRPr lang="zh-TW" altLang="en-US"/>
-          </a:p>
-        </p:txBody>
-      </p:sp>
-    </p:spTree>
-    <p:extLst>
-      <p:ext uri="{BB962C8B-B14F-4D97-AF65-F5344CB8AC3E}">
-        <p14:creationId xmlns:p14="http://schemas.microsoft.com/office/powerpoint/2010/main" val="1391110794"/>
       </p:ext>
     </p:extLst>
   </p:cSld>
